--- a/Автоматизированная система моделирования волоконно-оптических датчиков со структурным резервированием.pptx
+++ b/Автоматизированная система моделирования волоконно-оптических датчиков со структурным резервированием.pptx
@@ -5,14 +5,17 @@
     <p:sldMasterId id="2147483648" r:id="rId1"/>
   </p:sldMasterIdLst>
   <p:notesMasterIdLst>
-    <p:notesMasterId r:id="rId7"/>
+    <p:notesMasterId r:id="rId10"/>
   </p:notesMasterIdLst>
   <p:sldIdLst>
     <p:sldId id="256" r:id="rId2"/>
     <p:sldId id="257" r:id="rId3"/>
     <p:sldId id="258" r:id="rId4"/>
     <p:sldId id="259" r:id="rId5"/>
-    <p:sldId id="260" r:id="rId6"/>
+    <p:sldId id="261" r:id="rId6"/>
+    <p:sldId id="262" r:id="rId7"/>
+    <p:sldId id="260" r:id="rId8"/>
+    <p:sldId id="263" r:id="rId9"/>
   </p:sldIdLst>
   <p:sldSz cx="9144000" cy="6858000" type="screen4x3"/>
   <p:notesSz cx="6858000" cy="9144000"/>
@@ -3748,33 +3751,67 @@
             <p:ph idx="1"/>
           </p:nvPr>
         </p:nvSpPr>
-        <p:spPr/>
-        <p:txBody>
-          <a:bodyPr/>
+        <p:spPr>
+          <a:xfrm>
+            <a:off x="395536" y="1340768"/>
+            <a:ext cx="8229600" cy="4525963"/>
+          </a:xfrm>
+        </p:spPr>
+        <p:txBody>
+          <a:bodyPr>
+            <a:normAutofit fontScale="92500" lnSpcReduction="10000"/>
+          </a:bodyPr>
           <a:lstStyle/>
           <a:p>
             <a:pPr marL="0" indent="0">
               <a:buNone/>
             </a:pPr>
             <a:r>
-              <a:rPr lang="ru-RU" dirty="0" smtClean="0"/>
-              <a:t>Цель: </a:t>
+              <a:rPr lang="ru-RU" sz="2800" dirty="0" smtClean="0"/>
+              <a:t>Цель: Разработать автоматизированную систему моделирования волоконно-оптических датчиков со структурным резервированием</a:t>
             </a:r>
           </a:p>
           <a:p>
             <a:pPr marL="0" indent="0">
               <a:buNone/>
             </a:pPr>
+            <a:r>
+              <a:rPr lang="ru-RU" sz="2800" dirty="0" smtClean="0"/>
+              <a:t>Задачи:</a:t>
+            </a:r>
+          </a:p>
+          <a:p>
+            <a:r>
+              <a:rPr lang="ru-RU" sz="2800" dirty="0" smtClean="0"/>
+              <a:t>Изучить предметную область</a:t>
+            </a:r>
+          </a:p>
+          <a:p>
+            <a:r>
+              <a:rPr lang="ru-RU" sz="2800" dirty="0" smtClean="0"/>
+              <a:t>Разработать структуру базы данных</a:t>
+            </a:r>
+          </a:p>
+          <a:p>
+            <a:r>
+              <a:rPr lang="ru-RU" sz="2800" dirty="0" smtClean="0"/>
+              <a:t>Разработать информационно-логический проект системы</a:t>
+            </a:r>
+          </a:p>
+          <a:p>
+            <a:r>
+              <a:rPr lang="ru-RU" sz="2800" dirty="0" smtClean="0"/>
+              <a:t>Разработать и реализовать программное и информационное обеспечение</a:t>
+            </a:r>
+          </a:p>
+          <a:p>
+            <a:r>
+              <a:rPr lang="ru-RU" sz="2800" dirty="0" smtClean="0"/>
+              <a:t>Провести тестирование и отладку</a:t>
+            </a:r>
+          </a:p>
+          <a:p>
             <a:endParaRPr lang="ru-RU" dirty="0" smtClean="0"/>
-          </a:p>
-          <a:p>
-            <a:pPr marL="0" indent="0">
-              <a:buNone/>
-            </a:pPr>
-            <a:r>
-              <a:rPr lang="ru-RU" dirty="0" smtClean="0"/>
-              <a:t>Задачи:</a:t>
-            </a:r>
           </a:p>
           <a:p>
             <a:endParaRPr lang="ru-RU" dirty="0"/>
@@ -3857,25 +3894,35 @@
           </a:p>
         </p:txBody>
       </p:sp>
-      <p:sp>
-        <p:nvSpPr>
-          <p:cNvPr id="3" name="Объект 2"/>
-          <p:cNvSpPr>
-            <a:spLocks noGrp="1"/>
-          </p:cNvSpPr>
+      <p:pic>
+        <p:nvPicPr>
+          <p:cNvPr id="5" name="Объект 4"/>
+          <p:cNvPicPr>
+            <a:picLocks noGrp="1" noChangeAspect="1"/>
+          </p:cNvPicPr>
           <p:nvPr>
             <p:ph idx="1"/>
           </p:nvPr>
-        </p:nvSpPr>
-        <p:spPr/>
-        <p:txBody>
-          <a:bodyPr/>
-          <a:lstStyle/>
-          <a:p>
-            <a:endParaRPr lang="ru-RU"/>
-          </a:p>
-        </p:txBody>
-      </p:sp>
+        </p:nvPicPr>
+        <p:blipFill>
+          <a:blip r:embed="rId2">
+            <a:extLst>
+              <a:ext uri="{28A0092B-C50C-407E-A947-70E740481C1C}">
+                <a14:useLocalDpi xmlns:a14="http://schemas.microsoft.com/office/drawing/2010/main" val="0"/>
+              </a:ext>
+            </a:extLst>
+          </a:blip>
+          <a:stretch>
+            <a:fillRect/>
+          </a:stretch>
+        </p:blipFill>
+        <p:spPr>
+          <a:xfrm>
+            <a:off x="539552" y="1412776"/>
+            <a:ext cx="8225749" cy="4812063"/>
+          </a:xfrm>
+        </p:spPr>
+      </p:pic>
       <p:sp>
         <p:nvSpPr>
           <p:cNvPr id="4" name="Номер слайда 3"/>
@@ -3954,25 +4001,6 @@
       </p:sp>
       <p:sp>
         <p:nvSpPr>
-          <p:cNvPr id="3" name="Объект 2"/>
-          <p:cNvSpPr>
-            <a:spLocks noGrp="1"/>
-          </p:cNvSpPr>
-          <p:nvPr>
-            <p:ph idx="1"/>
-          </p:nvPr>
-        </p:nvSpPr>
-        <p:spPr/>
-        <p:txBody>
-          <a:bodyPr/>
-          <a:lstStyle/>
-          <a:p>
-            <a:endParaRPr lang="ru-RU"/>
-          </a:p>
-        </p:txBody>
-      </p:sp>
-      <p:sp>
-        <p:nvSpPr>
           <p:cNvPr id="4" name="Номер слайда 3"/>
           <p:cNvSpPr>
             <a:spLocks noGrp="1"/>
@@ -3991,6 +4019,75 @@
               <a:t>4</a:t>
             </a:fld>
             <a:endParaRPr lang="ru-RU"/>
+          </a:p>
+        </p:txBody>
+      </p:sp>
+      <p:pic>
+        <p:nvPicPr>
+          <p:cNvPr id="5" name="Объект 4" descr="ZHurnal_setevyh_reshenij_Telekom_1_(4115)_500">
+            <a:hlinkClick r:id="rId2"/>
+          </p:cNvPr>
+          <p:cNvPicPr>
+            <a:picLocks noGrp="1"/>
+          </p:cNvPicPr>
+          <p:nvPr>
+            <p:ph idx="1"/>
+          </p:nvPr>
+        </p:nvPicPr>
+        <p:blipFill>
+          <a:blip r:embed="rId3">
+            <a:extLst>
+              <a:ext uri="{28A0092B-C50C-407E-A947-70E740481C1C}">
+                <a14:useLocalDpi xmlns:a14="http://schemas.microsoft.com/office/drawing/2010/main" val="0"/>
+              </a:ext>
+            </a:extLst>
+          </a:blip>
+          <a:srcRect/>
+          <a:stretch>
+            <a:fillRect/>
+          </a:stretch>
+        </p:blipFill>
+        <p:spPr bwMode="auto">
+          <a:xfrm>
+            <a:off x="539552" y="2348880"/>
+            <a:ext cx="8208912" cy="2448272"/>
+          </a:xfrm>
+          <a:prstGeom prst="rect">
+            <a:avLst/>
+          </a:prstGeom>
+          <a:noFill/>
+          <a:ln>
+            <a:noFill/>
+          </a:ln>
+        </p:spPr>
+      </p:pic>
+      <p:sp>
+        <p:nvSpPr>
+          <p:cNvPr id="7" name="TextBox 6"/>
+          <p:cNvSpPr txBox="1"/>
+          <p:nvPr/>
+        </p:nvSpPr>
+        <p:spPr>
+          <a:xfrm>
+            <a:off x="611559" y="1537628"/>
+            <a:ext cx="3246979" cy="523220"/>
+          </a:xfrm>
+          <a:prstGeom prst="rect">
+            <a:avLst/>
+          </a:prstGeom>
+          <a:noFill/>
+        </p:spPr>
+        <p:txBody>
+          <a:bodyPr wrap="none" rtlCol="0">
+            <a:spAutoFit/>
+          </a:bodyPr>
+          <a:lstStyle/>
+          <a:p>
+            <a:r>
+              <a:rPr lang="ru-RU" sz="2800" dirty="0" smtClean="0"/>
+              <a:t>Линейная структура</a:t>
+            </a:r>
+            <a:endParaRPr lang="ru-RU" sz="2800" dirty="0"/>
           </a:p>
         </p:txBody>
       </p:sp>
@@ -4041,28 +4138,9 @@
           <a:p>
             <a:r>
               <a:rPr lang="ru-RU" dirty="0" smtClean="0"/>
-              <a:t>Системы аналоги</a:t>
+              <a:t>Виды резервирования</a:t>
             </a:r>
             <a:endParaRPr lang="ru-RU" dirty="0"/>
-          </a:p>
-        </p:txBody>
-      </p:sp>
-      <p:sp>
-        <p:nvSpPr>
-          <p:cNvPr id="3" name="Объект 2"/>
-          <p:cNvSpPr>
-            <a:spLocks noGrp="1"/>
-          </p:cNvSpPr>
-          <p:nvPr>
-            <p:ph idx="1"/>
-          </p:nvPr>
-        </p:nvSpPr>
-        <p:spPr/>
-        <p:txBody>
-          <a:bodyPr/>
-          <a:lstStyle/>
-          <a:p>
-            <a:endParaRPr lang="ru-RU"/>
           </a:p>
         </p:txBody>
       </p:sp>
@@ -4089,10 +4167,449 @@
           </a:p>
         </p:txBody>
       </p:sp>
+      <p:pic>
+        <p:nvPicPr>
+          <p:cNvPr id="5" name="Объект 4" descr="ZHurnal_setevyh_reshenij_Telekom_2_(7969)_500">
+            <a:hlinkClick r:id="rId2"/>
+          </p:cNvPr>
+          <p:cNvPicPr>
+            <a:picLocks noGrp="1"/>
+          </p:cNvPicPr>
+          <p:nvPr>
+            <p:ph idx="1"/>
+          </p:nvPr>
+        </p:nvPicPr>
+        <p:blipFill>
+          <a:blip r:embed="rId3">
+            <a:extLst>
+              <a:ext uri="{28A0092B-C50C-407E-A947-70E740481C1C}">
+                <a14:useLocalDpi xmlns:a14="http://schemas.microsoft.com/office/drawing/2010/main" val="0"/>
+              </a:ext>
+            </a:extLst>
+          </a:blip>
+          <a:srcRect/>
+          <a:stretch>
+            <a:fillRect/>
+          </a:stretch>
+        </p:blipFill>
+        <p:spPr bwMode="auto">
+          <a:xfrm>
+            <a:off x="1187624" y="1916832"/>
+            <a:ext cx="7056784" cy="4300191"/>
+          </a:xfrm>
+          <a:prstGeom prst="rect">
+            <a:avLst/>
+          </a:prstGeom>
+          <a:noFill/>
+          <a:ln>
+            <a:noFill/>
+          </a:ln>
+        </p:spPr>
+      </p:pic>
+      <p:sp>
+        <p:nvSpPr>
+          <p:cNvPr id="6" name="TextBox 5"/>
+          <p:cNvSpPr txBox="1"/>
+          <p:nvPr/>
+        </p:nvSpPr>
+        <p:spPr>
+          <a:xfrm>
+            <a:off x="1043608" y="1268760"/>
+            <a:ext cx="3796809" cy="584775"/>
+          </a:xfrm>
+          <a:prstGeom prst="rect">
+            <a:avLst/>
+          </a:prstGeom>
+          <a:noFill/>
+        </p:spPr>
+        <p:txBody>
+          <a:bodyPr wrap="none" rtlCol="0">
+            <a:spAutoFit/>
+          </a:bodyPr>
+          <a:lstStyle/>
+          <a:p>
+            <a:r>
+              <a:rPr lang="ru-RU" sz="3200" dirty="0" smtClean="0"/>
+              <a:t>Кольцевая структура</a:t>
+            </a:r>
+          </a:p>
+        </p:txBody>
+      </p:sp>
+    </p:spTree>
+    <p:extLst>
+      <p:ext uri="{BB962C8B-B14F-4D97-AF65-F5344CB8AC3E}">
+        <p14:creationId xmlns:p14="http://schemas.microsoft.com/office/powerpoint/2010/main" val="2994001018"/>
+      </p:ext>
+    </p:extLst>
+  </p:cSld>
+  <p:clrMapOvr>
+    <a:masterClrMapping/>
+  </p:clrMapOvr>
+</p:sld>
+</file>
+
+<file path=ppt/slides/slide6.xml><?xml version="1.0" encoding="utf-8"?>
+<p:sld xmlns:a="http://schemas.openxmlformats.org/drawingml/2006/main" xmlns:r="http://schemas.openxmlformats.org/officeDocument/2006/relationships" xmlns:p="http://schemas.openxmlformats.org/presentationml/2006/main">
+  <p:cSld>
+    <p:spTree>
+      <p:nvGrpSpPr>
+        <p:cNvPr id="1" name=""/>
+        <p:cNvGrpSpPr/>
+        <p:nvPr/>
+      </p:nvGrpSpPr>
+      <p:grpSpPr>
+        <a:xfrm>
+          <a:off x="0" y="0"/>
+          <a:ext cx="0" cy="0"/>
+          <a:chOff x="0" y="0"/>
+          <a:chExt cx="0" cy="0"/>
+        </a:xfrm>
+      </p:grpSpPr>
+      <p:sp>
+        <p:nvSpPr>
+          <p:cNvPr id="2" name="Заголовок 1"/>
+          <p:cNvSpPr>
+            <a:spLocks noGrp="1"/>
+          </p:cNvSpPr>
+          <p:nvPr>
+            <p:ph type="title"/>
+          </p:nvPr>
+        </p:nvSpPr>
+        <p:spPr/>
+        <p:txBody>
+          <a:bodyPr/>
+          <a:lstStyle/>
+          <a:p>
+            <a:r>
+              <a:rPr lang="ru-RU" dirty="0" smtClean="0"/>
+              <a:t>Виды резервирования</a:t>
+            </a:r>
+            <a:endParaRPr lang="ru-RU" dirty="0"/>
+          </a:p>
+        </p:txBody>
+      </p:sp>
+      <p:sp>
+        <p:nvSpPr>
+          <p:cNvPr id="4" name="Номер слайда 3"/>
+          <p:cNvSpPr>
+            <a:spLocks noGrp="1"/>
+          </p:cNvSpPr>
+          <p:nvPr>
+            <p:ph type="sldNum" sz="quarter" idx="12"/>
+          </p:nvPr>
+        </p:nvSpPr>
+        <p:spPr/>
+        <p:txBody>
+          <a:bodyPr/>
+          <a:lstStyle/>
+          <a:p>
+            <a:fld id="{7C8E2CEC-E439-4EAB-AFDC-D27F98308DA3}" type="slidenum">
+              <a:rPr lang="ru-RU" smtClean="0"/>
+              <a:t>6</a:t>
+            </a:fld>
+            <a:endParaRPr lang="ru-RU"/>
+          </a:p>
+        </p:txBody>
+      </p:sp>
+      <p:pic>
+        <p:nvPicPr>
+          <p:cNvPr id="5" name="Объект 4" descr="ZHurnal_setevyh_reshenij_Telekom_4_(2948)_500">
+            <a:hlinkClick r:id="rId2"/>
+          </p:cNvPr>
+          <p:cNvPicPr>
+            <a:picLocks noGrp="1"/>
+          </p:cNvPicPr>
+          <p:nvPr>
+            <p:ph idx="1"/>
+          </p:nvPr>
+        </p:nvPicPr>
+        <p:blipFill>
+          <a:blip r:embed="rId3">
+            <a:extLst>
+              <a:ext uri="{28A0092B-C50C-407E-A947-70E740481C1C}">
+                <a14:useLocalDpi xmlns:a14="http://schemas.microsoft.com/office/drawing/2010/main" val="0"/>
+              </a:ext>
+            </a:extLst>
+          </a:blip>
+          <a:srcRect/>
+          <a:stretch>
+            <a:fillRect/>
+          </a:stretch>
+        </p:blipFill>
+        <p:spPr bwMode="auto">
+          <a:xfrm>
+            <a:off x="539552" y="2348880"/>
+            <a:ext cx="8280920" cy="3600399"/>
+          </a:xfrm>
+          <a:prstGeom prst="rect">
+            <a:avLst/>
+          </a:prstGeom>
+          <a:noFill/>
+          <a:ln>
+            <a:noFill/>
+          </a:ln>
+        </p:spPr>
+      </p:pic>
+      <p:sp>
+        <p:nvSpPr>
+          <p:cNvPr id="6" name="TextBox 5"/>
+          <p:cNvSpPr txBox="1"/>
+          <p:nvPr/>
+        </p:nvSpPr>
+        <p:spPr>
+          <a:xfrm>
+            <a:off x="539552" y="1484784"/>
+            <a:ext cx="4454617" cy="523220"/>
+          </a:xfrm>
+          <a:prstGeom prst="rect">
+            <a:avLst/>
+          </a:prstGeom>
+          <a:noFill/>
+        </p:spPr>
+        <p:txBody>
+          <a:bodyPr wrap="none" rtlCol="0">
+            <a:spAutoFit/>
+          </a:bodyPr>
+          <a:lstStyle/>
+          <a:p>
+            <a:r>
+              <a:rPr lang="ru-RU" sz="2800" dirty="0" smtClean="0"/>
+              <a:t>Системное резервирование</a:t>
+            </a:r>
+          </a:p>
+        </p:txBody>
+      </p:sp>
+    </p:spTree>
+    <p:extLst>
+      <p:ext uri="{BB962C8B-B14F-4D97-AF65-F5344CB8AC3E}">
+        <p14:creationId xmlns:p14="http://schemas.microsoft.com/office/powerpoint/2010/main" val="1785014345"/>
+      </p:ext>
+    </p:extLst>
+  </p:cSld>
+  <p:clrMapOvr>
+    <a:masterClrMapping/>
+  </p:clrMapOvr>
+</p:sld>
+</file>
+
+<file path=ppt/slides/slide7.xml><?xml version="1.0" encoding="utf-8"?>
+<p:sld xmlns:a="http://schemas.openxmlformats.org/drawingml/2006/main" xmlns:r="http://schemas.openxmlformats.org/officeDocument/2006/relationships" xmlns:p="http://schemas.openxmlformats.org/presentationml/2006/main">
+  <p:cSld>
+    <p:spTree>
+      <p:nvGrpSpPr>
+        <p:cNvPr id="1" name=""/>
+        <p:cNvGrpSpPr/>
+        <p:nvPr/>
+      </p:nvGrpSpPr>
+      <p:grpSpPr>
+        <a:xfrm>
+          <a:off x="0" y="0"/>
+          <a:ext cx="0" cy="0"/>
+          <a:chOff x="0" y="0"/>
+          <a:chExt cx="0" cy="0"/>
+        </a:xfrm>
+      </p:grpSpPr>
+      <p:sp>
+        <p:nvSpPr>
+          <p:cNvPr id="2" name="Заголовок 1"/>
+          <p:cNvSpPr>
+            <a:spLocks noGrp="1"/>
+          </p:cNvSpPr>
+          <p:nvPr>
+            <p:ph type="title"/>
+          </p:nvPr>
+        </p:nvSpPr>
+        <p:spPr/>
+        <p:txBody>
+          <a:bodyPr>
+            <a:noAutofit/>
+          </a:bodyPr>
+          <a:lstStyle/>
+          <a:p>
+            <a:r>
+              <a:rPr lang="ru-RU" sz="2800" dirty="0"/>
+              <a:t>Автоматизированная система моделирования и анализа волоконно-оптических датчиков на </a:t>
+            </a:r>
+            <a:r>
+              <a:rPr lang="ru-RU" sz="2800" dirty="0" err="1"/>
+              <a:t>брэгговских</a:t>
+            </a:r>
+            <a:r>
+              <a:rPr lang="ru-RU" sz="2800" dirty="0"/>
+              <a:t> решетках</a:t>
+            </a:r>
+          </a:p>
+        </p:txBody>
+      </p:sp>
+      <p:sp>
+        <p:nvSpPr>
+          <p:cNvPr id="4" name="Номер слайда 3"/>
+          <p:cNvSpPr>
+            <a:spLocks noGrp="1"/>
+          </p:cNvSpPr>
+          <p:nvPr>
+            <p:ph type="sldNum" sz="quarter" idx="12"/>
+          </p:nvPr>
+        </p:nvSpPr>
+        <p:spPr/>
+        <p:txBody>
+          <a:bodyPr/>
+          <a:lstStyle/>
+          <a:p>
+            <a:fld id="{7C8E2CEC-E439-4EAB-AFDC-D27F98308DA3}" type="slidenum">
+              <a:rPr lang="ru-RU" smtClean="0"/>
+              <a:t>7</a:t>
+            </a:fld>
+            <a:endParaRPr lang="ru-RU"/>
+          </a:p>
+        </p:txBody>
+      </p:sp>
+      <p:pic>
+        <p:nvPicPr>
+          <p:cNvPr id="5" name="Объект 4"/>
+          <p:cNvPicPr>
+            <a:picLocks noGrp="1"/>
+          </p:cNvPicPr>
+          <p:nvPr>
+            <p:ph idx="1"/>
+          </p:nvPr>
+        </p:nvPicPr>
+        <p:blipFill rotWithShape="1">
+          <a:blip r:embed="rId2"/>
+          <a:srcRect l="20375" t="23744" r="25617" b="12304"/>
+          <a:stretch/>
+        </p:blipFill>
+        <p:spPr bwMode="auto">
+          <a:xfrm>
+            <a:off x="1115616" y="1484784"/>
+            <a:ext cx="7180760" cy="4787335"/>
+          </a:xfrm>
+          <a:prstGeom prst="rect">
+            <a:avLst/>
+          </a:prstGeom>
+          <a:ln>
+            <a:noFill/>
+          </a:ln>
+          <a:extLst>
+            <a:ext uri="{53640926-AAD7-44D8-BBD7-CCE9431645EC}">
+              <a14:shadowObscured xmlns:a14="http://schemas.microsoft.com/office/drawing/2010/main"/>
+            </a:ext>
+          </a:extLst>
+        </p:spPr>
+      </p:pic>
     </p:spTree>
     <p:extLst>
       <p:ext uri="{BB962C8B-B14F-4D97-AF65-F5344CB8AC3E}">
         <p14:creationId xmlns:p14="http://schemas.microsoft.com/office/powerpoint/2010/main" val="355295274"/>
+      </p:ext>
+    </p:extLst>
+  </p:cSld>
+  <p:clrMapOvr>
+    <a:masterClrMapping/>
+  </p:clrMapOvr>
+</p:sld>
+</file>
+
+<file path=ppt/slides/slide8.xml><?xml version="1.0" encoding="utf-8"?>
+<p:sld xmlns:a="http://schemas.openxmlformats.org/drawingml/2006/main" xmlns:r="http://schemas.openxmlformats.org/officeDocument/2006/relationships" xmlns:p="http://schemas.openxmlformats.org/presentationml/2006/main">
+  <p:cSld>
+    <p:spTree>
+      <p:nvGrpSpPr>
+        <p:cNvPr id="1" name=""/>
+        <p:cNvGrpSpPr/>
+        <p:nvPr/>
+      </p:nvGrpSpPr>
+      <p:grpSpPr>
+        <a:xfrm>
+          <a:off x="0" y="0"/>
+          <a:ext cx="0" cy="0"/>
+          <a:chOff x="0" y="0"/>
+          <a:chExt cx="0" cy="0"/>
+        </a:xfrm>
+      </p:grpSpPr>
+      <p:sp>
+        <p:nvSpPr>
+          <p:cNvPr id="2" name="Заголовок 1"/>
+          <p:cNvSpPr>
+            <a:spLocks noGrp="1"/>
+          </p:cNvSpPr>
+          <p:nvPr>
+            <p:ph type="title"/>
+          </p:nvPr>
+        </p:nvSpPr>
+        <p:spPr/>
+        <p:txBody>
+          <a:bodyPr/>
+          <a:lstStyle/>
+          <a:p>
+            <a:r>
+              <a:rPr lang="en-US" dirty="0"/>
+              <a:t>Trace Mode</a:t>
+            </a:r>
+            <a:endParaRPr lang="ru-RU" dirty="0"/>
+          </a:p>
+        </p:txBody>
+      </p:sp>
+      <p:sp>
+        <p:nvSpPr>
+          <p:cNvPr id="4" name="Номер слайда 3"/>
+          <p:cNvSpPr>
+            <a:spLocks noGrp="1"/>
+          </p:cNvSpPr>
+          <p:nvPr>
+            <p:ph type="sldNum" sz="quarter" idx="12"/>
+          </p:nvPr>
+        </p:nvSpPr>
+        <p:spPr/>
+        <p:txBody>
+          <a:bodyPr/>
+          <a:lstStyle/>
+          <a:p>
+            <a:fld id="{7C8E2CEC-E439-4EAB-AFDC-D27F98308DA3}" type="slidenum">
+              <a:rPr lang="ru-RU" smtClean="0"/>
+              <a:t>8</a:t>
+            </a:fld>
+            <a:endParaRPr lang="ru-RU"/>
+          </a:p>
+        </p:txBody>
+      </p:sp>
+      <p:pic>
+        <p:nvPicPr>
+          <p:cNvPr id="5" name="Объект 4"/>
+          <p:cNvPicPr>
+            <a:picLocks noGrp="1"/>
+          </p:cNvPicPr>
+          <p:nvPr>
+            <p:ph idx="1"/>
+          </p:nvPr>
+        </p:nvPicPr>
+        <p:blipFill rotWithShape="1">
+          <a:blip r:embed="rId2"/>
+          <a:srcRect r="23863" b="7452"/>
+          <a:stretch/>
+        </p:blipFill>
+        <p:spPr bwMode="auto">
+          <a:xfrm>
+            <a:off x="971600" y="1340768"/>
+            <a:ext cx="7198121" cy="5001419"/>
+          </a:xfrm>
+          <a:prstGeom prst="rect">
+            <a:avLst/>
+          </a:prstGeom>
+          <a:ln>
+            <a:noFill/>
+          </a:ln>
+          <a:extLst>
+            <a:ext uri="{53640926-AAD7-44D8-BBD7-CCE9431645EC}">
+              <a14:shadowObscured xmlns:a14="http://schemas.microsoft.com/office/drawing/2010/main"/>
+            </a:ext>
+          </a:extLst>
+        </p:spPr>
+      </p:pic>
+    </p:spTree>
+    <p:extLst>
+      <p:ext uri="{BB962C8B-B14F-4D97-AF65-F5344CB8AC3E}">
+        <p14:creationId xmlns:p14="http://schemas.microsoft.com/office/powerpoint/2010/main" val="2331536964"/>
       </p:ext>
     </p:extLst>
   </p:cSld>

--- a/Автоматизированная система моделирования волоконно-оптических датчиков со структурным резервированием.pptx
+++ b/Автоматизированная система моделирования волоконно-оптических датчиков со структурным резервированием.pptx
@@ -5,7 +5,7 @@
     <p:sldMasterId id="2147483648" r:id="rId1"/>
   </p:sldMasterIdLst>
   <p:notesMasterIdLst>
-    <p:notesMasterId r:id="rId10"/>
+    <p:notesMasterId r:id="rId11"/>
   </p:notesMasterIdLst>
   <p:sldIdLst>
     <p:sldId id="256" r:id="rId2"/>
@@ -16,6 +16,7 @@
     <p:sldId id="262" r:id="rId7"/>
     <p:sldId id="260" r:id="rId8"/>
     <p:sldId id="263" r:id="rId9"/>
+    <p:sldId id="264" r:id="rId10"/>
   </p:sldIdLst>
   <p:sldSz cx="9144000" cy="6858000" type="screen4x3"/>
   <p:notesSz cx="6858000" cy="9144000"/>
@@ -199,7 +200,7 @@
           <a:p>
             <a:fld id="{2C0E1F60-BD8D-4630-9AC3-B24FA6E87400}" type="datetimeFigureOut">
               <a:rPr lang="ru-RU" smtClean="0"/>
-              <a:t>19.12.2017</a:t>
+              <a:t>25.12.2017</a:t>
             </a:fld>
             <a:endParaRPr lang="ru-RU"/>
           </a:p>
@@ -732,7 +733,7 @@
           <a:p>
             <a:fld id="{7BE825BD-8096-4DF4-B1BA-73AB62979CB1}" type="datetime1">
               <a:rPr lang="ru-RU" smtClean="0"/>
-              <a:t>19.12.2017</a:t>
+              <a:t>25.12.2017</a:t>
             </a:fld>
             <a:endParaRPr lang="ru-RU"/>
           </a:p>
@@ -902,7 +903,7 @@
           <a:p>
             <a:fld id="{2DB2021B-2E19-40B5-9D0F-90F7754D4BF7}" type="datetime1">
               <a:rPr lang="ru-RU" smtClean="0"/>
-              <a:t>19.12.2017</a:t>
+              <a:t>25.12.2017</a:t>
             </a:fld>
             <a:endParaRPr lang="ru-RU"/>
           </a:p>
@@ -1082,7 +1083,7 @@
           <a:p>
             <a:fld id="{AEFEDFA3-740D-4C4F-9CB2-D76CB03AAC0B}" type="datetime1">
               <a:rPr lang="ru-RU" smtClean="0"/>
-              <a:t>19.12.2017</a:t>
+              <a:t>25.12.2017</a:t>
             </a:fld>
             <a:endParaRPr lang="ru-RU"/>
           </a:p>
@@ -1252,7 +1253,7 @@
           <a:p>
             <a:fld id="{4DCDBB21-1158-4493-83B9-F40765851FCC}" type="datetime1">
               <a:rPr lang="ru-RU" smtClean="0"/>
-              <a:t>19.12.2017</a:t>
+              <a:t>25.12.2017</a:t>
             </a:fld>
             <a:endParaRPr lang="ru-RU"/>
           </a:p>
@@ -1498,7 +1499,7 @@
           <a:p>
             <a:fld id="{72AC17AB-3C71-4726-867C-E48C6C40DD86}" type="datetime1">
               <a:rPr lang="ru-RU" smtClean="0"/>
-              <a:t>19.12.2017</a:t>
+              <a:t>25.12.2017</a:t>
             </a:fld>
             <a:endParaRPr lang="ru-RU"/>
           </a:p>
@@ -1786,7 +1787,7 @@
           <a:p>
             <a:fld id="{A505132A-5D4F-4819-BCC4-FDE0946D3A0D}" type="datetime1">
               <a:rPr lang="ru-RU" smtClean="0"/>
-              <a:t>19.12.2017</a:t>
+              <a:t>25.12.2017</a:t>
             </a:fld>
             <a:endParaRPr lang="ru-RU"/>
           </a:p>
@@ -2208,7 +2209,7 @@
           <a:p>
             <a:fld id="{CD003594-B0AB-4E98-9DCF-06CEC4B9E9FA}" type="datetime1">
               <a:rPr lang="ru-RU" smtClean="0"/>
-              <a:t>19.12.2017</a:t>
+              <a:t>25.12.2017</a:t>
             </a:fld>
             <a:endParaRPr lang="ru-RU"/>
           </a:p>
@@ -2326,7 +2327,7 @@
           <a:p>
             <a:fld id="{8E6B666C-7DD9-4FF5-8218-175E18E9C62D}" type="datetime1">
               <a:rPr lang="ru-RU" smtClean="0"/>
-              <a:t>19.12.2017</a:t>
+              <a:t>25.12.2017</a:t>
             </a:fld>
             <a:endParaRPr lang="ru-RU"/>
           </a:p>
@@ -2421,7 +2422,7 @@
           <a:p>
             <a:fld id="{5DE1AA7E-24A2-4F20-AA51-0B122BB0989F}" type="datetime1">
               <a:rPr lang="ru-RU" smtClean="0"/>
-              <a:t>19.12.2017</a:t>
+              <a:t>25.12.2017</a:t>
             </a:fld>
             <a:endParaRPr lang="ru-RU"/>
           </a:p>
@@ -2698,7 +2699,7 @@
           <a:p>
             <a:fld id="{011A7850-7EFF-449B-B9E0-A2B7FD671743}" type="datetime1">
               <a:rPr lang="ru-RU" smtClean="0"/>
-              <a:t>19.12.2017</a:t>
+              <a:t>25.12.2017</a:t>
             </a:fld>
             <a:endParaRPr lang="ru-RU"/>
           </a:p>
@@ -2951,7 +2952,7 @@
           <a:p>
             <a:fld id="{33A0BCF5-0386-4A19-9A21-A8E4974F851C}" type="datetime1">
               <a:rPr lang="ru-RU" smtClean="0"/>
-              <a:t>19.12.2017</a:t>
+              <a:t>25.12.2017</a:t>
             </a:fld>
             <a:endParaRPr lang="ru-RU"/>
           </a:p>
@@ -3164,7 +3165,7 @@
           <a:p>
             <a:fld id="{8362EE66-B615-441A-BFAD-9F432D836FB3}" type="datetime1">
               <a:rPr lang="ru-RU" smtClean="0"/>
-              <a:t>19.12.2017</a:t>
+              <a:t>25.12.2017</a:t>
             </a:fld>
             <a:endParaRPr lang="ru-RU"/>
           </a:p>
@@ -3768,7 +3769,7 @@
             </a:pPr>
             <a:r>
               <a:rPr lang="ru-RU" sz="2800" dirty="0" smtClean="0"/>
-              <a:t>Цель: Разработать автоматизированную систему моделирования волоконно-оптических датчиков со структурным резервированием</a:t>
+              <a:t>Цель: Разработать автоматизированную систему моделирования волоконно-оптического датчика со структурным резервированием</a:t>
             </a:r>
           </a:p>
           <a:p>
@@ -4419,7 +4420,12 @@
             <p:ph type="title"/>
           </p:nvPr>
         </p:nvSpPr>
-        <p:spPr/>
+        <p:spPr>
+          <a:xfrm>
+            <a:off x="539552" y="260648"/>
+            <a:ext cx="8229600" cy="1143000"/>
+          </a:xfrm>
+        </p:spPr>
         <p:txBody>
           <a:bodyPr>
             <a:noAutofit/>
@@ -4427,8 +4433,31 @@
           <a:lstStyle/>
           <a:p>
             <a:r>
+              <a:rPr lang="ru-RU" dirty="0" smtClean="0"/>
+              <a:t>Обзор систем-аналогов</a:t>
+            </a:r>
+            <a:r>
+              <a:rPr lang="ru-RU" sz="3200" dirty="0" smtClean="0"/>
+              <a:t/>
+            </a:r>
+            <a:br>
+              <a:rPr lang="ru-RU" sz="3200" dirty="0" smtClean="0"/>
+            </a:br>
+            <a:r>
+              <a:rPr lang="ru-RU" sz="2800" dirty="0" smtClean="0"/>
+              <a:t>АС </a:t>
+            </a:r>
+            <a:r>
               <a:rPr lang="ru-RU" sz="2800" dirty="0"/>
-              <a:t>Автоматизированная система моделирования и анализа волоконно-оптических датчиков на </a:t>
+              <a:t>моделирования и анализа </a:t>
+            </a:r>
+            <a:r>
+              <a:rPr lang="ru-RU" sz="2800" dirty="0" smtClean="0"/>
+              <a:t>ВОД </a:t>
+            </a:r>
+            <a:r>
+              <a:rPr lang="ru-RU" sz="2800" dirty="0"/>
+              <a:t>на </a:t>
             </a:r>
             <a:r>
               <a:rPr lang="ru-RU" sz="2800" dirty="0" err="1"/>
@@ -4481,7 +4510,7 @@
         </p:blipFill>
         <p:spPr bwMode="auto">
           <a:xfrm>
-            <a:off x="1115616" y="1484784"/>
+            <a:off x="1115616" y="1556792"/>
             <a:ext cx="7180760" cy="4787335"/>
           </a:xfrm>
           <a:prstGeom prst="rect">
@@ -4537,16 +4566,38 @@
             <p:ph type="title"/>
           </p:nvPr>
         </p:nvSpPr>
-        <p:spPr/>
-        <p:txBody>
-          <a:bodyPr/>
-          <a:lstStyle/>
-          <a:p>
-            <a:r>
-              <a:rPr lang="en-US" dirty="0"/>
-              <a:t>Trace Mode</a:t>
-            </a:r>
-            <a:endParaRPr lang="ru-RU" dirty="0"/>
+        <p:spPr>
+          <a:xfrm>
+            <a:off x="467544" y="188640"/>
+            <a:ext cx="8229600" cy="1143000"/>
+          </a:xfrm>
+        </p:spPr>
+        <p:txBody>
+          <a:bodyPr>
+            <a:normAutofit fontScale="90000"/>
+          </a:bodyPr>
+          <a:lstStyle/>
+          <a:p>
+            <a:r>
+              <a:rPr lang="ru-RU" dirty="0"/>
+              <a:t>Обзор систем-аналогов</a:t>
+            </a:r>
+            <a:r>
+              <a:rPr lang="ru-RU" sz="2000" dirty="0"/>
+              <a:t/>
+            </a:r>
+            <a:br>
+              <a:rPr lang="ru-RU" sz="2000" dirty="0"/>
+            </a:br>
+            <a:r>
+              <a:rPr lang="en-US" sz="3100" dirty="0" smtClean="0"/>
+              <a:t>Trace </a:t>
+            </a:r>
+            <a:r>
+              <a:rPr lang="en-US" sz="3100" dirty="0"/>
+              <a:t>Mode</a:t>
+            </a:r>
+            <a:endParaRPr lang="ru-RU" sz="3100" dirty="0"/>
           </a:p>
         </p:txBody>
       </p:sp>
@@ -4610,6 +4661,150 @@
     <p:extLst>
       <p:ext uri="{BB962C8B-B14F-4D97-AF65-F5344CB8AC3E}">
         <p14:creationId xmlns:p14="http://schemas.microsoft.com/office/powerpoint/2010/main" val="2331536964"/>
+      </p:ext>
+    </p:extLst>
+  </p:cSld>
+  <p:clrMapOvr>
+    <a:masterClrMapping/>
+  </p:clrMapOvr>
+</p:sld>
+</file>
+
+<file path=ppt/slides/slide9.xml><?xml version="1.0" encoding="utf-8"?>
+<p:sld xmlns:a="http://schemas.openxmlformats.org/drawingml/2006/main" xmlns:r="http://schemas.openxmlformats.org/officeDocument/2006/relationships" xmlns:p="http://schemas.openxmlformats.org/presentationml/2006/main">
+  <p:cSld>
+    <p:spTree>
+      <p:nvGrpSpPr>
+        <p:cNvPr id="1" name=""/>
+        <p:cNvGrpSpPr/>
+        <p:nvPr/>
+      </p:nvGrpSpPr>
+      <p:grpSpPr>
+        <a:xfrm>
+          <a:off x="0" y="0"/>
+          <a:ext cx="0" cy="0"/>
+          <a:chOff x="0" y="0"/>
+          <a:chExt cx="0" cy="0"/>
+        </a:xfrm>
+      </p:grpSpPr>
+      <p:sp>
+        <p:nvSpPr>
+          <p:cNvPr id="2" name="Заголовок 1"/>
+          <p:cNvSpPr>
+            <a:spLocks noGrp="1"/>
+          </p:cNvSpPr>
+          <p:nvPr>
+            <p:ph type="title"/>
+          </p:nvPr>
+        </p:nvSpPr>
+        <p:spPr/>
+        <p:txBody>
+          <a:bodyPr/>
+          <a:lstStyle/>
+          <a:p>
+            <a:r>
+              <a:rPr lang="ru-RU" dirty="0" smtClean="0"/>
+              <a:t>Обзор систем-аналогов</a:t>
+            </a:r>
+            <a:endParaRPr lang="ru-RU" dirty="0"/>
+          </a:p>
+        </p:txBody>
+      </p:sp>
+      <p:sp>
+        <p:nvSpPr>
+          <p:cNvPr id="3" name="Объект 2"/>
+          <p:cNvSpPr>
+            <a:spLocks noGrp="1"/>
+          </p:cNvSpPr>
+          <p:nvPr>
+            <p:ph idx="1"/>
+          </p:nvPr>
+        </p:nvSpPr>
+        <p:spPr/>
+        <p:txBody>
+          <a:bodyPr/>
+          <a:lstStyle/>
+          <a:p>
+            <a:pPr marL="0" lvl="0" indent="0">
+              <a:buNone/>
+            </a:pPr>
+            <a:r>
+              <a:rPr lang="ru-RU" dirty="0" smtClean="0"/>
+              <a:t>+  Большое </a:t>
+            </a:r>
+            <a:r>
+              <a:rPr lang="ru-RU" dirty="0"/>
+              <a:t>количество параметров, позволяющее гибко настраивать объект </a:t>
+            </a:r>
+            <a:r>
+              <a:rPr lang="ru-RU" dirty="0" smtClean="0"/>
+              <a:t>моделирования</a:t>
+            </a:r>
+          </a:p>
+          <a:p>
+            <a:pPr lvl="0">
+              <a:buFontTx/>
+              <a:buChar char="-"/>
+            </a:pPr>
+            <a:r>
+              <a:rPr lang="ru-RU" dirty="0" smtClean="0"/>
+              <a:t>Отсутствие реализации необходимого функционала</a:t>
+            </a:r>
+          </a:p>
+          <a:p>
+            <a:pPr lvl="0">
+              <a:buFontTx/>
+              <a:buChar char="-"/>
+            </a:pPr>
+            <a:r>
+              <a:rPr lang="ru-RU" dirty="0" smtClean="0"/>
+              <a:t>Система </a:t>
+            </a:r>
+            <a:r>
+              <a:rPr lang="en-US" dirty="0" smtClean="0"/>
+              <a:t>Trace Mode </a:t>
+            </a:r>
+            <a:r>
+              <a:rPr lang="ru-RU" dirty="0" smtClean="0"/>
+              <a:t>предоставляется платно</a:t>
+            </a:r>
+            <a:endParaRPr lang="ru-RU" dirty="0"/>
+          </a:p>
+          <a:p>
+            <a:pPr marL="0" indent="0">
+              <a:buNone/>
+            </a:pPr>
+            <a:endParaRPr lang="ru-RU" dirty="0"/>
+          </a:p>
+        </p:txBody>
+      </p:sp>
+      <p:sp>
+        <p:nvSpPr>
+          <p:cNvPr id="4" name="Номер слайда 3"/>
+          <p:cNvSpPr>
+            <a:spLocks noGrp="1"/>
+          </p:cNvSpPr>
+          <p:nvPr>
+            <p:ph type="sldNum" sz="quarter" idx="12"/>
+          </p:nvPr>
+        </p:nvSpPr>
+        <p:spPr/>
+        <p:txBody>
+          <a:bodyPr/>
+          <a:lstStyle/>
+          <a:p>
+            <a:fld id="{7C8E2CEC-E439-4EAB-AFDC-D27F98308DA3}" type="slidenum">
+              <a:rPr lang="ru-RU" smtClean="0"/>
+              <a:t>9</a:t>
+            </a:fld>
+            <a:endParaRPr lang="ru-RU"/>
+          </a:p>
+        </p:txBody>
+      </p:sp>
+    </p:spTree>
+    <p:extLst>
+      <p:ext uri="{BB962C8B-B14F-4D97-AF65-F5344CB8AC3E}">
+        <p14:creationId xmlns:p14="http://schemas.microsoft.com/office/powerpoint/2010/main" val="575659119"/>
       </p:ext>
     </p:extLst>
   </p:cSld>

--- a/Автоматизированная система моделирования волоконно-оптических датчиков со структурным резервированием.pptx
+++ b/Автоматизированная система моделирования волоконно-оптических датчиков со структурным резервированием.pptx
@@ -2,10 +2,10 @@
 <file path=ppt/presentation.xml><?xml version="1.0" encoding="utf-8"?>
 <p:presentation xmlns:a="http://schemas.openxmlformats.org/drawingml/2006/main" xmlns:r="http://schemas.openxmlformats.org/officeDocument/2006/relationships" xmlns:p="http://schemas.openxmlformats.org/presentationml/2006/main" showSpecialPlsOnTitleSld="0" saveSubsetFonts="1">
   <p:sldMasterIdLst>
-    <p:sldMasterId id="2147483648" r:id="rId1"/>
+    <p:sldMasterId id="2147483672" r:id="rId1"/>
   </p:sldMasterIdLst>
   <p:notesMasterIdLst>
-    <p:notesMasterId r:id="rId11"/>
+    <p:notesMasterId r:id="rId20"/>
   </p:notesMasterIdLst>
   <p:sldIdLst>
     <p:sldId id="256" r:id="rId2"/>
@@ -17,6 +17,15 @@
     <p:sldId id="260" r:id="rId8"/>
     <p:sldId id="263" r:id="rId9"/>
     <p:sldId id="264" r:id="rId10"/>
+    <p:sldId id="265" r:id="rId11"/>
+    <p:sldId id="266" r:id="rId12"/>
+    <p:sldId id="267" r:id="rId13"/>
+    <p:sldId id="268" r:id="rId14"/>
+    <p:sldId id="269" r:id="rId15"/>
+    <p:sldId id="270" r:id="rId16"/>
+    <p:sldId id="271" r:id="rId17"/>
+    <p:sldId id="272" r:id="rId18"/>
+    <p:sldId id="273" r:id="rId19"/>
   </p:sldIdLst>
   <p:sldSz cx="9144000" cy="6858000" type="screen4x3"/>
   <p:notesSz cx="6858000" cy="9144000"/>
@@ -200,7 +209,7 @@
           <a:p>
             <a:fld id="{2C0E1F60-BD8D-4630-9AC3-B24FA6E87400}" type="datetimeFigureOut">
               <a:rPr lang="ru-RU" smtClean="0"/>
-              <a:t>25.12.2017</a:t>
+              <a:t>05.04.2018</a:t>
             </a:fld>
             <a:endParaRPr lang="ru-RU"/>
           </a:p>
@@ -552,6 +561,90 @@
 </p:notes>
 </file>
 
+<file path=ppt/notesSlides/notesSlide2.xml><?xml version="1.0" encoding="utf-8"?>
+<p:notes xmlns:a="http://schemas.openxmlformats.org/drawingml/2006/main" xmlns:r="http://schemas.openxmlformats.org/officeDocument/2006/relationships" xmlns:p="http://schemas.openxmlformats.org/presentationml/2006/main">
+  <p:cSld>
+    <p:spTree>
+      <p:nvGrpSpPr>
+        <p:cNvPr id="1" name=""/>
+        <p:cNvGrpSpPr/>
+        <p:nvPr/>
+      </p:nvGrpSpPr>
+      <p:grpSpPr>
+        <a:xfrm>
+          <a:off x="0" y="0"/>
+          <a:ext cx="0" cy="0"/>
+          <a:chOff x="0" y="0"/>
+          <a:chExt cx="0" cy="0"/>
+        </a:xfrm>
+      </p:grpSpPr>
+      <p:sp>
+        <p:nvSpPr>
+          <p:cNvPr id="2" name="Образ слайда 1"/>
+          <p:cNvSpPr>
+            <a:spLocks noGrp="1" noRot="1" noChangeAspect="1"/>
+          </p:cNvSpPr>
+          <p:nvPr>
+            <p:ph type="sldImg"/>
+          </p:nvPr>
+        </p:nvSpPr>
+        <p:spPr/>
+      </p:sp>
+      <p:sp>
+        <p:nvSpPr>
+          <p:cNvPr id="3" name="Заметки 2"/>
+          <p:cNvSpPr>
+            <a:spLocks noGrp="1"/>
+          </p:cNvSpPr>
+          <p:nvPr>
+            <p:ph type="body" idx="1"/>
+          </p:nvPr>
+        </p:nvSpPr>
+        <p:spPr/>
+        <p:txBody>
+          <a:bodyPr/>
+          <a:lstStyle/>
+          <a:p>
+            <a:endParaRPr lang="ru-RU" dirty="0"/>
+          </a:p>
+        </p:txBody>
+      </p:sp>
+      <p:sp>
+        <p:nvSpPr>
+          <p:cNvPr id="4" name="Номер слайда 3"/>
+          <p:cNvSpPr>
+            <a:spLocks noGrp="1"/>
+          </p:cNvSpPr>
+          <p:nvPr>
+            <p:ph type="sldNum" sz="quarter" idx="10"/>
+          </p:nvPr>
+        </p:nvSpPr>
+        <p:spPr/>
+        <p:txBody>
+          <a:bodyPr/>
+          <a:lstStyle/>
+          <a:p>
+            <a:fld id="{F3352DED-6A6E-44DC-B4DA-EFBFF3189530}" type="slidenum">
+              <a:rPr lang="ru-RU" smtClean="0"/>
+              <a:t>9</a:t>
+            </a:fld>
+            <a:endParaRPr lang="ru-RU"/>
+          </a:p>
+        </p:txBody>
+      </p:sp>
+    </p:spTree>
+    <p:extLst>
+      <p:ext uri="{BB962C8B-B14F-4D97-AF65-F5344CB8AC3E}">
+        <p14:creationId xmlns:p14="http://schemas.microsoft.com/office/powerpoint/2010/main" val="3490533694"/>
+      </p:ext>
+    </p:extLst>
+  </p:cSld>
+  <p:clrMapOvr>
+    <a:masterClrMapping/>
+  </p:clrMapOvr>
+</p:notes>
+</file>
+
 <file path=ppt/slideLayouts/slideLayout1.xml><?xml version="1.0" encoding="utf-8"?>
 <p:sldLayout xmlns:a="http://schemas.openxmlformats.org/drawingml/2006/main" xmlns:r="http://schemas.openxmlformats.org/officeDocument/2006/relationships" xmlns:p="http://schemas.openxmlformats.org/presentationml/2006/main" type="title" preserve="1">
   <p:cSld name="Титульный слайд">
@@ -571,7 +664,7 @@
       </p:grpSpPr>
       <p:sp>
         <p:nvSpPr>
-          <p:cNvPr id="2" name="Заголовок 1"/>
+          <p:cNvPr id="2" name="Title 1"/>
           <p:cNvSpPr>
             <a:spLocks noGrp="1"/>
           </p:cNvSpPr>
@@ -581,25 +674,34 @@
         </p:nvSpPr>
         <p:spPr>
           <a:xfrm>
-            <a:off x="685800" y="2130425"/>
-            <a:ext cx="7772400" cy="1470025"/>
+            <a:off x="685800" y="609601"/>
+            <a:ext cx="7772400" cy="4267200"/>
           </a:xfrm>
         </p:spPr>
         <p:txBody>
-          <a:bodyPr/>
-          <a:lstStyle/>
+          <a:bodyPr anchor="b">
+            <a:noAutofit/>
+          </a:bodyPr>
+          <a:lstStyle>
+            <a:lvl1pPr>
+              <a:lnSpc>
+                <a:spcPct val="100000"/>
+              </a:lnSpc>
+              <a:defRPr sz="8000"/>
+            </a:lvl1pPr>
+          </a:lstStyle>
           <a:p>
             <a:r>
               <a:rPr lang="ru-RU" smtClean="0"/>
               <a:t>Образец заголовка</a:t>
             </a:r>
-            <a:endParaRPr lang="ru-RU"/>
-          </a:p>
-        </p:txBody>
-      </p:sp>
-      <p:sp>
-        <p:nvSpPr>
-          <p:cNvPr id="3" name="Подзаголовок 2"/>
+            <a:endParaRPr lang="en-US" dirty="0"/>
+          </a:p>
+        </p:txBody>
+      </p:sp>
+      <p:sp>
+        <p:nvSpPr>
+          <p:cNvPr id="3" name="Subtitle 2"/>
           <p:cNvSpPr>
             <a:spLocks noGrp="1"/>
           </p:cNvSpPr>
@@ -609,16 +711,18 @@
         </p:nvSpPr>
         <p:spPr>
           <a:xfrm>
-            <a:off x="1371600" y="3886200"/>
-            <a:ext cx="6400800" cy="1752600"/>
+            <a:off x="1371600" y="4953000"/>
+            <a:ext cx="6400800" cy="1219200"/>
           </a:xfrm>
         </p:spPr>
         <p:txBody>
-          <a:bodyPr/>
+          <a:bodyPr>
+            <a:normAutofit/>
+          </a:bodyPr>
           <a:lstStyle>
             <a:lvl1pPr marL="0" indent="0" algn="ctr">
               <a:buNone/>
-              <a:defRPr>
+              <a:defRPr sz="2400">
                 <a:solidFill>
                   <a:schemeClr val="tx1">
                     <a:tint val="75000"/>
@@ -712,13 +816,13 @@
               <a:rPr lang="ru-RU" smtClean="0"/>
               <a:t>Образец подзаголовка</a:t>
             </a:r>
-            <a:endParaRPr lang="ru-RU"/>
-          </a:p>
-        </p:txBody>
-      </p:sp>
-      <p:sp>
-        <p:nvSpPr>
-          <p:cNvPr id="4" name="Дата 3"/>
+            <a:endParaRPr lang="en-US" dirty="0"/>
+          </a:p>
+        </p:txBody>
+      </p:sp>
+      <p:sp>
+        <p:nvSpPr>
+          <p:cNvPr id="7" name="Date Placeholder 6"/>
           <p:cNvSpPr>
             <a:spLocks noGrp="1"/>
           </p:cNvSpPr>
@@ -733,7 +837,7 @@
           <a:p>
             <a:fld id="{7BE825BD-8096-4DF4-B1BA-73AB62979CB1}" type="datetime1">
               <a:rPr lang="ru-RU" smtClean="0"/>
-              <a:t>25.12.2017</a:t>
+              <a:t>05.04.2018</a:t>
             </a:fld>
             <a:endParaRPr lang="ru-RU"/>
           </a:p>
@@ -741,31 +845,12 @@
       </p:sp>
       <p:sp>
         <p:nvSpPr>
-          <p:cNvPr id="5" name="Нижний колонтитул 4"/>
-          <p:cNvSpPr>
-            <a:spLocks noGrp="1"/>
-          </p:cNvSpPr>
-          <p:nvPr>
-            <p:ph type="ftr" sz="quarter" idx="11"/>
-          </p:nvPr>
-        </p:nvSpPr>
-        <p:spPr/>
-        <p:txBody>
-          <a:bodyPr/>
-          <a:lstStyle/>
-          <a:p>
-            <a:endParaRPr lang="ru-RU"/>
-          </a:p>
-        </p:txBody>
-      </p:sp>
-      <p:sp>
-        <p:nvSpPr>
-          <p:cNvPr id="6" name="Номер слайда 5"/>
-          <p:cNvSpPr>
-            <a:spLocks noGrp="1"/>
-          </p:cNvSpPr>
-          <p:nvPr>
-            <p:ph type="sldNum" sz="quarter" idx="12"/>
+          <p:cNvPr id="8" name="Slide Number Placeholder 7"/>
+          <p:cNvSpPr>
+            <a:spLocks noGrp="1"/>
+          </p:cNvSpPr>
+          <p:nvPr>
+            <p:ph type="sldNum" sz="quarter" idx="11"/>
           </p:nvPr>
         </p:nvSpPr>
         <p:spPr/>
@@ -781,12 +866,26 @@
           </a:p>
         </p:txBody>
       </p:sp>
+      <p:sp>
+        <p:nvSpPr>
+          <p:cNvPr id="9" name="Footer Placeholder 8"/>
+          <p:cNvSpPr>
+            <a:spLocks noGrp="1"/>
+          </p:cNvSpPr>
+          <p:nvPr>
+            <p:ph type="ftr" sz="quarter" idx="12"/>
+          </p:nvPr>
+        </p:nvSpPr>
+        <p:spPr/>
+        <p:txBody>
+          <a:bodyPr/>
+          <a:lstStyle/>
+          <a:p>
+            <a:endParaRPr lang="ru-RU"/>
+          </a:p>
+        </p:txBody>
+      </p:sp>
     </p:spTree>
-    <p:extLst>
-      <p:ext uri="{BB962C8B-B14F-4D97-AF65-F5344CB8AC3E}">
-        <p14:creationId xmlns:p14="http://schemas.microsoft.com/office/powerpoint/2010/main" val="1512326052"/>
-      </p:ext>
-    </p:extLst>
   </p:cSld>
   <p:clrMapOvr>
     <a:masterClrMapping/>
@@ -813,7 +912,7 @@
       </p:grpSpPr>
       <p:sp>
         <p:nvSpPr>
-          <p:cNvPr id="2" name="Заголовок 1"/>
+          <p:cNvPr id="2" name="Title 1"/>
           <p:cNvSpPr>
             <a:spLocks noGrp="1"/>
           </p:cNvSpPr>
@@ -830,13 +929,13 @@
               <a:rPr lang="ru-RU" smtClean="0"/>
               <a:t>Образец заголовка</a:t>
             </a:r>
-            <a:endParaRPr lang="ru-RU"/>
-          </a:p>
-        </p:txBody>
-      </p:sp>
-      <p:sp>
-        <p:nvSpPr>
-          <p:cNvPr id="3" name="Вертикальный текст 2"/>
+            <a:endParaRPr lang="en-US" dirty="0"/>
+          </a:p>
+        </p:txBody>
+      </p:sp>
+      <p:sp>
+        <p:nvSpPr>
+          <p:cNvPr id="3" name="Vertical Text Placeholder 2"/>
           <p:cNvSpPr>
             <a:spLocks noGrp="1"/>
           </p:cNvSpPr>
@@ -882,13 +981,13 @@
               <a:rPr lang="ru-RU" smtClean="0"/>
               <a:t>Пятый уровень</a:t>
             </a:r>
-            <a:endParaRPr lang="ru-RU"/>
-          </a:p>
-        </p:txBody>
-      </p:sp>
-      <p:sp>
-        <p:nvSpPr>
-          <p:cNvPr id="4" name="Дата 3"/>
+            <a:endParaRPr lang="en-US"/>
+          </a:p>
+        </p:txBody>
+      </p:sp>
+      <p:sp>
+        <p:nvSpPr>
+          <p:cNvPr id="4" name="Date Placeholder 3"/>
           <p:cNvSpPr>
             <a:spLocks noGrp="1"/>
           </p:cNvSpPr>
@@ -903,7 +1002,7 @@
           <a:p>
             <a:fld id="{2DB2021B-2E19-40B5-9D0F-90F7754D4BF7}" type="datetime1">
               <a:rPr lang="ru-RU" smtClean="0"/>
-              <a:t>25.12.2017</a:t>
+              <a:t>05.04.2018</a:t>
             </a:fld>
             <a:endParaRPr lang="ru-RU"/>
           </a:p>
@@ -911,7 +1010,7 @@
       </p:sp>
       <p:sp>
         <p:nvSpPr>
-          <p:cNvPr id="5" name="Нижний колонтитул 4"/>
+          <p:cNvPr id="5" name="Footer Placeholder 4"/>
           <p:cNvSpPr>
             <a:spLocks noGrp="1"/>
           </p:cNvSpPr>
@@ -930,7 +1029,7 @@
       </p:sp>
       <p:sp>
         <p:nvSpPr>
-          <p:cNvPr id="6" name="Номер слайда 5"/>
+          <p:cNvPr id="6" name="Slide Number Placeholder 5"/>
           <p:cNvSpPr>
             <a:spLocks noGrp="1"/>
           </p:cNvSpPr>
@@ -952,11 +1051,6 @@
         </p:txBody>
       </p:sp>
     </p:spTree>
-    <p:extLst>
-      <p:ext uri="{BB962C8B-B14F-4D97-AF65-F5344CB8AC3E}">
-        <p14:creationId xmlns:p14="http://schemas.microsoft.com/office/powerpoint/2010/main" val="304326007"/>
-      </p:ext>
-    </p:extLst>
   </p:cSld>
   <p:clrMapOvr>
     <a:masterClrMapping/>
@@ -983,7 +1077,7 @@
       </p:grpSpPr>
       <p:sp>
         <p:nvSpPr>
-          <p:cNvPr id="2" name="Вертикальный заголовок 1"/>
+          <p:cNvPr id="2" name="Vertical Title 1"/>
           <p:cNvSpPr>
             <a:spLocks noGrp="1"/>
           </p:cNvSpPr>
@@ -1005,13 +1099,13 @@
               <a:rPr lang="ru-RU" smtClean="0"/>
               <a:t>Образец заголовка</a:t>
             </a:r>
-            <a:endParaRPr lang="ru-RU"/>
-          </a:p>
-        </p:txBody>
-      </p:sp>
-      <p:sp>
-        <p:nvSpPr>
-          <p:cNvPr id="3" name="Вертикальный текст 2"/>
+            <a:endParaRPr lang="en-US" dirty="0"/>
+          </a:p>
+        </p:txBody>
+      </p:sp>
+      <p:sp>
+        <p:nvSpPr>
+          <p:cNvPr id="3" name="Vertical Text Placeholder 2"/>
           <p:cNvSpPr>
             <a:spLocks noGrp="1"/>
           </p:cNvSpPr>
@@ -1062,13 +1156,13 @@
               <a:rPr lang="ru-RU" smtClean="0"/>
               <a:t>Пятый уровень</a:t>
             </a:r>
-            <a:endParaRPr lang="ru-RU"/>
-          </a:p>
-        </p:txBody>
-      </p:sp>
-      <p:sp>
-        <p:nvSpPr>
-          <p:cNvPr id="4" name="Дата 3"/>
+            <a:endParaRPr lang="en-US"/>
+          </a:p>
+        </p:txBody>
+      </p:sp>
+      <p:sp>
+        <p:nvSpPr>
+          <p:cNvPr id="4" name="Date Placeholder 3"/>
           <p:cNvSpPr>
             <a:spLocks noGrp="1"/>
           </p:cNvSpPr>
@@ -1083,7 +1177,7 @@
           <a:p>
             <a:fld id="{AEFEDFA3-740D-4C4F-9CB2-D76CB03AAC0B}" type="datetime1">
               <a:rPr lang="ru-RU" smtClean="0"/>
-              <a:t>25.12.2017</a:t>
+              <a:t>05.04.2018</a:t>
             </a:fld>
             <a:endParaRPr lang="ru-RU"/>
           </a:p>
@@ -1091,7 +1185,7 @@
       </p:sp>
       <p:sp>
         <p:nvSpPr>
-          <p:cNvPr id="5" name="Нижний колонтитул 4"/>
+          <p:cNvPr id="5" name="Footer Placeholder 4"/>
           <p:cNvSpPr>
             <a:spLocks noGrp="1"/>
           </p:cNvSpPr>
@@ -1110,7 +1204,7 @@
       </p:sp>
       <p:sp>
         <p:nvSpPr>
-          <p:cNvPr id="6" name="Номер слайда 5"/>
+          <p:cNvPr id="6" name="Slide Number Placeholder 5"/>
           <p:cNvSpPr>
             <a:spLocks noGrp="1"/>
           </p:cNvSpPr>
@@ -1132,11 +1226,6 @@
         </p:txBody>
       </p:sp>
     </p:spTree>
-    <p:extLst>
-      <p:ext uri="{BB962C8B-B14F-4D97-AF65-F5344CB8AC3E}">
-        <p14:creationId xmlns:p14="http://schemas.microsoft.com/office/powerpoint/2010/main" val="1044994814"/>
-      </p:ext>
-    </p:extLst>
   </p:cSld>
   <p:clrMapOvr>
     <a:masterClrMapping/>
@@ -1163,7 +1252,7 @@
       </p:grpSpPr>
       <p:sp>
         <p:nvSpPr>
-          <p:cNvPr id="2" name="Заголовок 1"/>
+          <p:cNvPr id="2" name="Title 1"/>
           <p:cNvSpPr>
             <a:spLocks noGrp="1"/>
           </p:cNvSpPr>
@@ -1180,13 +1269,13 @@
               <a:rPr lang="ru-RU" smtClean="0"/>
               <a:t>Образец заголовка</a:t>
             </a:r>
-            <a:endParaRPr lang="ru-RU"/>
-          </a:p>
-        </p:txBody>
-      </p:sp>
-      <p:sp>
-        <p:nvSpPr>
-          <p:cNvPr id="3" name="Объект 2"/>
+            <a:endParaRPr lang="en-US" dirty="0"/>
+          </a:p>
+        </p:txBody>
+      </p:sp>
+      <p:sp>
+        <p:nvSpPr>
+          <p:cNvPr id="3" name="Content Placeholder 2"/>
           <p:cNvSpPr>
             <a:spLocks noGrp="1"/>
           </p:cNvSpPr>
@@ -1197,7 +1286,25 @@
         <p:spPr/>
         <p:txBody>
           <a:bodyPr/>
-          <a:lstStyle/>
+          <a:lstStyle>
+            <a:lvl5pPr>
+              <a:defRPr/>
+            </a:lvl5pPr>
+            <a:lvl6pPr>
+              <a:defRPr/>
+            </a:lvl6pPr>
+            <a:lvl7pPr>
+              <a:defRPr/>
+            </a:lvl7pPr>
+            <a:lvl8pPr>
+              <a:defRPr/>
+            </a:lvl8pPr>
+            <a:lvl9pPr>
+              <a:buFont typeface="Arial" pitchFamily="34" charset="0"/>
+              <a:buChar char="•"/>
+              <a:defRPr/>
+            </a:lvl9pPr>
+          </a:lstStyle>
           <a:p>
             <a:pPr lvl="0"/>
             <a:r>
@@ -1232,13 +1339,13 @@
               <a:rPr lang="ru-RU" smtClean="0"/>
               <a:t>Пятый уровень</a:t>
             </a:r>
-            <a:endParaRPr lang="ru-RU"/>
-          </a:p>
-        </p:txBody>
-      </p:sp>
-      <p:sp>
-        <p:nvSpPr>
-          <p:cNvPr id="4" name="Дата 3"/>
+            <a:endParaRPr lang="en-US" dirty="0" smtClean="0"/>
+          </a:p>
+        </p:txBody>
+      </p:sp>
+      <p:sp>
+        <p:nvSpPr>
+          <p:cNvPr id="4" name="Date Placeholder 3"/>
           <p:cNvSpPr>
             <a:spLocks noGrp="1"/>
           </p:cNvSpPr>
@@ -1253,7 +1360,7 @@
           <a:p>
             <a:fld id="{4DCDBB21-1158-4493-83B9-F40765851FCC}" type="datetime1">
               <a:rPr lang="ru-RU" smtClean="0"/>
-              <a:t>25.12.2017</a:t>
+              <a:t>05.04.2018</a:t>
             </a:fld>
             <a:endParaRPr lang="ru-RU"/>
           </a:p>
@@ -1261,7 +1368,7 @@
       </p:sp>
       <p:sp>
         <p:nvSpPr>
-          <p:cNvPr id="5" name="Нижний колонтитул 4"/>
+          <p:cNvPr id="5" name="Footer Placeholder 4"/>
           <p:cNvSpPr>
             <a:spLocks noGrp="1"/>
           </p:cNvSpPr>
@@ -1280,7 +1387,7 @@
       </p:sp>
       <p:sp>
         <p:nvSpPr>
-          <p:cNvPr id="6" name="Номер слайда 5"/>
+          <p:cNvPr id="6" name="Slide Number Placeholder 5"/>
           <p:cNvSpPr>
             <a:spLocks noGrp="1"/>
           </p:cNvSpPr>
@@ -1302,11 +1409,6 @@
         </p:txBody>
       </p:sp>
     </p:spTree>
-    <p:extLst>
-      <p:ext uri="{BB962C8B-B14F-4D97-AF65-F5344CB8AC3E}">
-        <p14:creationId xmlns:p14="http://schemas.microsoft.com/office/powerpoint/2010/main" val="2326022206"/>
-      </p:ext>
-    </p:extLst>
   </p:cSld>
   <p:clrMapOvr>
     <a:masterClrMapping/>
@@ -1333,7 +1435,7 @@
       </p:grpSpPr>
       <p:sp>
         <p:nvSpPr>
-          <p:cNvPr id="2" name="Заголовок 1"/>
+          <p:cNvPr id="2" name="Title 1"/>
           <p:cNvSpPr>
             <a:spLocks noGrp="1"/>
           </p:cNvSpPr>
@@ -1343,46 +1445,67 @@
         </p:nvSpPr>
         <p:spPr>
           <a:xfrm>
-            <a:off x="722313" y="4406900"/>
-            <a:ext cx="7772400" cy="1362075"/>
+            <a:off x="722313" y="1371600"/>
+            <a:ext cx="7772400" cy="2505075"/>
           </a:xfrm>
         </p:spPr>
         <p:txBody>
+          <a:bodyPr anchor="b"/>
+          <a:lstStyle>
+            <a:lvl1pPr algn="ctr" defTabSz="914400" rtl="0" eaLnBrk="1" latinLnBrk="0" hangingPunct="1">
+              <a:lnSpc>
+                <a:spcPct val="100000"/>
+              </a:lnSpc>
+              <a:spcBef>
+                <a:spcPct val="0"/>
+              </a:spcBef>
+              <a:buNone/>
+              <a:defRPr lang="en-US" sz="4800" kern="1200" dirty="0" smtClean="0">
+                <a:solidFill>
+                  <a:schemeClr val="tx2"/>
+                </a:solidFill>
+                <a:effectLst>
+                  <a:outerShdw blurRad="63500" dist="38100" dir="5400000" algn="t" rotWithShape="0">
+                    <a:prstClr val="black">
+                      <a:alpha val="25000"/>
+                    </a:prstClr>
+                  </a:outerShdw>
+                </a:effectLst>
+                <a:latin typeface="+mn-lt"/>
+                <a:ea typeface="+mj-ea"/>
+                <a:cs typeface="+mj-cs"/>
+              </a:defRPr>
+            </a:lvl1pPr>
+          </a:lstStyle>
+          <a:p>
+            <a:r>
+              <a:rPr lang="ru-RU" smtClean="0"/>
+              <a:t>Образец заголовка</a:t>
+            </a:r>
+            <a:endParaRPr lang="en-US" dirty="0"/>
+          </a:p>
+        </p:txBody>
+      </p:sp>
+      <p:sp>
+        <p:nvSpPr>
+          <p:cNvPr id="3" name="Text Placeholder 2"/>
+          <p:cNvSpPr>
+            <a:spLocks noGrp="1"/>
+          </p:cNvSpPr>
+          <p:nvPr>
+            <p:ph type="body" idx="1"/>
+          </p:nvPr>
+        </p:nvSpPr>
+        <p:spPr>
+          <a:xfrm>
+            <a:off x="722313" y="4068763"/>
+            <a:ext cx="7772400" cy="1131887"/>
+          </a:xfrm>
+        </p:spPr>
+        <p:txBody>
           <a:bodyPr anchor="t"/>
           <a:lstStyle>
-            <a:lvl1pPr algn="l">
-              <a:defRPr sz="4000" b="1" cap="all"/>
-            </a:lvl1pPr>
-          </a:lstStyle>
-          <a:p>
-            <a:r>
-              <a:rPr lang="ru-RU" smtClean="0"/>
-              <a:t>Образец заголовка</a:t>
-            </a:r>
-            <a:endParaRPr lang="ru-RU"/>
-          </a:p>
-        </p:txBody>
-      </p:sp>
-      <p:sp>
-        <p:nvSpPr>
-          <p:cNvPr id="3" name="Текст 2"/>
-          <p:cNvSpPr>
-            <a:spLocks noGrp="1"/>
-          </p:cNvSpPr>
-          <p:nvPr>
-            <p:ph type="body" idx="1"/>
-          </p:nvPr>
-        </p:nvSpPr>
-        <p:spPr>
-          <a:xfrm>
-            <a:off x="722313" y="2906713"/>
-            <a:ext cx="7772400" cy="1500187"/>
-          </a:xfrm>
-        </p:spPr>
-        <p:txBody>
-          <a:bodyPr anchor="b"/>
-          <a:lstStyle>
-            <a:lvl1pPr marL="0" indent="0">
+            <a:lvl1pPr marL="0" indent="0" algn="ctr">
               <a:buNone/>
               <a:defRPr sz="2000">
                 <a:solidFill>
@@ -1484,7 +1607,7 @@
       </p:sp>
       <p:sp>
         <p:nvSpPr>
-          <p:cNvPr id="4" name="Дата 3"/>
+          <p:cNvPr id="4" name="Date Placeholder 3"/>
           <p:cNvSpPr>
             <a:spLocks noGrp="1"/>
           </p:cNvSpPr>
@@ -1499,7 +1622,7 @@
           <a:p>
             <a:fld id="{72AC17AB-3C71-4726-867C-E48C6C40DD86}" type="datetime1">
               <a:rPr lang="ru-RU" smtClean="0"/>
-              <a:t>25.12.2017</a:t>
+              <a:t>05.04.2018</a:t>
             </a:fld>
             <a:endParaRPr lang="ru-RU"/>
           </a:p>
@@ -1507,7 +1630,7 @@
       </p:sp>
       <p:sp>
         <p:nvSpPr>
-          <p:cNvPr id="5" name="Нижний колонтитул 4"/>
+          <p:cNvPr id="5" name="Footer Placeholder 4"/>
           <p:cNvSpPr>
             <a:spLocks noGrp="1"/>
           </p:cNvSpPr>
@@ -1526,7 +1649,7 @@
       </p:sp>
       <p:sp>
         <p:nvSpPr>
-          <p:cNvPr id="6" name="Номер слайда 5"/>
+          <p:cNvPr id="6" name="Slide Number Placeholder 5"/>
           <p:cNvSpPr>
             <a:spLocks noGrp="1"/>
           </p:cNvSpPr>
@@ -1547,12 +1670,157 @@
           </a:p>
         </p:txBody>
       </p:sp>
+      <p:sp>
+        <p:nvSpPr>
+          <p:cNvPr id="7" name="Oval 6"/>
+          <p:cNvSpPr/>
+          <p:nvPr/>
+        </p:nvSpPr>
+        <p:spPr>
+          <a:xfrm>
+            <a:off x="4495800" y="3924300"/>
+            <a:ext cx="84772" cy="84772"/>
+          </a:xfrm>
+          <a:prstGeom prst="ellipse">
+            <a:avLst/>
+          </a:prstGeom>
+          <a:solidFill>
+            <a:schemeClr val="tx1">
+              <a:lumMod val="50000"/>
+              <a:lumOff val="50000"/>
+            </a:schemeClr>
+          </a:solidFill>
+          <a:ln w="12700">
+            <a:noFill/>
+          </a:ln>
+          <a:effectLst/>
+        </p:spPr>
+        <p:style>
+          <a:lnRef idx="2">
+            <a:schemeClr val="accent1">
+              <a:shade val="50000"/>
+            </a:schemeClr>
+          </a:lnRef>
+          <a:fillRef idx="1">
+            <a:schemeClr val="accent1"/>
+          </a:fillRef>
+          <a:effectRef idx="0">
+            <a:schemeClr val="accent1"/>
+          </a:effectRef>
+          <a:fontRef idx="minor">
+            <a:schemeClr val="lt1"/>
+          </a:fontRef>
+        </p:style>
+        <p:txBody>
+          <a:bodyPr rtlCol="0" anchor="ctr"/>
+          <a:lstStyle/>
+          <a:p>
+            <a:pPr algn="ctr"/>
+            <a:endParaRPr lang="en-US"/>
+          </a:p>
+        </p:txBody>
+      </p:sp>
+      <p:sp>
+        <p:nvSpPr>
+          <p:cNvPr id="8" name="Oval 7"/>
+          <p:cNvSpPr/>
+          <p:nvPr/>
+        </p:nvSpPr>
+        <p:spPr>
+          <a:xfrm>
+            <a:off x="4695825" y="3924300"/>
+            <a:ext cx="84772" cy="84772"/>
+          </a:xfrm>
+          <a:prstGeom prst="ellipse">
+            <a:avLst/>
+          </a:prstGeom>
+          <a:solidFill>
+            <a:schemeClr val="tx1">
+              <a:lumMod val="50000"/>
+              <a:lumOff val="50000"/>
+            </a:schemeClr>
+          </a:solidFill>
+          <a:ln w="12700">
+            <a:noFill/>
+          </a:ln>
+          <a:effectLst/>
+        </p:spPr>
+        <p:style>
+          <a:lnRef idx="2">
+            <a:schemeClr val="accent1">
+              <a:shade val="50000"/>
+            </a:schemeClr>
+          </a:lnRef>
+          <a:fillRef idx="1">
+            <a:schemeClr val="accent1"/>
+          </a:fillRef>
+          <a:effectRef idx="0">
+            <a:schemeClr val="accent1"/>
+          </a:effectRef>
+          <a:fontRef idx="minor">
+            <a:schemeClr val="lt1"/>
+          </a:fontRef>
+        </p:style>
+        <p:txBody>
+          <a:bodyPr rtlCol="0" anchor="ctr"/>
+          <a:lstStyle/>
+          <a:p>
+            <a:pPr algn="ctr"/>
+            <a:endParaRPr lang="en-US"/>
+          </a:p>
+        </p:txBody>
+      </p:sp>
+      <p:sp>
+        <p:nvSpPr>
+          <p:cNvPr id="9" name="Oval 8"/>
+          <p:cNvSpPr/>
+          <p:nvPr/>
+        </p:nvSpPr>
+        <p:spPr>
+          <a:xfrm>
+            <a:off x="4296728" y="3924300"/>
+            <a:ext cx="84772" cy="84772"/>
+          </a:xfrm>
+          <a:prstGeom prst="ellipse">
+            <a:avLst/>
+          </a:prstGeom>
+          <a:solidFill>
+            <a:schemeClr val="tx1">
+              <a:lumMod val="50000"/>
+              <a:lumOff val="50000"/>
+            </a:schemeClr>
+          </a:solidFill>
+          <a:ln w="12700">
+            <a:noFill/>
+          </a:ln>
+          <a:effectLst/>
+        </p:spPr>
+        <p:style>
+          <a:lnRef idx="2">
+            <a:schemeClr val="accent1">
+              <a:shade val="50000"/>
+            </a:schemeClr>
+          </a:lnRef>
+          <a:fillRef idx="1">
+            <a:schemeClr val="accent1"/>
+          </a:fillRef>
+          <a:effectRef idx="0">
+            <a:schemeClr val="accent1"/>
+          </a:effectRef>
+          <a:fontRef idx="minor">
+            <a:schemeClr val="lt1"/>
+          </a:fontRef>
+        </p:style>
+        <p:txBody>
+          <a:bodyPr rtlCol="0" anchor="ctr"/>
+          <a:lstStyle/>
+          <a:p>
+            <a:pPr algn="ctr"/>
+            <a:endParaRPr lang="en-US"/>
+          </a:p>
+        </p:txBody>
+      </p:sp>
     </p:spTree>
-    <p:extLst>
-      <p:ext uri="{BB962C8B-B14F-4D97-AF65-F5344CB8AC3E}">
-        <p14:creationId xmlns:p14="http://schemas.microsoft.com/office/powerpoint/2010/main" val="1091286805"/>
-      </p:ext>
-    </p:extLst>
   </p:cSld>
   <p:clrMapOvr>
     <a:masterClrMapping/>
@@ -1579,7 +1847,7 @@
       </p:grpSpPr>
       <p:sp>
         <p:nvSpPr>
-          <p:cNvPr id="2" name="Заголовок 1"/>
+          <p:cNvPr id="2" name="Title 1"/>
           <p:cNvSpPr>
             <a:spLocks noGrp="1"/>
           </p:cNvSpPr>
@@ -1596,98 +1864,13 @@
               <a:rPr lang="ru-RU" smtClean="0"/>
               <a:t>Образец заголовка</a:t>
             </a:r>
-            <a:endParaRPr lang="ru-RU"/>
-          </a:p>
-        </p:txBody>
-      </p:sp>
-      <p:sp>
-        <p:nvSpPr>
-          <p:cNvPr id="3" name="Объект 2"/>
-          <p:cNvSpPr>
-            <a:spLocks noGrp="1"/>
-          </p:cNvSpPr>
-          <p:nvPr>
-            <p:ph sz="half" idx="1"/>
-          </p:nvPr>
-        </p:nvSpPr>
-        <p:spPr>
-          <a:xfrm>
-            <a:off x="457200" y="1600200"/>
-            <a:ext cx="4038600" cy="4525963"/>
-          </a:xfrm>
-        </p:spPr>
-        <p:txBody>
-          <a:bodyPr/>
-          <a:lstStyle>
-            <a:lvl1pPr>
-              <a:defRPr sz="2800"/>
-            </a:lvl1pPr>
-            <a:lvl2pPr>
-              <a:defRPr sz="2400"/>
-            </a:lvl2pPr>
-            <a:lvl3pPr>
-              <a:defRPr sz="2000"/>
-            </a:lvl3pPr>
-            <a:lvl4pPr>
-              <a:defRPr sz="1800"/>
-            </a:lvl4pPr>
-            <a:lvl5pPr>
-              <a:defRPr sz="1800"/>
-            </a:lvl5pPr>
-            <a:lvl6pPr>
-              <a:defRPr sz="1800"/>
-            </a:lvl6pPr>
-            <a:lvl7pPr>
-              <a:defRPr sz="1800"/>
-            </a:lvl7pPr>
-            <a:lvl8pPr>
-              <a:defRPr sz="1800"/>
-            </a:lvl8pPr>
-            <a:lvl9pPr>
-              <a:defRPr sz="1800"/>
-            </a:lvl9pPr>
-          </a:lstStyle>
-          <a:p>
-            <a:pPr lvl="0"/>
-            <a:r>
-              <a:rPr lang="ru-RU" smtClean="0"/>
-              <a:t>Образец текста</a:t>
-            </a:r>
-          </a:p>
-          <a:p>
-            <a:pPr lvl="1"/>
-            <a:r>
-              <a:rPr lang="ru-RU" smtClean="0"/>
-              <a:t>Второй уровень</a:t>
-            </a:r>
-          </a:p>
-          <a:p>
-            <a:pPr lvl="2"/>
-            <a:r>
-              <a:rPr lang="ru-RU" smtClean="0"/>
-              <a:t>Третий уровень</a:t>
-            </a:r>
-          </a:p>
-          <a:p>
-            <a:pPr lvl="3"/>
-            <a:r>
-              <a:rPr lang="ru-RU" smtClean="0"/>
-              <a:t>Четвертый уровень</a:t>
-            </a:r>
-          </a:p>
-          <a:p>
-            <a:pPr lvl="4"/>
-            <a:r>
-              <a:rPr lang="ru-RU" smtClean="0"/>
-              <a:t>Пятый уровень</a:t>
-            </a:r>
-            <a:endParaRPr lang="ru-RU"/>
-          </a:p>
-        </p:txBody>
-      </p:sp>
-      <p:sp>
-        <p:nvSpPr>
-          <p:cNvPr id="4" name="Объект 3"/>
+            <a:endParaRPr lang="en-US"/>
+          </a:p>
+        </p:txBody>
+      </p:sp>
+      <p:sp>
+        <p:nvSpPr>
+          <p:cNvPr id="4" name="Content Placeholder 3"/>
           <p:cNvSpPr>
             <a:spLocks noGrp="1"/>
           </p:cNvSpPr>
@@ -1705,31 +1888,31 @@
           <a:bodyPr/>
           <a:lstStyle>
             <a:lvl1pPr>
-              <a:defRPr sz="2800"/>
+              <a:defRPr sz="2400"/>
             </a:lvl1pPr>
             <a:lvl2pPr>
-              <a:defRPr sz="2400"/>
+              <a:defRPr sz="1600"/>
             </a:lvl2pPr>
             <a:lvl3pPr>
-              <a:defRPr sz="2000"/>
+              <a:defRPr sz="1600"/>
             </a:lvl3pPr>
             <a:lvl4pPr>
-              <a:defRPr sz="1800"/>
+              <a:defRPr sz="1600"/>
             </a:lvl4pPr>
             <a:lvl5pPr>
-              <a:defRPr sz="1800"/>
+              <a:defRPr sz="1600"/>
             </a:lvl5pPr>
             <a:lvl6pPr>
-              <a:defRPr sz="1800"/>
+              <a:defRPr sz="1600"/>
             </a:lvl6pPr>
             <a:lvl7pPr>
-              <a:defRPr sz="1800"/>
+              <a:defRPr sz="1600"/>
             </a:lvl7pPr>
             <a:lvl8pPr>
-              <a:defRPr sz="1800"/>
+              <a:defRPr sz="1600"/>
             </a:lvl8pPr>
             <a:lvl9pPr>
-              <a:defRPr sz="1800"/>
+              <a:defRPr sz="1600"/>
             </a:lvl9pPr>
           </a:lstStyle>
           <a:p>
@@ -1766,13 +1949,13 @@
               <a:rPr lang="ru-RU" smtClean="0"/>
               <a:t>Пятый уровень</a:t>
             </a:r>
-            <a:endParaRPr lang="ru-RU"/>
-          </a:p>
-        </p:txBody>
-      </p:sp>
-      <p:sp>
-        <p:nvSpPr>
-          <p:cNvPr id="5" name="Дата 4"/>
+            <a:endParaRPr lang="en-US" dirty="0" smtClean="0"/>
+          </a:p>
+        </p:txBody>
+      </p:sp>
+      <p:sp>
+        <p:nvSpPr>
+          <p:cNvPr id="5" name="Date Placeholder 4"/>
           <p:cNvSpPr>
             <a:spLocks noGrp="1"/>
           </p:cNvSpPr>
@@ -1787,7 +1970,7 @@
           <a:p>
             <a:fld id="{A505132A-5D4F-4819-BCC4-FDE0946D3A0D}" type="datetime1">
               <a:rPr lang="ru-RU" smtClean="0"/>
-              <a:t>25.12.2017</a:t>
+              <a:t>05.04.2018</a:t>
             </a:fld>
             <a:endParaRPr lang="ru-RU"/>
           </a:p>
@@ -1795,7 +1978,7 @@
       </p:sp>
       <p:sp>
         <p:nvSpPr>
-          <p:cNvPr id="6" name="Нижний колонтитул 5"/>
+          <p:cNvPr id="6" name="Footer Placeholder 5"/>
           <p:cNvSpPr>
             <a:spLocks noGrp="1"/>
           </p:cNvSpPr>
@@ -1814,7 +1997,7 @@
       </p:sp>
       <p:sp>
         <p:nvSpPr>
-          <p:cNvPr id="7" name="Номер слайда 6"/>
+          <p:cNvPr id="7" name="Slide Number Placeholder 6"/>
           <p:cNvSpPr>
             <a:spLocks noGrp="1"/>
           </p:cNvSpPr>
@@ -1835,12 +2018,64 @@
           </a:p>
         </p:txBody>
       </p:sp>
+      <p:sp>
+        <p:nvSpPr>
+          <p:cNvPr id="9" name="Content Placeholder 8"/>
+          <p:cNvSpPr>
+            <a:spLocks noGrp="1"/>
+          </p:cNvSpPr>
+          <p:nvPr>
+            <p:ph sz="quarter" idx="13"/>
+          </p:nvPr>
+        </p:nvSpPr>
+        <p:spPr>
+          <a:xfrm>
+            <a:off x="365760" y="1600200"/>
+            <a:ext cx="4041648" cy="4526280"/>
+          </a:xfrm>
+        </p:spPr>
+        <p:txBody>
+          <a:bodyPr/>
+          <a:lstStyle/>
+          <a:p>
+            <a:pPr lvl="0"/>
+            <a:r>
+              <a:rPr lang="ru-RU" smtClean="0"/>
+              <a:t>Образец текста</a:t>
+            </a:r>
+          </a:p>
+          <a:p>
+            <a:pPr lvl="1"/>
+            <a:r>
+              <a:rPr lang="ru-RU" smtClean="0"/>
+              <a:t>Второй уровень</a:t>
+            </a:r>
+          </a:p>
+          <a:p>
+            <a:pPr lvl="2"/>
+            <a:r>
+              <a:rPr lang="ru-RU" smtClean="0"/>
+              <a:t>Третий уровень</a:t>
+            </a:r>
+          </a:p>
+          <a:p>
+            <a:pPr lvl="3"/>
+            <a:r>
+              <a:rPr lang="ru-RU" smtClean="0"/>
+              <a:t>Четвертый уровень</a:t>
+            </a:r>
+          </a:p>
+          <a:p>
+            <a:pPr lvl="4"/>
+            <a:r>
+              <a:rPr lang="ru-RU" smtClean="0"/>
+              <a:t>Пятый уровень</a:t>
+            </a:r>
+            <a:endParaRPr lang="en-US"/>
+          </a:p>
+        </p:txBody>
+      </p:sp>
     </p:spTree>
-    <p:extLst>
-      <p:ext uri="{BB962C8B-B14F-4D97-AF65-F5344CB8AC3E}">
-        <p14:creationId xmlns:p14="http://schemas.microsoft.com/office/powerpoint/2010/main" val="4077072785"/>
-      </p:ext>
-    </p:extLst>
   </p:cSld>
   <p:clrMapOvr>
     <a:masterClrMapping/>
@@ -1867,7 +2102,7 @@
       </p:grpSpPr>
       <p:sp>
         <p:nvSpPr>
-          <p:cNvPr id="2" name="Заголовок 1"/>
+          <p:cNvPr id="2" name="Title 1"/>
           <p:cNvSpPr>
             <a:spLocks noGrp="1"/>
           </p:cNvSpPr>
@@ -1888,13 +2123,13 @@
               <a:rPr lang="ru-RU" smtClean="0"/>
               <a:t>Образец заголовка</a:t>
             </a:r>
-            <a:endParaRPr lang="ru-RU"/>
-          </a:p>
-        </p:txBody>
-      </p:sp>
-      <p:sp>
-        <p:nvSpPr>
-          <p:cNvPr id="3" name="Текст 2"/>
+            <a:endParaRPr lang="en-US"/>
+          </a:p>
+        </p:txBody>
+      </p:sp>
+      <p:sp>
+        <p:nvSpPr>
+          <p:cNvPr id="3" name="Text Placeholder 2"/>
           <p:cNvSpPr>
             <a:spLocks noGrp="1"/>
           </p:cNvSpPr>
@@ -1904,16 +2139,18 @@
         </p:nvSpPr>
         <p:spPr>
           <a:xfrm>
-            <a:off x="457200" y="1535113"/>
-            <a:ext cx="4040188" cy="639762"/>
+            <a:off x="457200" y="1600200"/>
+            <a:ext cx="4040188" cy="609600"/>
           </a:xfrm>
         </p:spPr>
         <p:txBody>
-          <a:bodyPr anchor="b"/>
+          <a:bodyPr anchor="b">
+            <a:noAutofit/>
+          </a:bodyPr>
           <a:lstStyle>
-            <a:lvl1pPr marL="0" indent="0">
+            <a:lvl1pPr marL="0" indent="0" algn="ctr">
               <a:buNone/>
-              <a:defRPr sz="2400" b="1"/>
+              <a:defRPr sz="2400" b="0"/>
             </a:lvl1pPr>
             <a:lvl2pPr marL="457200" indent="0">
               <a:buNone/>
@@ -1959,111 +2196,28 @@
       </p:sp>
       <p:sp>
         <p:nvSpPr>
-          <p:cNvPr id="4" name="Объект 3"/>
-          <p:cNvSpPr>
-            <a:spLocks noGrp="1"/>
-          </p:cNvSpPr>
-          <p:nvPr>
-            <p:ph sz="half" idx="2"/>
+          <p:cNvPr id="5" name="Text Placeholder 4"/>
+          <p:cNvSpPr>
+            <a:spLocks noGrp="1"/>
+          </p:cNvSpPr>
+          <p:nvPr>
+            <p:ph type="body" sz="quarter" idx="3"/>
           </p:nvPr>
         </p:nvSpPr>
         <p:spPr>
           <a:xfrm>
-            <a:off x="457200" y="2174875"/>
-            <a:ext cx="4040188" cy="3951288"/>
+            <a:off x="4648200" y="1600200"/>
+            <a:ext cx="4041775" cy="609600"/>
           </a:xfrm>
         </p:spPr>
         <p:txBody>
-          <a:bodyPr/>
+          <a:bodyPr anchor="b">
+            <a:noAutofit/>
+          </a:bodyPr>
           <a:lstStyle>
-            <a:lvl1pPr>
-              <a:defRPr sz="2400"/>
-            </a:lvl1pPr>
-            <a:lvl2pPr>
-              <a:defRPr sz="2000"/>
-            </a:lvl2pPr>
-            <a:lvl3pPr>
-              <a:defRPr sz="1800"/>
-            </a:lvl3pPr>
-            <a:lvl4pPr>
-              <a:defRPr sz="1600"/>
-            </a:lvl4pPr>
-            <a:lvl5pPr>
-              <a:defRPr sz="1600"/>
-            </a:lvl5pPr>
-            <a:lvl6pPr>
-              <a:defRPr sz="1600"/>
-            </a:lvl6pPr>
-            <a:lvl7pPr>
-              <a:defRPr sz="1600"/>
-            </a:lvl7pPr>
-            <a:lvl8pPr>
-              <a:defRPr sz="1600"/>
-            </a:lvl8pPr>
-            <a:lvl9pPr>
-              <a:defRPr sz="1600"/>
-            </a:lvl9pPr>
-          </a:lstStyle>
-          <a:p>
-            <a:pPr lvl="0"/>
-            <a:r>
-              <a:rPr lang="ru-RU" smtClean="0"/>
-              <a:t>Образец текста</a:t>
-            </a:r>
-          </a:p>
-          <a:p>
-            <a:pPr lvl="1"/>
-            <a:r>
-              <a:rPr lang="ru-RU" smtClean="0"/>
-              <a:t>Второй уровень</a:t>
-            </a:r>
-          </a:p>
-          <a:p>
-            <a:pPr lvl="2"/>
-            <a:r>
-              <a:rPr lang="ru-RU" smtClean="0"/>
-              <a:t>Третий уровень</a:t>
-            </a:r>
-          </a:p>
-          <a:p>
-            <a:pPr lvl="3"/>
-            <a:r>
-              <a:rPr lang="ru-RU" smtClean="0"/>
-              <a:t>Четвертый уровень</a:t>
-            </a:r>
-          </a:p>
-          <a:p>
-            <a:pPr lvl="4"/>
-            <a:r>
-              <a:rPr lang="ru-RU" smtClean="0"/>
-              <a:t>Пятый уровень</a:t>
-            </a:r>
-            <a:endParaRPr lang="ru-RU"/>
-          </a:p>
-        </p:txBody>
-      </p:sp>
-      <p:sp>
-        <p:nvSpPr>
-          <p:cNvPr id="5" name="Текст 4"/>
-          <p:cNvSpPr>
-            <a:spLocks noGrp="1"/>
-          </p:cNvSpPr>
-          <p:nvPr>
-            <p:ph type="body" sz="quarter" idx="3"/>
-          </p:nvPr>
-        </p:nvSpPr>
-        <p:spPr>
-          <a:xfrm>
-            <a:off x="4645025" y="1535113"/>
-            <a:ext cx="4041775" cy="639762"/>
-          </a:xfrm>
-        </p:spPr>
-        <p:txBody>
-          <a:bodyPr anchor="b"/>
-          <a:lstStyle>
-            <a:lvl1pPr marL="0" indent="0">
+            <a:lvl1pPr marL="0" indent="0" algn="ctr">
               <a:buNone/>
-              <a:defRPr sz="2400" b="1"/>
+              <a:defRPr sz="2400" b="0"/>
             </a:lvl1pPr>
             <a:lvl2pPr marL="457200" indent="0">
               <a:buNone/>
@@ -2109,92 +2263,7 @@
       </p:sp>
       <p:sp>
         <p:nvSpPr>
-          <p:cNvPr id="6" name="Объект 5"/>
-          <p:cNvSpPr>
-            <a:spLocks noGrp="1"/>
-          </p:cNvSpPr>
-          <p:nvPr>
-            <p:ph sz="quarter" idx="4"/>
-          </p:nvPr>
-        </p:nvSpPr>
-        <p:spPr>
-          <a:xfrm>
-            <a:off x="4645025" y="2174875"/>
-            <a:ext cx="4041775" cy="3951288"/>
-          </a:xfrm>
-        </p:spPr>
-        <p:txBody>
-          <a:bodyPr/>
-          <a:lstStyle>
-            <a:lvl1pPr>
-              <a:defRPr sz="2400"/>
-            </a:lvl1pPr>
-            <a:lvl2pPr>
-              <a:defRPr sz="2000"/>
-            </a:lvl2pPr>
-            <a:lvl3pPr>
-              <a:defRPr sz="1800"/>
-            </a:lvl3pPr>
-            <a:lvl4pPr>
-              <a:defRPr sz="1600"/>
-            </a:lvl4pPr>
-            <a:lvl5pPr>
-              <a:defRPr sz="1600"/>
-            </a:lvl5pPr>
-            <a:lvl6pPr>
-              <a:defRPr sz="1600"/>
-            </a:lvl6pPr>
-            <a:lvl7pPr>
-              <a:defRPr sz="1600"/>
-            </a:lvl7pPr>
-            <a:lvl8pPr>
-              <a:defRPr sz="1600"/>
-            </a:lvl8pPr>
-            <a:lvl9pPr>
-              <a:defRPr sz="1600"/>
-            </a:lvl9pPr>
-          </a:lstStyle>
-          <a:p>
-            <a:pPr lvl="0"/>
-            <a:r>
-              <a:rPr lang="ru-RU" smtClean="0"/>
-              <a:t>Образец текста</a:t>
-            </a:r>
-          </a:p>
-          <a:p>
-            <a:pPr lvl="1"/>
-            <a:r>
-              <a:rPr lang="ru-RU" smtClean="0"/>
-              <a:t>Второй уровень</a:t>
-            </a:r>
-          </a:p>
-          <a:p>
-            <a:pPr lvl="2"/>
-            <a:r>
-              <a:rPr lang="ru-RU" smtClean="0"/>
-              <a:t>Третий уровень</a:t>
-            </a:r>
-          </a:p>
-          <a:p>
-            <a:pPr lvl="3"/>
-            <a:r>
-              <a:rPr lang="ru-RU" smtClean="0"/>
-              <a:t>Четвертый уровень</a:t>
-            </a:r>
-          </a:p>
-          <a:p>
-            <a:pPr lvl="4"/>
-            <a:r>
-              <a:rPr lang="ru-RU" smtClean="0"/>
-              <a:t>Пятый уровень</a:t>
-            </a:r>
-            <a:endParaRPr lang="ru-RU"/>
-          </a:p>
-        </p:txBody>
-      </p:sp>
-      <p:sp>
-        <p:nvSpPr>
-          <p:cNvPr id="7" name="Дата 6"/>
+          <p:cNvPr id="7" name="Date Placeholder 6"/>
           <p:cNvSpPr>
             <a:spLocks noGrp="1"/>
           </p:cNvSpPr>
@@ -2209,7 +2278,7 @@
           <a:p>
             <a:fld id="{CD003594-B0AB-4E98-9DCF-06CEC4B9E9FA}" type="datetime1">
               <a:rPr lang="ru-RU" smtClean="0"/>
-              <a:t>25.12.2017</a:t>
+              <a:t>05.04.2018</a:t>
             </a:fld>
             <a:endParaRPr lang="ru-RU"/>
           </a:p>
@@ -2217,7 +2286,7 @@
       </p:sp>
       <p:sp>
         <p:nvSpPr>
-          <p:cNvPr id="8" name="Нижний колонтитул 7"/>
+          <p:cNvPr id="8" name="Footer Placeholder 7"/>
           <p:cNvSpPr>
             <a:spLocks noGrp="1"/>
           </p:cNvSpPr>
@@ -2236,7 +2305,7 @@
       </p:sp>
       <p:sp>
         <p:nvSpPr>
-          <p:cNvPr id="9" name="Номер слайда 8"/>
+          <p:cNvPr id="9" name="Slide Number Placeholder 8"/>
           <p:cNvSpPr>
             <a:spLocks noGrp="1"/>
           </p:cNvSpPr>
@@ -2257,12 +2326,121 @@
           </a:p>
         </p:txBody>
       </p:sp>
+      <p:sp>
+        <p:nvSpPr>
+          <p:cNvPr id="11" name="Content Placeholder 10"/>
+          <p:cNvSpPr>
+            <a:spLocks noGrp="1"/>
+          </p:cNvSpPr>
+          <p:nvPr>
+            <p:ph sz="quarter" idx="13"/>
+          </p:nvPr>
+        </p:nvSpPr>
+        <p:spPr>
+          <a:xfrm>
+            <a:off x="457200" y="2212848"/>
+            <a:ext cx="4041648" cy="3913632"/>
+          </a:xfrm>
+        </p:spPr>
+        <p:txBody>
+          <a:bodyPr/>
+          <a:lstStyle/>
+          <a:p>
+            <a:pPr lvl="0"/>
+            <a:r>
+              <a:rPr lang="ru-RU" smtClean="0"/>
+              <a:t>Образец текста</a:t>
+            </a:r>
+          </a:p>
+          <a:p>
+            <a:pPr lvl="1"/>
+            <a:r>
+              <a:rPr lang="ru-RU" smtClean="0"/>
+              <a:t>Второй уровень</a:t>
+            </a:r>
+          </a:p>
+          <a:p>
+            <a:pPr lvl="2"/>
+            <a:r>
+              <a:rPr lang="ru-RU" smtClean="0"/>
+              <a:t>Третий уровень</a:t>
+            </a:r>
+          </a:p>
+          <a:p>
+            <a:pPr lvl="3"/>
+            <a:r>
+              <a:rPr lang="ru-RU" smtClean="0"/>
+              <a:t>Четвертый уровень</a:t>
+            </a:r>
+          </a:p>
+          <a:p>
+            <a:pPr lvl="4"/>
+            <a:r>
+              <a:rPr lang="ru-RU" smtClean="0"/>
+              <a:t>Пятый уровень</a:t>
+            </a:r>
+            <a:endParaRPr lang="en-US" dirty="0"/>
+          </a:p>
+        </p:txBody>
+      </p:sp>
+      <p:sp>
+        <p:nvSpPr>
+          <p:cNvPr id="13" name="Content Placeholder 12"/>
+          <p:cNvSpPr>
+            <a:spLocks noGrp="1"/>
+          </p:cNvSpPr>
+          <p:nvPr>
+            <p:ph sz="quarter" idx="14"/>
+          </p:nvPr>
+        </p:nvSpPr>
+        <p:spPr>
+          <a:xfrm>
+            <a:off x="4672584" y="2212848"/>
+            <a:ext cx="4041648" cy="3913187"/>
+          </a:xfrm>
+        </p:spPr>
+        <p:txBody>
+          <a:bodyPr/>
+          <a:lstStyle/>
+          <a:p>
+            <a:pPr lvl="0"/>
+            <a:r>
+              <a:rPr lang="ru-RU" smtClean="0"/>
+              <a:t>Образец текста</a:t>
+            </a:r>
+          </a:p>
+          <a:p>
+            <a:pPr lvl="1"/>
+            <a:r>
+              <a:rPr lang="ru-RU" smtClean="0"/>
+              <a:t>Второй уровень</a:t>
+            </a:r>
+          </a:p>
+          <a:p>
+            <a:pPr lvl="2"/>
+            <a:r>
+              <a:rPr lang="ru-RU" smtClean="0"/>
+              <a:t>Третий уровень</a:t>
+            </a:r>
+          </a:p>
+          <a:p>
+            <a:pPr lvl="3"/>
+            <a:r>
+              <a:rPr lang="ru-RU" smtClean="0"/>
+              <a:t>Четвертый уровень</a:t>
+            </a:r>
+          </a:p>
+          <a:p>
+            <a:pPr lvl="4"/>
+            <a:r>
+              <a:rPr lang="ru-RU" smtClean="0"/>
+              <a:t>Пятый уровень</a:t>
+            </a:r>
+            <a:endParaRPr lang="en-US" dirty="0"/>
+          </a:p>
+        </p:txBody>
+      </p:sp>
     </p:spTree>
-    <p:extLst>
-      <p:ext uri="{BB962C8B-B14F-4D97-AF65-F5344CB8AC3E}">
-        <p14:creationId xmlns:p14="http://schemas.microsoft.com/office/powerpoint/2010/main" val="2437081069"/>
-      </p:ext>
-    </p:extLst>
   </p:cSld>
   <p:clrMapOvr>
     <a:masterClrMapping/>
@@ -2289,7 +2467,7 @@
       </p:grpSpPr>
       <p:sp>
         <p:nvSpPr>
-          <p:cNvPr id="2" name="Заголовок 1"/>
+          <p:cNvPr id="2" name="Title 1"/>
           <p:cNvSpPr>
             <a:spLocks noGrp="1"/>
           </p:cNvSpPr>
@@ -2306,13 +2484,13 @@
               <a:rPr lang="ru-RU" smtClean="0"/>
               <a:t>Образец заголовка</a:t>
             </a:r>
-            <a:endParaRPr lang="ru-RU"/>
-          </a:p>
-        </p:txBody>
-      </p:sp>
-      <p:sp>
-        <p:nvSpPr>
-          <p:cNvPr id="3" name="Дата 2"/>
+            <a:endParaRPr lang="en-US" dirty="0"/>
+          </a:p>
+        </p:txBody>
+      </p:sp>
+      <p:sp>
+        <p:nvSpPr>
+          <p:cNvPr id="3" name="Date Placeholder 2"/>
           <p:cNvSpPr>
             <a:spLocks noGrp="1"/>
           </p:cNvSpPr>
@@ -2327,7 +2505,7 @@
           <a:p>
             <a:fld id="{8E6B666C-7DD9-4FF5-8218-175E18E9C62D}" type="datetime1">
               <a:rPr lang="ru-RU" smtClean="0"/>
-              <a:t>25.12.2017</a:t>
+              <a:t>05.04.2018</a:t>
             </a:fld>
             <a:endParaRPr lang="ru-RU"/>
           </a:p>
@@ -2335,7 +2513,7 @@
       </p:sp>
       <p:sp>
         <p:nvSpPr>
-          <p:cNvPr id="4" name="Нижний колонтитул 3"/>
+          <p:cNvPr id="4" name="Footer Placeholder 3"/>
           <p:cNvSpPr>
             <a:spLocks noGrp="1"/>
           </p:cNvSpPr>
@@ -2354,7 +2532,7 @@
       </p:sp>
       <p:sp>
         <p:nvSpPr>
-          <p:cNvPr id="5" name="Номер слайда 4"/>
+          <p:cNvPr id="5" name="Slide Number Placeholder 4"/>
           <p:cNvSpPr>
             <a:spLocks noGrp="1"/>
           </p:cNvSpPr>
@@ -2376,11 +2554,6 @@
         </p:txBody>
       </p:sp>
     </p:spTree>
-    <p:extLst>
-      <p:ext uri="{BB962C8B-B14F-4D97-AF65-F5344CB8AC3E}">
-        <p14:creationId xmlns:p14="http://schemas.microsoft.com/office/powerpoint/2010/main" val="1953757125"/>
-      </p:ext>
-    </p:extLst>
   </p:cSld>
   <p:clrMapOvr>
     <a:masterClrMapping/>
@@ -2407,7 +2580,7 @@
       </p:grpSpPr>
       <p:sp>
         <p:nvSpPr>
-          <p:cNvPr id="2" name="Дата 1"/>
+          <p:cNvPr id="2" name="Date Placeholder 1"/>
           <p:cNvSpPr>
             <a:spLocks noGrp="1"/>
           </p:cNvSpPr>
@@ -2422,7 +2595,7 @@
           <a:p>
             <a:fld id="{5DE1AA7E-24A2-4F20-AA51-0B122BB0989F}" type="datetime1">
               <a:rPr lang="ru-RU" smtClean="0"/>
-              <a:t>25.12.2017</a:t>
+              <a:t>05.04.2018</a:t>
             </a:fld>
             <a:endParaRPr lang="ru-RU"/>
           </a:p>
@@ -2430,7 +2603,7 @@
       </p:sp>
       <p:sp>
         <p:nvSpPr>
-          <p:cNvPr id="3" name="Нижний колонтитул 2"/>
+          <p:cNvPr id="3" name="Footer Placeholder 2"/>
           <p:cNvSpPr>
             <a:spLocks noGrp="1"/>
           </p:cNvSpPr>
@@ -2449,7 +2622,7 @@
       </p:sp>
       <p:sp>
         <p:nvSpPr>
-          <p:cNvPr id="4" name="Номер слайда 3"/>
+          <p:cNvPr id="4" name="Slide Number Placeholder 3"/>
           <p:cNvSpPr>
             <a:spLocks noGrp="1"/>
           </p:cNvSpPr>
@@ -2471,11 +2644,6 @@
         </p:txBody>
       </p:sp>
     </p:spTree>
-    <p:extLst>
-      <p:ext uri="{BB962C8B-B14F-4D97-AF65-F5344CB8AC3E}">
-        <p14:creationId xmlns:p14="http://schemas.microsoft.com/office/powerpoint/2010/main" val="2840532932"/>
-      </p:ext>
-    </p:extLst>
   </p:cSld>
   <p:clrMapOvr>
     <a:masterClrMapping/>
@@ -2502,7 +2670,7 @@
       </p:grpSpPr>
       <p:sp>
         <p:nvSpPr>
-          <p:cNvPr id="2" name="Заголовок 1"/>
+          <p:cNvPr id="2" name="Title 1"/>
           <p:cNvSpPr>
             <a:spLocks noGrp="1"/>
           </p:cNvSpPr>
@@ -2512,15 +2680,26 @@
         </p:nvSpPr>
         <p:spPr>
           <a:xfrm>
-            <a:off x="457200" y="273050"/>
-            <a:ext cx="3008313" cy="1162050"/>
+            <a:off x="5907087" y="266700"/>
+            <a:ext cx="3008313" cy="2095500"/>
           </a:xfrm>
         </p:spPr>
         <p:txBody>
           <a:bodyPr anchor="b"/>
           <a:lstStyle>
-            <a:lvl1pPr algn="l">
-              <a:defRPr sz="2000" b="1"/>
+            <a:lvl1pPr algn="ctr">
+              <a:lnSpc>
+                <a:spcPct val="100000"/>
+              </a:lnSpc>
+              <a:defRPr sz="2800" b="0">
+                <a:effectLst>
+                  <a:outerShdw blurRad="50800" dist="25400" dir="5400000" algn="t" rotWithShape="0">
+                    <a:prstClr val="black">
+                      <a:alpha val="25000"/>
+                    </a:prstClr>
+                  </a:outerShdw>
+                </a:effectLst>
+              </a:defRPr>
             </a:lvl1pPr>
           </a:lstStyle>
           <a:p>
@@ -2528,13 +2707,13 @@
               <a:rPr lang="ru-RU" smtClean="0"/>
               <a:t>Образец заголовка</a:t>
             </a:r>
-            <a:endParaRPr lang="ru-RU"/>
-          </a:p>
-        </p:txBody>
-      </p:sp>
-      <p:sp>
-        <p:nvSpPr>
-          <p:cNvPr id="3" name="Объект 2"/>
+            <a:endParaRPr lang="en-US" dirty="0"/>
+          </a:p>
+        </p:txBody>
+      </p:sp>
+      <p:sp>
+        <p:nvSpPr>
+          <p:cNvPr id="3" name="Content Placeholder 2"/>
           <p:cNvSpPr>
             <a:spLocks noGrp="1"/>
           </p:cNvSpPr>
@@ -2544,8 +2723,8 @@
         </p:nvSpPr>
         <p:spPr>
           <a:xfrm>
-            <a:off x="3575050" y="273050"/>
-            <a:ext cx="5111750" cy="5853113"/>
+            <a:off x="719137" y="273050"/>
+            <a:ext cx="4995863" cy="5853113"/>
           </a:xfrm>
         </p:spPr>
         <p:txBody>
@@ -2613,13 +2792,13 @@
               <a:rPr lang="ru-RU" smtClean="0"/>
               <a:t>Пятый уровень</a:t>
             </a:r>
-            <a:endParaRPr lang="ru-RU"/>
-          </a:p>
-        </p:txBody>
-      </p:sp>
-      <p:sp>
-        <p:nvSpPr>
-          <p:cNvPr id="4" name="Текст 3"/>
+            <a:endParaRPr lang="en-US" dirty="0"/>
+          </a:p>
+        </p:txBody>
+      </p:sp>
+      <p:sp>
+        <p:nvSpPr>
+          <p:cNvPr id="4" name="Text Placeholder 3"/>
           <p:cNvSpPr>
             <a:spLocks noGrp="1"/>
           </p:cNvSpPr>
@@ -2629,16 +2808,21 @@
         </p:nvSpPr>
         <p:spPr>
           <a:xfrm>
-            <a:off x="457200" y="1435100"/>
-            <a:ext cx="3008313" cy="4691063"/>
+            <a:off x="5907087" y="2438400"/>
+            <a:ext cx="3008313" cy="3687763"/>
           </a:xfrm>
         </p:spPr>
         <p:txBody>
-          <a:bodyPr/>
+          <a:bodyPr>
+            <a:normAutofit/>
+          </a:bodyPr>
           <a:lstStyle>
-            <a:lvl1pPr marL="0" indent="0">
+            <a:lvl1pPr marL="0" indent="0" algn="ctr">
+              <a:lnSpc>
+                <a:spcPct val="125000"/>
+              </a:lnSpc>
               <a:buNone/>
-              <a:defRPr sz="1400"/>
+              <a:defRPr sz="1600"/>
             </a:lvl1pPr>
             <a:lvl2pPr marL="457200" indent="0">
               <a:buNone/>
@@ -2684,7 +2868,7 @@
       </p:sp>
       <p:sp>
         <p:nvSpPr>
-          <p:cNvPr id="5" name="Дата 4"/>
+          <p:cNvPr id="5" name="Date Placeholder 4"/>
           <p:cNvSpPr>
             <a:spLocks noGrp="1"/>
           </p:cNvSpPr>
@@ -2699,7 +2883,7 @@
           <a:p>
             <a:fld id="{011A7850-7EFF-449B-B9E0-A2B7FD671743}" type="datetime1">
               <a:rPr lang="ru-RU" smtClean="0"/>
-              <a:t>25.12.2017</a:t>
+              <a:t>05.04.2018</a:t>
             </a:fld>
             <a:endParaRPr lang="ru-RU"/>
           </a:p>
@@ -2707,7 +2891,7 @@
       </p:sp>
       <p:sp>
         <p:nvSpPr>
-          <p:cNvPr id="6" name="Нижний колонтитул 5"/>
+          <p:cNvPr id="6" name="Footer Placeholder 5"/>
           <p:cNvSpPr>
             <a:spLocks noGrp="1"/>
           </p:cNvSpPr>
@@ -2726,7 +2910,7 @@
       </p:sp>
       <p:sp>
         <p:nvSpPr>
-          <p:cNvPr id="7" name="Номер слайда 6"/>
+          <p:cNvPr id="7" name="Slide Number Placeholder 6"/>
           <p:cNvSpPr>
             <a:spLocks noGrp="1"/>
           </p:cNvSpPr>
@@ -2748,11 +2932,6 @@
         </p:txBody>
       </p:sp>
     </p:spTree>
-    <p:extLst>
-      <p:ext uri="{BB962C8B-B14F-4D97-AF65-F5344CB8AC3E}">
-        <p14:creationId xmlns:p14="http://schemas.microsoft.com/office/powerpoint/2010/main" val="674980345"/>
-      </p:ext>
-    </p:extLst>
   </p:cSld>
   <p:clrMapOvr>
     <a:masterClrMapping/>
@@ -2779,7 +2958,7 @@
       </p:grpSpPr>
       <p:sp>
         <p:nvSpPr>
-          <p:cNvPr id="2" name="Заголовок 1"/>
+          <p:cNvPr id="2" name="Title 1"/>
           <p:cNvSpPr>
             <a:spLocks noGrp="1"/>
           </p:cNvSpPr>
@@ -2789,15 +2968,18 @@
         </p:nvSpPr>
         <p:spPr>
           <a:xfrm>
-            <a:off x="1792288" y="4800600"/>
-            <a:ext cx="5486400" cy="566738"/>
+            <a:off x="1679576" y="228600"/>
+            <a:ext cx="5711824" cy="895350"/>
           </a:xfrm>
         </p:spPr>
         <p:txBody>
           <a:bodyPr anchor="b"/>
           <a:lstStyle>
-            <a:lvl1pPr algn="l">
-              <a:defRPr sz="2000" b="1"/>
+            <a:lvl1pPr algn="ctr">
+              <a:lnSpc>
+                <a:spcPct val="100000"/>
+              </a:lnSpc>
+              <a:defRPr sz="2800" b="0"/>
             </a:lvl1pPr>
           </a:lstStyle>
           <a:p>
@@ -2805,13 +2987,13 @@
               <a:rPr lang="ru-RU" smtClean="0"/>
               <a:t>Образец заголовка</a:t>
             </a:r>
-            <a:endParaRPr lang="ru-RU"/>
-          </a:p>
-        </p:txBody>
-      </p:sp>
-      <p:sp>
-        <p:nvSpPr>
-          <p:cNvPr id="3" name="Рисунок 2"/>
+            <a:endParaRPr lang="en-US" dirty="0"/>
+          </a:p>
+        </p:txBody>
+      </p:sp>
+      <p:sp>
+        <p:nvSpPr>
+          <p:cNvPr id="3" name="Picture Placeholder 2"/>
           <p:cNvSpPr>
             <a:spLocks noGrp="1"/>
           </p:cNvSpPr>
@@ -2821,14 +3003,26 @@
         </p:nvSpPr>
         <p:spPr>
           <a:xfrm>
-            <a:off x="1792288" y="612775"/>
-            <a:ext cx="5486400" cy="4114800"/>
+            <a:off x="1508126" y="1143000"/>
+            <a:ext cx="6054724" cy="4541044"/>
           </a:xfrm>
+          <a:ln w="76200">
+            <a:solidFill>
+              <a:schemeClr val="bg1"/>
+            </a:solidFill>
+          </a:ln>
+          <a:effectLst>
+            <a:outerShdw blurRad="88900" dist="50800" dir="5400000" algn="ctr" rotWithShape="0">
+              <a:srgbClr val="000000">
+                <a:alpha val="25000"/>
+              </a:srgbClr>
+            </a:outerShdw>
+          </a:effectLst>
         </p:spPr>
         <p:txBody>
-          <a:bodyPr/>
+          <a:bodyPr anchor="t"/>
           <a:lstStyle>
-            <a:lvl1pPr marL="0" indent="0">
+            <a:lvl1pPr marL="0" indent="0" algn="ctr">
               <a:buNone/>
               <a:defRPr sz="3200"/>
             </a:lvl1pPr>
@@ -2866,13 +3060,17 @@
             </a:lvl9pPr>
           </a:lstStyle>
           <a:p>
-            <a:endParaRPr lang="ru-RU"/>
-          </a:p>
-        </p:txBody>
-      </p:sp>
-      <p:sp>
-        <p:nvSpPr>
-          <p:cNvPr id="4" name="Текст 3"/>
+            <a:r>
+              <a:rPr lang="ru-RU" smtClean="0"/>
+              <a:t>Вставка рисунка</a:t>
+            </a:r>
+            <a:endParaRPr lang="en-US" dirty="0"/>
+          </a:p>
+        </p:txBody>
+      </p:sp>
+      <p:sp>
+        <p:nvSpPr>
+          <p:cNvPr id="4" name="Text Placeholder 3"/>
           <p:cNvSpPr>
             <a:spLocks noGrp="1"/>
           </p:cNvSpPr>
@@ -2882,16 +3080,18 @@
         </p:nvSpPr>
         <p:spPr>
           <a:xfrm>
-            <a:off x="1792288" y="5367338"/>
-            <a:ext cx="5486400" cy="804862"/>
+            <a:off x="1679576" y="5810250"/>
+            <a:ext cx="5711824" cy="533400"/>
           </a:xfrm>
         </p:spPr>
         <p:txBody>
-          <a:bodyPr/>
+          <a:bodyPr>
+            <a:normAutofit/>
+          </a:bodyPr>
           <a:lstStyle>
-            <a:lvl1pPr marL="0" indent="0">
+            <a:lvl1pPr marL="0" indent="0" algn="ctr">
               <a:buNone/>
-              <a:defRPr sz="1400"/>
+              <a:defRPr sz="1600"/>
             </a:lvl1pPr>
             <a:lvl2pPr marL="457200" indent="0">
               <a:buNone/>
@@ -2937,7 +3137,7 @@
       </p:sp>
       <p:sp>
         <p:nvSpPr>
-          <p:cNvPr id="5" name="Дата 4"/>
+          <p:cNvPr id="5" name="Date Placeholder 4"/>
           <p:cNvSpPr>
             <a:spLocks noGrp="1"/>
           </p:cNvSpPr>
@@ -2952,7 +3152,7 @@
           <a:p>
             <a:fld id="{33A0BCF5-0386-4A19-9A21-A8E4974F851C}" type="datetime1">
               <a:rPr lang="ru-RU" smtClean="0"/>
-              <a:t>25.12.2017</a:t>
+              <a:t>05.04.2018</a:t>
             </a:fld>
             <a:endParaRPr lang="ru-RU"/>
           </a:p>
@@ -2960,7 +3160,7 @@
       </p:sp>
       <p:sp>
         <p:nvSpPr>
-          <p:cNvPr id="6" name="Нижний колонтитул 5"/>
+          <p:cNvPr id="6" name="Footer Placeholder 5"/>
           <p:cNvSpPr>
             <a:spLocks noGrp="1"/>
           </p:cNvSpPr>
@@ -2979,7 +3179,7 @@
       </p:sp>
       <p:sp>
         <p:nvSpPr>
-          <p:cNvPr id="7" name="Номер слайда 6"/>
+          <p:cNvPr id="7" name="Slide Number Placeholder 6"/>
           <p:cNvSpPr>
             <a:spLocks noGrp="1"/>
           </p:cNvSpPr>
@@ -3001,11 +3201,6 @@
         </p:txBody>
       </p:sp>
     </p:spTree>
-    <p:extLst>
-      <p:ext uri="{BB962C8B-B14F-4D97-AF65-F5344CB8AC3E}">
-        <p14:creationId xmlns:p14="http://schemas.microsoft.com/office/powerpoint/2010/main" val="383756235"/>
-      </p:ext>
-    </p:extLst>
   </p:cSld>
   <p:clrMapOvr>
     <a:masterClrMapping/>
@@ -3017,7 +3212,7 @@
 <p:sldMaster xmlns:a="http://schemas.openxmlformats.org/drawingml/2006/main" xmlns:r="http://schemas.openxmlformats.org/officeDocument/2006/relationships" xmlns:p="http://schemas.openxmlformats.org/presentationml/2006/main">
   <p:cSld>
     <p:bg>
-      <p:bgRef idx="1001">
+      <p:bgRef idx="1002">
         <a:schemeClr val="bg1"/>
       </p:bgRef>
     </p:bg>
@@ -3037,7 +3232,7 @@
       </p:grpSpPr>
       <p:sp>
         <p:nvSpPr>
-          <p:cNvPr id="2" name="Заголовок 1"/>
+          <p:cNvPr id="2" name="Title Placeholder 1"/>
           <p:cNvSpPr>
             <a:spLocks noGrp="1"/>
           </p:cNvSpPr>
@@ -3047,16 +3242,16 @@
         </p:nvSpPr>
         <p:spPr>
           <a:xfrm>
-            <a:off x="457200" y="274638"/>
-            <a:ext cx="8229600" cy="1143000"/>
+            <a:off x="457200" y="0"/>
+            <a:ext cx="8229600" cy="1600200"/>
           </a:xfrm>
           <a:prstGeom prst="rect">
             <a:avLst/>
           </a:prstGeom>
         </p:spPr>
         <p:txBody>
-          <a:bodyPr vert="horz" lIns="91440" tIns="45720" rIns="91440" bIns="45720" rtlCol="0" anchor="ctr">
-            <a:normAutofit/>
+          <a:bodyPr vert="horz" lIns="91440" tIns="45720" rIns="91440" bIns="45720" rtlCol="0" anchor="b">
+            <a:noAutofit/>
           </a:bodyPr>
           <a:lstStyle/>
           <a:p>
@@ -3064,13 +3259,13 @@
               <a:rPr lang="ru-RU" smtClean="0"/>
               <a:t>Образец заголовка</a:t>
             </a:r>
-            <a:endParaRPr lang="ru-RU"/>
-          </a:p>
-        </p:txBody>
-      </p:sp>
-      <p:sp>
-        <p:nvSpPr>
-          <p:cNvPr id="3" name="Текст 2"/>
+            <a:endParaRPr lang="en-US" dirty="0"/>
+          </a:p>
+        </p:txBody>
+      </p:sp>
+      <p:sp>
+        <p:nvSpPr>
+          <p:cNvPr id="3" name="Text Placeholder 2"/>
           <p:cNvSpPr>
             <a:spLocks noGrp="1"/>
           </p:cNvSpPr>
@@ -3126,13 +3321,13 @@
               <a:rPr lang="ru-RU" smtClean="0"/>
               <a:t>Пятый уровень</a:t>
             </a:r>
-            <a:endParaRPr lang="ru-RU"/>
-          </a:p>
-        </p:txBody>
-      </p:sp>
-      <p:sp>
-        <p:nvSpPr>
-          <p:cNvPr id="4" name="Дата 3"/>
+            <a:endParaRPr lang="en-US" dirty="0" smtClean="0"/>
+          </a:p>
+        </p:txBody>
+      </p:sp>
+      <p:sp>
+        <p:nvSpPr>
+          <p:cNvPr id="4" name="Date Placeholder 3"/>
           <p:cNvSpPr>
             <a:spLocks noGrp="1"/>
           </p:cNvSpPr>
@@ -3142,105 +3337,111 @@
         </p:nvSpPr>
         <p:spPr>
           <a:xfrm>
-            <a:off x="457200" y="6356350"/>
-            <a:ext cx="2133600" cy="365125"/>
+            <a:off x="6363347" y="6356350"/>
+            <a:ext cx="2085975" cy="365125"/>
           </a:xfrm>
           <a:prstGeom prst="rect">
             <a:avLst/>
           </a:prstGeom>
         </p:spPr>
         <p:txBody>
-          <a:bodyPr vert="horz" lIns="91440" tIns="45720" rIns="91440" bIns="45720" rtlCol="0" anchor="ctr"/>
+          <a:bodyPr vert="horz" lIns="91440" tIns="45720" rIns="45720" bIns="45720" rtlCol="0" anchor="ctr"/>
+          <a:lstStyle>
+            <a:lvl1pPr algn="r">
+              <a:defRPr sz="1200">
+                <a:solidFill>
+                  <a:schemeClr val="tx1">
+                    <a:lumMod val="65000"/>
+                    <a:lumOff val="35000"/>
+                  </a:schemeClr>
+                </a:solidFill>
+                <a:latin typeface="Century Gothic" pitchFamily="34" charset="0"/>
+              </a:defRPr>
+            </a:lvl1pPr>
+          </a:lstStyle>
+          <a:p>
+            <a:fld id="{8362EE66-B615-441A-BFAD-9F432D836FB3}" type="datetime1">
+              <a:rPr lang="ru-RU" smtClean="0"/>
+              <a:t>05.04.2018</a:t>
+            </a:fld>
+            <a:endParaRPr lang="ru-RU"/>
+          </a:p>
+        </p:txBody>
+      </p:sp>
+      <p:sp>
+        <p:nvSpPr>
+          <p:cNvPr id="5" name="Footer Placeholder 4"/>
+          <p:cNvSpPr>
+            <a:spLocks noGrp="1"/>
+          </p:cNvSpPr>
+          <p:nvPr>
+            <p:ph type="ftr" sz="quarter" idx="3"/>
+          </p:nvPr>
+        </p:nvSpPr>
+        <p:spPr>
+          <a:xfrm>
+            <a:off x="659165" y="6356350"/>
+            <a:ext cx="2847975" cy="365125"/>
+          </a:xfrm>
+          <a:prstGeom prst="rect">
+            <a:avLst/>
+          </a:prstGeom>
+        </p:spPr>
+        <p:txBody>
+          <a:bodyPr vert="horz" lIns="45720" tIns="45720" rIns="91440" bIns="45720" rtlCol="0" anchor="ctr"/>
           <a:lstStyle>
             <a:lvl1pPr algn="l">
               <a:defRPr sz="1200">
                 <a:solidFill>
                   <a:schemeClr val="tx1">
-                    <a:tint val="75000"/>
+                    <a:lumMod val="65000"/>
+                    <a:lumOff val="35000"/>
                   </a:schemeClr>
                 </a:solidFill>
+                <a:latin typeface="Century Gothic" pitchFamily="34" charset="0"/>
               </a:defRPr>
             </a:lvl1pPr>
           </a:lstStyle>
           <a:p>
-            <a:fld id="{8362EE66-B615-441A-BFAD-9F432D836FB3}" type="datetime1">
-              <a:rPr lang="ru-RU" smtClean="0"/>
-              <a:t>25.12.2017</a:t>
-            </a:fld>
             <a:endParaRPr lang="ru-RU"/>
           </a:p>
         </p:txBody>
       </p:sp>
       <p:sp>
         <p:nvSpPr>
-          <p:cNvPr id="5" name="Нижний колонтитул 4"/>
-          <p:cNvSpPr>
-            <a:spLocks noGrp="1"/>
-          </p:cNvSpPr>
-          <p:nvPr>
-            <p:ph type="ftr" sz="quarter" idx="3"/>
+          <p:cNvPr id="6" name="Slide Number Placeholder 5"/>
+          <p:cNvSpPr>
+            <a:spLocks noGrp="1"/>
+          </p:cNvSpPr>
+          <p:nvPr>
+            <p:ph type="sldNum" sz="quarter" idx="4"/>
           </p:nvPr>
         </p:nvSpPr>
         <p:spPr>
           <a:xfrm>
-            <a:off x="3124200" y="6356350"/>
-            <a:ext cx="2895600" cy="365125"/>
+            <a:off x="8543278" y="6356350"/>
+            <a:ext cx="561975" cy="365125"/>
           </a:xfrm>
           <a:prstGeom prst="rect">
             <a:avLst/>
           </a:prstGeom>
         </p:spPr>
         <p:txBody>
-          <a:bodyPr vert="horz" lIns="91440" tIns="45720" rIns="91440" bIns="45720" rtlCol="0" anchor="ctr"/>
+          <a:bodyPr vert="horz" lIns="27432" tIns="45720" rIns="45720" bIns="45720" rtlCol="0" anchor="ctr"/>
           <a:lstStyle>
-            <a:lvl1pPr algn="ctr">
+            <a:lvl1pPr algn="l">
               <a:defRPr sz="1200">
                 <a:solidFill>
                   <a:schemeClr val="tx1">
-                    <a:tint val="75000"/>
+                    <a:lumMod val="65000"/>
+                    <a:lumOff val="35000"/>
                   </a:schemeClr>
                 </a:solidFill>
+                <a:latin typeface="Century Gothic" pitchFamily="34" charset="0"/>
               </a:defRPr>
             </a:lvl1pPr>
           </a:lstStyle>
           <a:p>
-            <a:endParaRPr lang="ru-RU"/>
-          </a:p>
-        </p:txBody>
-      </p:sp>
-      <p:sp>
-        <p:nvSpPr>
-          <p:cNvPr id="6" name="Номер слайда 5"/>
-          <p:cNvSpPr>
-            <a:spLocks noGrp="1"/>
-          </p:cNvSpPr>
-          <p:nvPr>
-            <p:ph type="sldNum" sz="quarter" idx="4"/>
-          </p:nvPr>
-        </p:nvSpPr>
-        <p:spPr>
-          <a:xfrm>
-            <a:off x="6553200" y="6356350"/>
-            <a:ext cx="2133600" cy="365125"/>
-          </a:xfrm>
-          <a:prstGeom prst="rect">
-            <a:avLst/>
-          </a:prstGeom>
-        </p:spPr>
-        <p:txBody>
-          <a:bodyPr vert="horz" lIns="91440" tIns="45720" rIns="91440" bIns="45720" rtlCol="0" anchor="ctr"/>
-          <a:lstStyle>
-            <a:lvl1pPr algn="r">
-              <a:defRPr sz="1200">
-                <a:solidFill>
-                  <a:schemeClr val="tx1">
-                    <a:tint val="75000"/>
-                  </a:schemeClr>
-                </a:solidFill>
-              </a:defRPr>
-            </a:lvl1pPr>
-          </a:lstStyle>
-          <a:p>
             <a:fld id="{7C8E2CEC-E439-4EAB-AFDC-D27F98308DA3}" type="slidenum">
               <a:rPr lang="ru-RU" smtClean="0"/>
               <a:t>‹#›</a:t>
@@ -3249,40 +3450,152 @@
           </a:p>
         </p:txBody>
       </p:sp>
+      <p:sp>
+        <p:nvSpPr>
+          <p:cNvPr id="7" name="Oval 6"/>
+          <p:cNvSpPr/>
+          <p:nvPr/>
+        </p:nvSpPr>
+        <p:spPr>
+          <a:xfrm>
+            <a:off x="8457760" y="6499384"/>
+            <a:ext cx="84772" cy="84772"/>
+          </a:xfrm>
+          <a:prstGeom prst="ellipse">
+            <a:avLst/>
+          </a:prstGeom>
+          <a:solidFill>
+            <a:schemeClr val="tx1">
+              <a:lumMod val="50000"/>
+              <a:lumOff val="50000"/>
+            </a:schemeClr>
+          </a:solidFill>
+          <a:ln w="12700">
+            <a:noFill/>
+          </a:ln>
+          <a:effectLst/>
+        </p:spPr>
+        <p:style>
+          <a:lnRef idx="2">
+            <a:schemeClr val="accent1">
+              <a:shade val="50000"/>
+            </a:schemeClr>
+          </a:lnRef>
+          <a:fillRef idx="1">
+            <a:schemeClr val="accent1"/>
+          </a:fillRef>
+          <a:effectRef idx="0">
+            <a:schemeClr val="accent1"/>
+          </a:effectRef>
+          <a:fontRef idx="minor">
+            <a:schemeClr val="lt1"/>
+          </a:fontRef>
+        </p:style>
+        <p:txBody>
+          <a:bodyPr rtlCol="0" anchor="ctr"/>
+          <a:lstStyle/>
+          <a:p>
+            <a:pPr marL="0" algn="ctr" defTabSz="914400" rtl="0" eaLnBrk="1" latinLnBrk="0" hangingPunct="1"/>
+            <a:endParaRPr lang="en-US" sz="1800" kern="1200">
+              <a:solidFill>
+                <a:schemeClr val="lt1"/>
+              </a:solidFill>
+              <a:latin typeface="+mn-lt"/>
+              <a:ea typeface="+mn-ea"/>
+              <a:cs typeface="+mn-cs"/>
+            </a:endParaRPr>
+          </a:p>
+        </p:txBody>
+      </p:sp>
+      <p:sp>
+        <p:nvSpPr>
+          <p:cNvPr id="8" name="Oval 7"/>
+          <p:cNvSpPr/>
+          <p:nvPr/>
+        </p:nvSpPr>
+        <p:spPr>
+          <a:xfrm>
+            <a:off x="569119" y="6499384"/>
+            <a:ext cx="84772" cy="84772"/>
+          </a:xfrm>
+          <a:prstGeom prst="ellipse">
+            <a:avLst/>
+          </a:prstGeom>
+          <a:solidFill>
+            <a:schemeClr val="tx1">
+              <a:lumMod val="50000"/>
+              <a:lumOff val="50000"/>
+            </a:schemeClr>
+          </a:solidFill>
+          <a:ln w="12700">
+            <a:noFill/>
+          </a:ln>
+          <a:effectLst/>
+        </p:spPr>
+        <p:style>
+          <a:lnRef idx="2">
+            <a:schemeClr val="accent1">
+              <a:shade val="50000"/>
+            </a:schemeClr>
+          </a:lnRef>
+          <a:fillRef idx="1">
+            <a:schemeClr val="accent1"/>
+          </a:fillRef>
+          <a:effectRef idx="0">
+            <a:schemeClr val="accent1"/>
+          </a:effectRef>
+          <a:fontRef idx="minor">
+            <a:schemeClr val="lt1"/>
+          </a:fontRef>
+        </p:style>
+        <p:txBody>
+          <a:bodyPr rtlCol="0" anchor="ctr"/>
+          <a:lstStyle/>
+          <a:p>
+            <a:pPr algn="ctr"/>
+            <a:endParaRPr lang="en-US"/>
+          </a:p>
+        </p:txBody>
+      </p:sp>
     </p:spTree>
-    <p:extLst>
-      <p:ext uri="{BB962C8B-B14F-4D97-AF65-F5344CB8AC3E}">
-        <p14:creationId xmlns:p14="http://schemas.microsoft.com/office/powerpoint/2010/main" val="3247565144"/>
-      </p:ext>
-    </p:extLst>
   </p:cSld>
   <p:clrMap bg1="lt1" tx1="dk1" bg2="lt2" tx2="dk2" accent1="accent1" accent2="accent2" accent3="accent3" accent4="accent4" accent5="accent5" accent6="accent6" hlink="hlink" folHlink="folHlink"/>
   <p:sldLayoutIdLst>
-    <p:sldLayoutId id="2147483649" r:id="rId1"/>
-    <p:sldLayoutId id="2147483650" r:id="rId2"/>
-    <p:sldLayoutId id="2147483651" r:id="rId3"/>
-    <p:sldLayoutId id="2147483652" r:id="rId4"/>
-    <p:sldLayoutId id="2147483653" r:id="rId5"/>
-    <p:sldLayoutId id="2147483654" r:id="rId6"/>
-    <p:sldLayoutId id="2147483655" r:id="rId7"/>
-    <p:sldLayoutId id="2147483656" r:id="rId8"/>
-    <p:sldLayoutId id="2147483657" r:id="rId9"/>
-    <p:sldLayoutId id="2147483658" r:id="rId10"/>
-    <p:sldLayoutId id="2147483659" r:id="rId11"/>
+    <p:sldLayoutId id="2147483673" r:id="rId1"/>
+    <p:sldLayoutId id="2147483674" r:id="rId2"/>
+    <p:sldLayoutId id="2147483675" r:id="rId3"/>
+    <p:sldLayoutId id="2147483676" r:id="rId4"/>
+    <p:sldLayoutId id="2147483677" r:id="rId5"/>
+    <p:sldLayoutId id="2147483678" r:id="rId6"/>
+    <p:sldLayoutId id="2147483679" r:id="rId7"/>
+    <p:sldLayoutId id="2147483680" r:id="rId8"/>
+    <p:sldLayoutId id="2147483681" r:id="rId9"/>
+    <p:sldLayoutId id="2147483682" r:id="rId10"/>
+    <p:sldLayoutId id="2147483683" r:id="rId11"/>
   </p:sldLayoutIdLst>
   <p:hf hdr="0" ftr="0" dt="0"/>
   <p:txStyles>
     <p:titleStyle>
       <a:lvl1pPr algn="ctr" defTabSz="914400" rtl="0" eaLnBrk="1" latinLnBrk="0" hangingPunct="1">
+        <a:lnSpc>
+          <a:spcPts val="5800"/>
+        </a:lnSpc>
         <a:spcBef>
           <a:spcPct val="0"/>
         </a:spcBef>
         <a:buNone/>
-        <a:defRPr sz="4400" kern="1200">
+        <a:defRPr sz="5400" kern="1200">
           <a:solidFill>
-            <a:schemeClr val="tx1"/>
+            <a:schemeClr val="tx2"/>
           </a:solidFill>
-          <a:latin typeface="+mj-lt"/>
+          <a:effectLst>
+            <a:outerShdw blurRad="63500" dist="38100" dir="5400000" algn="t" rotWithShape="0">
+              <a:prstClr val="black">
+                <a:alpha val="25000"/>
+              </a:prstClr>
+            </a:outerShdw>
+          </a:effectLst>
+          <a:latin typeface="+mn-lt"/>
           <a:ea typeface="+mj-ea"/>
           <a:cs typeface="+mj-cs"/>
         </a:defRPr>
@@ -3293,13 +3606,16 @@
         <a:spcBef>
           <a:spcPct val="20000"/>
         </a:spcBef>
-        <a:buFont typeface="Arial" panose="020B0604020202020204" pitchFamily="34" charset="0"/>
+        <a:buFont typeface="Arial" pitchFamily="34" charset="0"/>
         <a:buChar char="•"/>
-        <a:defRPr sz="3200" kern="1200">
+        <a:defRPr sz="2400" kern="1200">
           <a:solidFill>
-            <a:schemeClr val="tx1"/>
+            <a:schemeClr val="tx1">
+              <a:lumMod val="50000"/>
+              <a:lumOff val="50000"/>
+            </a:schemeClr>
           </a:solidFill>
-          <a:latin typeface="+mn-lt"/>
+          <a:latin typeface="+mj-lt"/>
           <a:ea typeface="+mn-ea"/>
           <a:cs typeface="+mn-cs"/>
         </a:defRPr>
@@ -3308,13 +3624,16 @@
         <a:spcBef>
           <a:spcPct val="20000"/>
         </a:spcBef>
-        <a:buFont typeface="Arial" panose="020B0604020202020204" pitchFamily="34" charset="0"/>
-        <a:buChar char="–"/>
-        <a:defRPr sz="2800" kern="1200">
+        <a:buFont typeface="Courier New" pitchFamily="49" charset="0"/>
+        <a:buChar char="o"/>
+        <a:defRPr sz="1600" kern="1200">
           <a:solidFill>
-            <a:schemeClr val="tx1"/>
+            <a:schemeClr val="tx1">
+              <a:lumMod val="50000"/>
+              <a:lumOff val="50000"/>
+            </a:schemeClr>
           </a:solidFill>
-          <a:latin typeface="+mn-lt"/>
+          <a:latin typeface="+mj-lt"/>
           <a:ea typeface="+mn-ea"/>
           <a:cs typeface="+mn-cs"/>
         </a:defRPr>
@@ -3323,13 +3642,16 @@
         <a:spcBef>
           <a:spcPct val="20000"/>
         </a:spcBef>
-        <a:buFont typeface="Arial" panose="020B0604020202020204" pitchFamily="34" charset="0"/>
+        <a:buFont typeface="Arial" pitchFamily="34" charset="0"/>
         <a:buChar char="•"/>
-        <a:defRPr sz="2400" kern="1200">
+        <a:defRPr sz="1600" kern="1200">
           <a:solidFill>
-            <a:schemeClr val="tx1"/>
+            <a:schemeClr val="tx1">
+              <a:lumMod val="50000"/>
+              <a:lumOff val="50000"/>
+            </a:schemeClr>
           </a:solidFill>
-          <a:latin typeface="+mn-lt"/>
+          <a:latin typeface="+mj-lt"/>
           <a:ea typeface="+mn-ea"/>
           <a:cs typeface="+mn-cs"/>
         </a:defRPr>
@@ -3338,13 +3660,16 @@
         <a:spcBef>
           <a:spcPct val="20000"/>
         </a:spcBef>
-        <a:buFont typeface="Arial" panose="020B0604020202020204" pitchFamily="34" charset="0"/>
-        <a:buChar char="–"/>
-        <a:defRPr sz="2000" kern="1200">
+        <a:buFont typeface="Courier New" pitchFamily="49" charset="0"/>
+        <a:buChar char="o"/>
+        <a:defRPr sz="1600" kern="1200">
           <a:solidFill>
-            <a:schemeClr val="tx1"/>
+            <a:schemeClr val="tx1">
+              <a:lumMod val="50000"/>
+              <a:lumOff val="50000"/>
+            </a:schemeClr>
           </a:solidFill>
-          <a:latin typeface="+mn-lt"/>
+          <a:latin typeface="+mj-lt"/>
           <a:ea typeface="+mn-ea"/>
           <a:cs typeface="+mn-cs"/>
         </a:defRPr>
@@ -3353,13 +3678,16 @@
         <a:spcBef>
           <a:spcPct val="20000"/>
         </a:spcBef>
-        <a:buFont typeface="Arial" panose="020B0604020202020204" pitchFamily="34" charset="0"/>
-        <a:buChar char="»"/>
-        <a:defRPr sz="2000" kern="1200">
+        <a:buFont typeface="Arial" pitchFamily="34" charset="0"/>
+        <a:buChar char="•"/>
+        <a:defRPr sz="1600" kern="1200">
           <a:solidFill>
-            <a:schemeClr val="tx1"/>
+            <a:schemeClr val="tx1">
+              <a:lumMod val="50000"/>
+              <a:lumOff val="50000"/>
+            </a:schemeClr>
           </a:solidFill>
-          <a:latin typeface="+mn-lt"/>
+          <a:latin typeface="+mj-lt"/>
           <a:ea typeface="+mn-ea"/>
           <a:cs typeface="+mn-cs"/>
         </a:defRPr>
@@ -3368,13 +3696,16 @@
         <a:spcBef>
           <a:spcPct val="20000"/>
         </a:spcBef>
-        <a:buFont typeface="Arial" panose="020B0604020202020204" pitchFamily="34" charset="0"/>
-        <a:buChar char="•"/>
-        <a:defRPr sz="2000" kern="1200">
+        <a:buFont typeface="Courier New" pitchFamily="49" charset="0"/>
+        <a:buChar char="o"/>
+        <a:defRPr sz="1600" kern="1200">
           <a:solidFill>
-            <a:schemeClr val="tx1"/>
+            <a:schemeClr val="tx1">
+              <a:lumMod val="50000"/>
+              <a:lumOff val="50000"/>
+            </a:schemeClr>
           </a:solidFill>
-          <a:latin typeface="+mn-lt"/>
+          <a:latin typeface="+mj-lt"/>
           <a:ea typeface="+mn-ea"/>
           <a:cs typeface="+mn-cs"/>
         </a:defRPr>
@@ -3383,13 +3714,16 @@
         <a:spcBef>
           <a:spcPct val="20000"/>
         </a:spcBef>
-        <a:buFont typeface="Arial" panose="020B0604020202020204" pitchFamily="34" charset="0"/>
+        <a:buFont typeface="Arial" pitchFamily="34" charset="0"/>
         <a:buChar char="•"/>
-        <a:defRPr sz="2000" kern="1200">
+        <a:defRPr sz="1600" kern="1200">
           <a:solidFill>
-            <a:schemeClr val="tx1"/>
+            <a:schemeClr val="tx1">
+              <a:lumMod val="50000"/>
+              <a:lumOff val="50000"/>
+            </a:schemeClr>
           </a:solidFill>
-          <a:latin typeface="+mn-lt"/>
+          <a:latin typeface="+mj-lt"/>
           <a:ea typeface="+mn-ea"/>
           <a:cs typeface="+mn-cs"/>
         </a:defRPr>
@@ -3398,13 +3732,16 @@
         <a:spcBef>
           <a:spcPct val="20000"/>
         </a:spcBef>
-        <a:buFont typeface="Arial" panose="020B0604020202020204" pitchFamily="34" charset="0"/>
-        <a:buChar char="•"/>
-        <a:defRPr sz="2000" kern="1200">
+        <a:buFont typeface="Courier New" pitchFamily="49" charset="0"/>
+        <a:buChar char="o"/>
+        <a:defRPr sz="1600" kern="1200">
           <a:solidFill>
-            <a:schemeClr val="tx1"/>
+            <a:schemeClr val="tx1">
+              <a:lumMod val="50000"/>
+              <a:lumOff val="50000"/>
+            </a:schemeClr>
           </a:solidFill>
-          <a:latin typeface="+mn-lt"/>
+          <a:latin typeface="+mj-lt"/>
           <a:ea typeface="+mn-ea"/>
           <a:cs typeface="+mn-cs"/>
         </a:defRPr>
@@ -3413,13 +3750,16 @@
         <a:spcBef>
           <a:spcPct val="20000"/>
         </a:spcBef>
-        <a:buFont typeface="Arial" panose="020B0604020202020204" pitchFamily="34" charset="0"/>
+        <a:buFont typeface="Arial" pitchFamily="34" charset="0"/>
         <a:buChar char="•"/>
-        <a:defRPr sz="2000" kern="1200">
+        <a:defRPr sz="1600" kern="1200">
           <a:solidFill>
-            <a:schemeClr val="tx1"/>
+            <a:schemeClr val="tx1">
+              <a:lumMod val="50000"/>
+              <a:lumOff val="50000"/>
+            </a:schemeClr>
           </a:solidFill>
-          <a:latin typeface="+mn-lt"/>
+          <a:latin typeface="+mj-lt"/>
           <a:ea typeface="+mn-ea"/>
           <a:cs typeface="+mn-cs"/>
         </a:defRPr>
@@ -3427,7 +3767,7 @@
     </p:bodyStyle>
     <p:otherStyle>
       <a:defPPr>
-        <a:defRPr lang="ru-RU"/>
+        <a:defRPr lang="en-US"/>
       </a:defPPr>
       <a:lvl1pPr marL="0" algn="l" defTabSz="914400" rtl="0" eaLnBrk="1" latinLnBrk="0" hangingPunct="1">
         <a:defRPr sz="1800" kern="1200">
@@ -3551,18 +3891,23 @@
             <p:ph type="ctrTitle"/>
           </p:nvPr>
         </p:nvSpPr>
-        <p:spPr/>
+        <p:spPr>
+          <a:xfrm>
+            <a:off x="688032" y="1473657"/>
+            <a:ext cx="7772400" cy="2671937"/>
+          </a:xfrm>
+        </p:spPr>
         <p:txBody>
           <a:bodyPr>
-            <a:normAutofit fontScale="90000"/>
+            <a:normAutofit/>
           </a:bodyPr>
           <a:lstStyle/>
           <a:p>
             <a:r>
-              <a:rPr lang="ru-RU" dirty="0" smtClean="0"/>
+              <a:rPr lang="ru-RU" sz="4000" dirty="0" smtClean="0"/>
               <a:t>Автоматизированная система моделирования волоконно-оптических датчиков со структурным резервированием</a:t>
             </a:r>
-            <a:endParaRPr lang="ru-RU" dirty="0"/>
+            <a:endParaRPr lang="ru-RU" sz="4000" dirty="0"/>
           </a:p>
         </p:txBody>
       </p:sp>
@@ -3584,7 +3929,7 @@
         </p:spPr>
         <p:txBody>
           <a:bodyPr>
-            <a:normAutofit fontScale="62500" lnSpcReduction="20000"/>
+            <a:normAutofit fontScale="85000" lnSpcReduction="20000"/>
           </a:bodyPr>
           <a:lstStyle/>
           <a:p>
@@ -3699,6 +4044,1117 @@
   <p:clrMapOvr>
     <a:masterClrMapping/>
   </p:clrMapOvr>
+  <p:timing>
+    <p:tnLst>
+      <p:par>
+        <p:cTn id="1" dur="indefinite" restart="never" nodeType="tmRoot"/>
+      </p:par>
+    </p:tnLst>
+  </p:timing>
+</p:sld>
+</file>
+
+<file path=ppt/slides/slide10.xml><?xml version="1.0" encoding="utf-8"?>
+<p:sld xmlns:a="http://schemas.openxmlformats.org/drawingml/2006/main" xmlns:r="http://schemas.openxmlformats.org/officeDocument/2006/relationships" xmlns:p="http://schemas.openxmlformats.org/presentationml/2006/main">
+  <p:cSld>
+    <p:spTree>
+      <p:nvGrpSpPr>
+        <p:cNvPr id="1" name=""/>
+        <p:cNvGrpSpPr/>
+        <p:nvPr/>
+      </p:nvGrpSpPr>
+      <p:grpSpPr>
+        <a:xfrm>
+          <a:off x="0" y="0"/>
+          <a:ext cx="0" cy="0"/>
+          <a:chOff x="0" y="0"/>
+          <a:chExt cx="0" cy="0"/>
+        </a:xfrm>
+      </p:grpSpPr>
+      <p:sp>
+        <p:nvSpPr>
+          <p:cNvPr id="2" name="Заголовок 1"/>
+          <p:cNvSpPr>
+            <a:spLocks noGrp="1"/>
+          </p:cNvSpPr>
+          <p:nvPr>
+            <p:ph type="title"/>
+          </p:nvPr>
+        </p:nvSpPr>
+        <p:spPr/>
+        <p:txBody>
+          <a:bodyPr>
+            <a:normAutofit/>
+          </a:bodyPr>
+          <a:lstStyle/>
+          <a:p>
+            <a:r>
+              <a:rPr lang="ru-RU" dirty="0" smtClean="0"/>
+              <a:t>Диаграмма вариантов использования</a:t>
+            </a:r>
+            <a:endParaRPr lang="ru-RU" dirty="0"/>
+          </a:p>
+        </p:txBody>
+      </p:sp>
+      <p:sp>
+        <p:nvSpPr>
+          <p:cNvPr id="4" name="Номер слайда 3"/>
+          <p:cNvSpPr>
+            <a:spLocks noGrp="1"/>
+          </p:cNvSpPr>
+          <p:nvPr>
+            <p:ph type="sldNum" sz="quarter" idx="12"/>
+          </p:nvPr>
+        </p:nvSpPr>
+        <p:spPr/>
+        <p:txBody>
+          <a:bodyPr/>
+          <a:lstStyle/>
+          <a:p>
+            <a:fld id="{7C8E2CEC-E439-4EAB-AFDC-D27F98308DA3}" type="slidenum">
+              <a:rPr lang="ru-RU" smtClean="0"/>
+              <a:t>10</a:t>
+            </a:fld>
+            <a:endParaRPr lang="ru-RU"/>
+          </a:p>
+        </p:txBody>
+      </p:sp>
+      <p:sp>
+        <p:nvSpPr>
+          <p:cNvPr id="5" name="Объект 4"/>
+          <p:cNvSpPr>
+            <a:spLocks noGrp="1"/>
+          </p:cNvSpPr>
+          <p:nvPr>
+            <p:ph idx="1"/>
+          </p:nvPr>
+        </p:nvSpPr>
+        <p:spPr/>
+        <p:txBody>
+          <a:bodyPr/>
+          <a:lstStyle/>
+          <a:p>
+            <a:endParaRPr lang="ru-RU"/>
+          </a:p>
+        </p:txBody>
+      </p:sp>
+      <p:pic>
+        <p:nvPicPr>
+          <p:cNvPr id="1027" name="Picture 3" descr="C:\Users\андрей\Documents\Диплом\diplom\Диаграммы\UseCaseDiagram1.png"/>
+          <p:cNvPicPr>
+            <a:picLocks noChangeAspect="1" noChangeArrowheads="1"/>
+          </p:cNvPicPr>
+          <p:nvPr/>
+        </p:nvPicPr>
+        <p:blipFill>
+          <a:blip r:embed="rId2">
+            <a:extLst>
+              <a:ext uri="{28A0092B-C50C-407E-A947-70E740481C1C}">
+                <a14:useLocalDpi xmlns:a14="http://schemas.microsoft.com/office/drawing/2010/main" val="0"/>
+              </a:ext>
+            </a:extLst>
+          </a:blip>
+          <a:srcRect/>
+          <a:stretch>
+            <a:fillRect/>
+          </a:stretch>
+        </p:blipFill>
+        <p:spPr bwMode="auto">
+          <a:xfrm>
+            <a:off x="-187" y="1196752"/>
+            <a:ext cx="9505056" cy="5081733"/>
+          </a:xfrm>
+          <a:prstGeom prst="rect">
+            <a:avLst/>
+          </a:prstGeom>
+          <a:noFill/>
+          <a:extLst>
+            <a:ext uri="{909E8E84-426E-40DD-AFC4-6F175D3DCCD1}">
+              <a14:hiddenFill xmlns:a14="http://schemas.microsoft.com/office/drawing/2010/main">
+                <a:solidFill>
+                  <a:srgbClr val="FFFFFF"/>
+                </a:solidFill>
+              </a14:hiddenFill>
+            </a:ext>
+          </a:extLst>
+        </p:spPr>
+      </p:pic>
+    </p:spTree>
+    <p:extLst>
+      <p:ext uri="{BB962C8B-B14F-4D97-AF65-F5344CB8AC3E}">
+        <p14:creationId xmlns:p14="http://schemas.microsoft.com/office/powerpoint/2010/main" val="4067350049"/>
+      </p:ext>
+    </p:extLst>
+  </p:cSld>
+  <p:clrMapOvr>
+    <a:masterClrMapping/>
+  </p:clrMapOvr>
+  <p:timing>
+    <p:tnLst>
+      <p:par>
+        <p:cTn id="1" dur="indefinite" restart="never" nodeType="tmRoot"/>
+      </p:par>
+    </p:tnLst>
+  </p:timing>
+</p:sld>
+</file>
+
+<file path=ppt/slides/slide11.xml><?xml version="1.0" encoding="utf-8"?>
+<p:sld xmlns:a="http://schemas.openxmlformats.org/drawingml/2006/main" xmlns:r="http://schemas.openxmlformats.org/officeDocument/2006/relationships" xmlns:p="http://schemas.openxmlformats.org/presentationml/2006/main">
+  <p:cSld>
+    <p:spTree>
+      <p:nvGrpSpPr>
+        <p:cNvPr id="1" name=""/>
+        <p:cNvGrpSpPr/>
+        <p:nvPr/>
+      </p:nvGrpSpPr>
+      <p:grpSpPr>
+        <a:xfrm>
+          <a:off x="0" y="0"/>
+          <a:ext cx="0" cy="0"/>
+          <a:chOff x="0" y="0"/>
+          <a:chExt cx="0" cy="0"/>
+        </a:xfrm>
+      </p:grpSpPr>
+      <p:sp>
+        <p:nvSpPr>
+          <p:cNvPr id="2" name="Заголовок 1"/>
+          <p:cNvSpPr>
+            <a:spLocks noGrp="1"/>
+          </p:cNvSpPr>
+          <p:nvPr>
+            <p:ph type="title"/>
+          </p:nvPr>
+        </p:nvSpPr>
+        <p:spPr>
+          <a:xfrm>
+            <a:off x="467544" y="0"/>
+            <a:ext cx="8229600" cy="854968"/>
+          </a:xfrm>
+        </p:spPr>
+        <p:txBody>
+          <a:bodyPr>
+            <a:normAutofit fontScale="90000"/>
+          </a:bodyPr>
+          <a:lstStyle/>
+          <a:p>
+            <a:r>
+              <a:rPr lang="ru-RU" dirty="0" smtClean="0"/>
+              <a:t>Диаграмма деятельности</a:t>
+            </a:r>
+            <a:endParaRPr lang="ru-RU" dirty="0"/>
+          </a:p>
+        </p:txBody>
+      </p:sp>
+      <p:pic>
+        <p:nvPicPr>
+          <p:cNvPr id="2050" name="Picture 2" descr="C:\Users\андрей\Documents\Диплом\diplom\Диаграммы\ActivityDiagram1.jpg"/>
+          <p:cNvPicPr>
+            <a:picLocks noGrp="1" noChangeAspect="1" noChangeArrowheads="1"/>
+          </p:cNvPicPr>
+          <p:nvPr>
+            <p:ph idx="1"/>
+          </p:nvPr>
+        </p:nvPicPr>
+        <p:blipFill rotWithShape="1">
+          <a:blip r:embed="rId2" cstate="print">
+            <a:extLst>
+              <a:ext uri="{28A0092B-C50C-407E-A947-70E740481C1C}">
+                <a14:useLocalDpi xmlns:a14="http://schemas.microsoft.com/office/drawing/2010/main" val="0"/>
+              </a:ext>
+            </a:extLst>
+          </a:blip>
+          <a:srcRect b="3237"/>
+          <a:stretch/>
+        </p:blipFill>
+        <p:spPr bwMode="auto">
+          <a:xfrm>
+            <a:off x="2123728" y="764704"/>
+            <a:ext cx="4815392" cy="6017933"/>
+          </a:xfrm>
+          <a:prstGeom prst="rect">
+            <a:avLst/>
+          </a:prstGeom>
+          <a:noFill/>
+          <a:extLst>
+            <a:ext uri="{909E8E84-426E-40DD-AFC4-6F175D3DCCD1}">
+              <a14:hiddenFill xmlns:a14="http://schemas.microsoft.com/office/drawing/2010/main">
+                <a:solidFill>
+                  <a:srgbClr val="FFFFFF"/>
+                </a:solidFill>
+              </a14:hiddenFill>
+            </a:ext>
+          </a:extLst>
+        </p:spPr>
+      </p:pic>
+      <p:sp>
+        <p:nvSpPr>
+          <p:cNvPr id="4" name="Номер слайда 3"/>
+          <p:cNvSpPr>
+            <a:spLocks noGrp="1"/>
+          </p:cNvSpPr>
+          <p:nvPr>
+            <p:ph type="sldNum" sz="quarter" idx="12"/>
+          </p:nvPr>
+        </p:nvSpPr>
+        <p:spPr/>
+        <p:txBody>
+          <a:bodyPr/>
+          <a:lstStyle/>
+          <a:p>
+            <a:fld id="{7C8E2CEC-E439-4EAB-AFDC-D27F98308DA3}" type="slidenum">
+              <a:rPr lang="ru-RU" smtClean="0"/>
+              <a:t>11</a:t>
+            </a:fld>
+            <a:endParaRPr lang="ru-RU"/>
+          </a:p>
+        </p:txBody>
+      </p:sp>
+    </p:spTree>
+    <p:extLst>
+      <p:ext uri="{BB962C8B-B14F-4D97-AF65-F5344CB8AC3E}">
+        <p14:creationId xmlns:p14="http://schemas.microsoft.com/office/powerpoint/2010/main" val="1080037157"/>
+      </p:ext>
+    </p:extLst>
+  </p:cSld>
+  <p:clrMapOvr>
+    <a:masterClrMapping/>
+  </p:clrMapOvr>
+  <p:timing>
+    <p:tnLst>
+      <p:par>
+        <p:cTn id="1" dur="indefinite" restart="never" nodeType="tmRoot"/>
+      </p:par>
+    </p:tnLst>
+  </p:timing>
+</p:sld>
+</file>
+
+<file path=ppt/slides/slide12.xml><?xml version="1.0" encoding="utf-8"?>
+<p:sld xmlns:a="http://schemas.openxmlformats.org/drawingml/2006/main" xmlns:r="http://schemas.openxmlformats.org/officeDocument/2006/relationships" xmlns:p="http://schemas.openxmlformats.org/presentationml/2006/main">
+  <p:cSld>
+    <p:spTree>
+      <p:nvGrpSpPr>
+        <p:cNvPr id="1" name=""/>
+        <p:cNvGrpSpPr/>
+        <p:nvPr/>
+      </p:nvGrpSpPr>
+      <p:grpSpPr>
+        <a:xfrm>
+          <a:off x="0" y="0"/>
+          <a:ext cx="0" cy="0"/>
+          <a:chOff x="0" y="0"/>
+          <a:chExt cx="0" cy="0"/>
+        </a:xfrm>
+      </p:grpSpPr>
+      <p:sp>
+        <p:nvSpPr>
+          <p:cNvPr id="2" name="Заголовок 1"/>
+          <p:cNvSpPr>
+            <a:spLocks noGrp="1"/>
+          </p:cNvSpPr>
+          <p:nvPr>
+            <p:ph type="title"/>
+          </p:nvPr>
+        </p:nvSpPr>
+        <p:spPr/>
+        <p:txBody>
+          <a:bodyPr>
+            <a:normAutofit fontScale="90000"/>
+          </a:bodyPr>
+          <a:lstStyle/>
+          <a:p>
+            <a:r>
+              <a:rPr lang="ru-RU" dirty="0" smtClean="0"/>
+              <a:t>Разработка прототипа интерфейса пользователя</a:t>
+            </a:r>
+            <a:endParaRPr lang="ru-RU" dirty="0"/>
+          </a:p>
+        </p:txBody>
+      </p:sp>
+      <p:pic>
+        <p:nvPicPr>
+          <p:cNvPr id="3074" name="Picture 2"/>
+          <p:cNvPicPr>
+            <a:picLocks noGrp="1" noChangeAspect="1" noChangeArrowheads="1"/>
+          </p:cNvPicPr>
+          <p:nvPr>
+            <p:ph idx="1"/>
+          </p:nvPr>
+        </p:nvPicPr>
+        <p:blipFill>
+          <a:blip r:embed="rId2">
+            <a:extLst>
+              <a:ext uri="{28A0092B-C50C-407E-A947-70E740481C1C}">
+                <a14:useLocalDpi xmlns:a14="http://schemas.microsoft.com/office/drawing/2010/main" val="0"/>
+              </a:ext>
+            </a:extLst>
+          </a:blip>
+          <a:srcRect/>
+          <a:stretch>
+            <a:fillRect/>
+          </a:stretch>
+        </p:blipFill>
+        <p:spPr bwMode="auto">
+          <a:xfrm>
+            <a:off x="548922" y="1556792"/>
+            <a:ext cx="8123326" cy="4569371"/>
+          </a:xfrm>
+          <a:prstGeom prst="rect">
+            <a:avLst/>
+          </a:prstGeom>
+          <a:noFill/>
+          <a:ln>
+            <a:noFill/>
+          </a:ln>
+          <a:extLst>
+            <a:ext uri="{909E8E84-426E-40DD-AFC4-6F175D3DCCD1}">
+              <a14:hiddenFill xmlns:a14="http://schemas.microsoft.com/office/drawing/2010/main">
+                <a:solidFill>
+                  <a:schemeClr val="accent1"/>
+                </a:solidFill>
+              </a14:hiddenFill>
+            </a:ext>
+            <a:ext uri="{91240B29-F687-4F45-9708-019B960494DF}">
+              <a14:hiddenLine xmlns:a14="http://schemas.microsoft.com/office/drawing/2010/main" w="9525">
+                <a:solidFill>
+                  <a:schemeClr val="tx1"/>
+                </a:solidFill>
+                <a:miter lim="800000"/>
+                <a:headEnd/>
+                <a:tailEnd/>
+              </a14:hiddenLine>
+            </a:ext>
+          </a:extLst>
+        </p:spPr>
+      </p:pic>
+      <p:sp>
+        <p:nvSpPr>
+          <p:cNvPr id="4" name="Номер слайда 3"/>
+          <p:cNvSpPr>
+            <a:spLocks noGrp="1"/>
+          </p:cNvSpPr>
+          <p:nvPr>
+            <p:ph type="sldNum" sz="quarter" idx="12"/>
+          </p:nvPr>
+        </p:nvSpPr>
+        <p:spPr/>
+        <p:txBody>
+          <a:bodyPr/>
+          <a:lstStyle/>
+          <a:p>
+            <a:fld id="{7C8E2CEC-E439-4EAB-AFDC-D27F98308DA3}" type="slidenum">
+              <a:rPr lang="ru-RU" smtClean="0"/>
+              <a:t>12</a:t>
+            </a:fld>
+            <a:endParaRPr lang="ru-RU"/>
+          </a:p>
+        </p:txBody>
+      </p:sp>
+    </p:spTree>
+    <p:extLst>
+      <p:ext uri="{BB962C8B-B14F-4D97-AF65-F5344CB8AC3E}">
+        <p14:creationId xmlns:p14="http://schemas.microsoft.com/office/powerpoint/2010/main" val="1219188827"/>
+      </p:ext>
+    </p:extLst>
+  </p:cSld>
+  <p:clrMapOvr>
+    <a:masterClrMapping/>
+  </p:clrMapOvr>
+  <p:timing>
+    <p:tnLst>
+      <p:par>
+        <p:cTn id="1" dur="indefinite" restart="never" nodeType="tmRoot"/>
+      </p:par>
+    </p:tnLst>
+  </p:timing>
+</p:sld>
+</file>
+
+<file path=ppt/slides/slide13.xml><?xml version="1.0" encoding="utf-8"?>
+<p:sld xmlns:a="http://schemas.openxmlformats.org/drawingml/2006/main" xmlns:r="http://schemas.openxmlformats.org/officeDocument/2006/relationships" xmlns:p="http://schemas.openxmlformats.org/presentationml/2006/main">
+  <p:cSld>
+    <p:spTree>
+      <p:nvGrpSpPr>
+        <p:cNvPr id="1" name=""/>
+        <p:cNvGrpSpPr/>
+        <p:nvPr/>
+      </p:nvGrpSpPr>
+      <p:grpSpPr>
+        <a:xfrm>
+          <a:off x="0" y="0"/>
+          <a:ext cx="0" cy="0"/>
+          <a:chOff x="0" y="0"/>
+          <a:chExt cx="0" cy="0"/>
+        </a:xfrm>
+      </p:grpSpPr>
+      <p:sp>
+        <p:nvSpPr>
+          <p:cNvPr id="5" name="Заголовок 1"/>
+          <p:cNvSpPr>
+            <a:spLocks noGrp="1"/>
+          </p:cNvSpPr>
+          <p:nvPr>
+            <p:ph type="title"/>
+          </p:nvPr>
+        </p:nvSpPr>
+        <p:spPr/>
+        <p:txBody>
+          <a:bodyPr>
+            <a:normAutofit fontScale="90000"/>
+          </a:bodyPr>
+          <a:lstStyle/>
+          <a:p>
+            <a:r>
+              <a:rPr lang="ru-RU" dirty="0" smtClean="0"/>
+              <a:t>Разработка прототипа интерфейса пользователя</a:t>
+            </a:r>
+            <a:endParaRPr lang="ru-RU" dirty="0"/>
+          </a:p>
+        </p:txBody>
+      </p:sp>
+      <p:pic>
+        <p:nvPicPr>
+          <p:cNvPr id="6" name="Объект 5"/>
+          <p:cNvPicPr>
+            <a:picLocks noGrp="1"/>
+          </p:cNvPicPr>
+          <p:nvPr>
+            <p:ph idx="1"/>
+          </p:nvPr>
+        </p:nvPicPr>
+        <p:blipFill>
+          <a:blip r:embed="rId2"/>
+          <a:stretch>
+            <a:fillRect/>
+          </a:stretch>
+        </p:blipFill>
+        <p:spPr>
+          <a:xfrm>
+            <a:off x="548922" y="1600200"/>
+            <a:ext cx="8046156" cy="4525963"/>
+          </a:xfrm>
+          <a:prstGeom prst="rect">
+            <a:avLst/>
+          </a:prstGeom>
+        </p:spPr>
+      </p:pic>
+      <p:sp>
+        <p:nvSpPr>
+          <p:cNvPr id="4" name="Номер слайда 3"/>
+          <p:cNvSpPr>
+            <a:spLocks noGrp="1"/>
+          </p:cNvSpPr>
+          <p:nvPr>
+            <p:ph type="sldNum" sz="quarter" idx="12"/>
+          </p:nvPr>
+        </p:nvSpPr>
+        <p:spPr/>
+        <p:txBody>
+          <a:bodyPr/>
+          <a:lstStyle/>
+          <a:p>
+            <a:fld id="{7C8E2CEC-E439-4EAB-AFDC-D27F98308DA3}" type="slidenum">
+              <a:rPr lang="ru-RU" smtClean="0"/>
+              <a:t>13</a:t>
+            </a:fld>
+            <a:endParaRPr lang="ru-RU"/>
+          </a:p>
+        </p:txBody>
+      </p:sp>
+    </p:spTree>
+    <p:extLst>
+      <p:ext uri="{BB962C8B-B14F-4D97-AF65-F5344CB8AC3E}">
+        <p14:creationId xmlns:p14="http://schemas.microsoft.com/office/powerpoint/2010/main" val="901410522"/>
+      </p:ext>
+    </p:extLst>
+  </p:cSld>
+  <p:clrMapOvr>
+    <a:masterClrMapping/>
+  </p:clrMapOvr>
+  <p:timing>
+    <p:tnLst>
+      <p:par>
+        <p:cTn id="1" dur="indefinite" restart="never" nodeType="tmRoot"/>
+      </p:par>
+    </p:tnLst>
+  </p:timing>
+</p:sld>
+</file>
+
+<file path=ppt/slides/slide14.xml><?xml version="1.0" encoding="utf-8"?>
+<p:sld xmlns:a="http://schemas.openxmlformats.org/drawingml/2006/main" xmlns:r="http://schemas.openxmlformats.org/officeDocument/2006/relationships" xmlns:p="http://schemas.openxmlformats.org/presentationml/2006/main">
+  <p:cSld>
+    <p:spTree>
+      <p:nvGrpSpPr>
+        <p:cNvPr id="1" name=""/>
+        <p:cNvGrpSpPr/>
+        <p:nvPr/>
+      </p:nvGrpSpPr>
+      <p:grpSpPr>
+        <a:xfrm>
+          <a:off x="0" y="0"/>
+          <a:ext cx="0" cy="0"/>
+          <a:chOff x="0" y="0"/>
+          <a:chExt cx="0" cy="0"/>
+        </a:xfrm>
+      </p:grpSpPr>
+      <p:sp>
+        <p:nvSpPr>
+          <p:cNvPr id="6" name="Заголовок 1"/>
+          <p:cNvSpPr>
+            <a:spLocks noGrp="1"/>
+          </p:cNvSpPr>
+          <p:nvPr>
+            <p:ph type="title"/>
+          </p:nvPr>
+        </p:nvSpPr>
+        <p:spPr/>
+        <p:txBody>
+          <a:bodyPr>
+            <a:normAutofit fontScale="90000"/>
+          </a:bodyPr>
+          <a:lstStyle/>
+          <a:p>
+            <a:r>
+              <a:rPr lang="ru-RU" dirty="0" smtClean="0"/>
+              <a:t>Разработка прототипа интерфейса пользователя</a:t>
+            </a:r>
+            <a:endParaRPr lang="ru-RU" dirty="0"/>
+          </a:p>
+        </p:txBody>
+      </p:sp>
+      <p:pic>
+        <p:nvPicPr>
+          <p:cNvPr id="5" name="Объект 4"/>
+          <p:cNvPicPr>
+            <a:picLocks noGrp="1"/>
+          </p:cNvPicPr>
+          <p:nvPr>
+            <p:ph idx="1"/>
+          </p:nvPr>
+        </p:nvPicPr>
+        <p:blipFill>
+          <a:blip r:embed="rId2"/>
+          <a:stretch>
+            <a:fillRect/>
+          </a:stretch>
+        </p:blipFill>
+        <p:spPr>
+          <a:xfrm>
+            <a:off x="548922" y="1600200"/>
+            <a:ext cx="8046156" cy="4525963"/>
+          </a:xfrm>
+          <a:prstGeom prst="rect">
+            <a:avLst/>
+          </a:prstGeom>
+        </p:spPr>
+      </p:pic>
+      <p:sp>
+        <p:nvSpPr>
+          <p:cNvPr id="4" name="Номер слайда 3"/>
+          <p:cNvSpPr>
+            <a:spLocks noGrp="1"/>
+          </p:cNvSpPr>
+          <p:nvPr>
+            <p:ph type="sldNum" sz="quarter" idx="12"/>
+          </p:nvPr>
+        </p:nvSpPr>
+        <p:spPr/>
+        <p:txBody>
+          <a:bodyPr/>
+          <a:lstStyle/>
+          <a:p>
+            <a:fld id="{7C8E2CEC-E439-4EAB-AFDC-D27F98308DA3}" type="slidenum">
+              <a:rPr lang="ru-RU" smtClean="0"/>
+              <a:t>14</a:t>
+            </a:fld>
+            <a:endParaRPr lang="ru-RU"/>
+          </a:p>
+        </p:txBody>
+      </p:sp>
+    </p:spTree>
+    <p:extLst>
+      <p:ext uri="{BB962C8B-B14F-4D97-AF65-F5344CB8AC3E}">
+        <p14:creationId xmlns:p14="http://schemas.microsoft.com/office/powerpoint/2010/main" val="1150724082"/>
+      </p:ext>
+    </p:extLst>
+  </p:cSld>
+  <p:clrMapOvr>
+    <a:masterClrMapping/>
+  </p:clrMapOvr>
+  <p:timing>
+    <p:tnLst>
+      <p:par>
+        <p:cTn id="1" dur="indefinite" restart="never" nodeType="tmRoot"/>
+      </p:par>
+    </p:tnLst>
+  </p:timing>
+</p:sld>
+</file>
+
+<file path=ppt/slides/slide15.xml><?xml version="1.0" encoding="utf-8"?>
+<p:sld xmlns:a="http://schemas.openxmlformats.org/drawingml/2006/main" xmlns:r="http://schemas.openxmlformats.org/officeDocument/2006/relationships" xmlns:p="http://schemas.openxmlformats.org/presentationml/2006/main">
+  <p:cSld>
+    <p:spTree>
+      <p:nvGrpSpPr>
+        <p:cNvPr id="1" name=""/>
+        <p:cNvGrpSpPr/>
+        <p:nvPr/>
+      </p:nvGrpSpPr>
+      <p:grpSpPr>
+        <a:xfrm>
+          <a:off x="0" y="0"/>
+          <a:ext cx="0" cy="0"/>
+          <a:chOff x="0" y="0"/>
+          <a:chExt cx="0" cy="0"/>
+        </a:xfrm>
+      </p:grpSpPr>
+      <p:sp>
+        <p:nvSpPr>
+          <p:cNvPr id="6" name="Заголовок 1"/>
+          <p:cNvSpPr>
+            <a:spLocks noGrp="1"/>
+          </p:cNvSpPr>
+          <p:nvPr>
+            <p:ph type="title"/>
+          </p:nvPr>
+        </p:nvSpPr>
+        <p:spPr/>
+        <p:txBody>
+          <a:bodyPr>
+            <a:normAutofit fontScale="90000"/>
+          </a:bodyPr>
+          <a:lstStyle/>
+          <a:p>
+            <a:r>
+              <a:rPr lang="ru-RU" dirty="0" smtClean="0"/>
+              <a:t>Разработка прототипа интерфейса пользователя</a:t>
+            </a:r>
+            <a:endParaRPr lang="ru-RU" dirty="0"/>
+          </a:p>
+        </p:txBody>
+      </p:sp>
+      <p:pic>
+        <p:nvPicPr>
+          <p:cNvPr id="5" name="Объект 4"/>
+          <p:cNvPicPr>
+            <a:picLocks noGrp="1"/>
+          </p:cNvPicPr>
+          <p:nvPr>
+            <p:ph idx="1"/>
+          </p:nvPr>
+        </p:nvPicPr>
+        <p:blipFill>
+          <a:blip r:embed="rId2"/>
+          <a:stretch>
+            <a:fillRect/>
+          </a:stretch>
+        </p:blipFill>
+        <p:spPr>
+          <a:xfrm>
+            <a:off x="548922" y="1600200"/>
+            <a:ext cx="8046156" cy="4525963"/>
+          </a:xfrm>
+          <a:prstGeom prst="rect">
+            <a:avLst/>
+          </a:prstGeom>
+        </p:spPr>
+      </p:pic>
+      <p:sp>
+        <p:nvSpPr>
+          <p:cNvPr id="4" name="Номер слайда 3"/>
+          <p:cNvSpPr>
+            <a:spLocks noGrp="1"/>
+          </p:cNvSpPr>
+          <p:nvPr>
+            <p:ph type="sldNum" sz="quarter" idx="12"/>
+          </p:nvPr>
+        </p:nvSpPr>
+        <p:spPr/>
+        <p:txBody>
+          <a:bodyPr/>
+          <a:lstStyle/>
+          <a:p>
+            <a:fld id="{7C8E2CEC-E439-4EAB-AFDC-D27F98308DA3}" type="slidenum">
+              <a:rPr lang="ru-RU" smtClean="0"/>
+              <a:t>15</a:t>
+            </a:fld>
+            <a:endParaRPr lang="ru-RU"/>
+          </a:p>
+        </p:txBody>
+      </p:sp>
+    </p:spTree>
+    <p:extLst>
+      <p:ext uri="{BB962C8B-B14F-4D97-AF65-F5344CB8AC3E}">
+        <p14:creationId xmlns:p14="http://schemas.microsoft.com/office/powerpoint/2010/main" val="181590887"/>
+      </p:ext>
+    </p:extLst>
+  </p:cSld>
+  <p:clrMapOvr>
+    <a:masterClrMapping/>
+  </p:clrMapOvr>
+  <p:timing>
+    <p:tnLst>
+      <p:par>
+        <p:cTn id="1" dur="indefinite" restart="never" nodeType="tmRoot"/>
+      </p:par>
+    </p:tnLst>
+  </p:timing>
+</p:sld>
+</file>
+
+<file path=ppt/slides/slide16.xml><?xml version="1.0" encoding="utf-8"?>
+<p:sld xmlns:a="http://schemas.openxmlformats.org/drawingml/2006/main" xmlns:r="http://schemas.openxmlformats.org/officeDocument/2006/relationships" xmlns:p="http://schemas.openxmlformats.org/presentationml/2006/main">
+  <p:cSld>
+    <p:spTree>
+      <p:nvGrpSpPr>
+        <p:cNvPr id="1" name=""/>
+        <p:cNvGrpSpPr/>
+        <p:nvPr/>
+      </p:nvGrpSpPr>
+      <p:grpSpPr>
+        <a:xfrm>
+          <a:off x="0" y="0"/>
+          <a:ext cx="0" cy="0"/>
+          <a:chOff x="0" y="0"/>
+          <a:chExt cx="0" cy="0"/>
+        </a:xfrm>
+      </p:grpSpPr>
+      <p:sp>
+        <p:nvSpPr>
+          <p:cNvPr id="6" name="Заголовок 1"/>
+          <p:cNvSpPr>
+            <a:spLocks noGrp="1"/>
+          </p:cNvSpPr>
+          <p:nvPr>
+            <p:ph type="title"/>
+          </p:nvPr>
+        </p:nvSpPr>
+        <p:spPr/>
+        <p:txBody>
+          <a:bodyPr>
+            <a:normAutofit fontScale="90000"/>
+          </a:bodyPr>
+          <a:lstStyle/>
+          <a:p>
+            <a:r>
+              <a:rPr lang="ru-RU" dirty="0" smtClean="0"/>
+              <a:t>Разработка прототипа интерфейса пользователя</a:t>
+            </a:r>
+            <a:endParaRPr lang="ru-RU" dirty="0"/>
+          </a:p>
+        </p:txBody>
+      </p:sp>
+      <p:pic>
+        <p:nvPicPr>
+          <p:cNvPr id="5" name="Объект 4"/>
+          <p:cNvPicPr>
+            <a:picLocks noGrp="1"/>
+          </p:cNvPicPr>
+          <p:nvPr>
+            <p:ph idx="1"/>
+          </p:nvPr>
+        </p:nvPicPr>
+        <p:blipFill>
+          <a:blip r:embed="rId2"/>
+          <a:stretch>
+            <a:fillRect/>
+          </a:stretch>
+        </p:blipFill>
+        <p:spPr>
+          <a:xfrm>
+            <a:off x="548922" y="1600200"/>
+            <a:ext cx="8046156" cy="4525963"/>
+          </a:xfrm>
+          <a:prstGeom prst="rect">
+            <a:avLst/>
+          </a:prstGeom>
+        </p:spPr>
+      </p:pic>
+      <p:sp>
+        <p:nvSpPr>
+          <p:cNvPr id="4" name="Номер слайда 3"/>
+          <p:cNvSpPr>
+            <a:spLocks noGrp="1"/>
+          </p:cNvSpPr>
+          <p:nvPr>
+            <p:ph type="sldNum" sz="quarter" idx="12"/>
+          </p:nvPr>
+        </p:nvSpPr>
+        <p:spPr/>
+        <p:txBody>
+          <a:bodyPr/>
+          <a:lstStyle/>
+          <a:p>
+            <a:fld id="{7C8E2CEC-E439-4EAB-AFDC-D27F98308DA3}" type="slidenum">
+              <a:rPr lang="ru-RU" smtClean="0"/>
+              <a:t>16</a:t>
+            </a:fld>
+            <a:endParaRPr lang="ru-RU"/>
+          </a:p>
+        </p:txBody>
+      </p:sp>
+    </p:spTree>
+    <p:extLst>
+      <p:ext uri="{BB962C8B-B14F-4D97-AF65-F5344CB8AC3E}">
+        <p14:creationId xmlns:p14="http://schemas.microsoft.com/office/powerpoint/2010/main" val="1040254712"/>
+      </p:ext>
+    </p:extLst>
+  </p:cSld>
+  <p:clrMapOvr>
+    <a:masterClrMapping/>
+  </p:clrMapOvr>
+  <p:timing>
+    <p:tnLst>
+      <p:par>
+        <p:cTn id="1" dur="indefinite" restart="never" nodeType="tmRoot"/>
+      </p:par>
+    </p:tnLst>
+  </p:timing>
+</p:sld>
+</file>
+
+<file path=ppt/slides/slide17.xml><?xml version="1.0" encoding="utf-8"?>
+<p:sld xmlns:a="http://schemas.openxmlformats.org/drawingml/2006/main" xmlns:r="http://schemas.openxmlformats.org/officeDocument/2006/relationships" xmlns:p="http://schemas.openxmlformats.org/presentationml/2006/main">
+  <p:cSld>
+    <p:spTree>
+      <p:nvGrpSpPr>
+        <p:cNvPr id="1" name=""/>
+        <p:cNvGrpSpPr/>
+        <p:nvPr/>
+      </p:nvGrpSpPr>
+      <p:grpSpPr>
+        <a:xfrm>
+          <a:off x="0" y="0"/>
+          <a:ext cx="0" cy="0"/>
+          <a:chOff x="0" y="0"/>
+          <a:chExt cx="0" cy="0"/>
+        </a:xfrm>
+      </p:grpSpPr>
+      <p:sp>
+        <p:nvSpPr>
+          <p:cNvPr id="2" name="Заголовок 1"/>
+          <p:cNvSpPr>
+            <a:spLocks noGrp="1"/>
+          </p:cNvSpPr>
+          <p:nvPr>
+            <p:ph type="title"/>
+          </p:nvPr>
+        </p:nvSpPr>
+        <p:spPr/>
+        <p:txBody>
+          <a:bodyPr/>
+          <a:lstStyle/>
+          <a:p>
+            <a:r>
+              <a:rPr lang="ru-RU" dirty="0" smtClean="0"/>
+              <a:t>Выводы</a:t>
+            </a:r>
+            <a:endParaRPr lang="ru-RU" dirty="0"/>
+          </a:p>
+        </p:txBody>
+      </p:sp>
+      <p:sp>
+        <p:nvSpPr>
+          <p:cNvPr id="3" name="Объект 2"/>
+          <p:cNvSpPr>
+            <a:spLocks noGrp="1"/>
+          </p:cNvSpPr>
+          <p:nvPr>
+            <p:ph idx="1"/>
+          </p:nvPr>
+        </p:nvSpPr>
+        <p:spPr/>
+        <p:txBody>
+          <a:bodyPr/>
+          <a:lstStyle/>
+          <a:p>
+            <a:r>
+              <a:rPr lang="ru-RU" dirty="0" smtClean="0"/>
+              <a:t>Проведен анализ предметной области </a:t>
+            </a:r>
+            <a:r>
+              <a:rPr lang="ru-RU" smtClean="0"/>
+              <a:t>и обзор систем </a:t>
+            </a:r>
+            <a:r>
+              <a:rPr lang="ru-RU" dirty="0" smtClean="0"/>
+              <a:t>аналогов</a:t>
+            </a:r>
+          </a:p>
+          <a:p>
+            <a:r>
+              <a:rPr lang="ru-RU" dirty="0" smtClean="0"/>
+              <a:t>Поставлена задача</a:t>
+            </a:r>
+            <a:endParaRPr lang="ru-RU" dirty="0"/>
+          </a:p>
+          <a:p>
+            <a:r>
+              <a:rPr lang="ru-RU" dirty="0"/>
+              <a:t>С</a:t>
+            </a:r>
+            <a:r>
+              <a:rPr lang="ru-RU" dirty="0" smtClean="0"/>
+              <a:t>проектирована </a:t>
+            </a:r>
+            <a:r>
+              <a:rPr lang="ru-RU" dirty="0" smtClean="0"/>
+              <a:t>автоматизированная система моделирования волоконно-оптических датчиков со структурным резервированием</a:t>
+            </a:r>
+            <a:endParaRPr lang="ru-RU" dirty="0"/>
+          </a:p>
+        </p:txBody>
+      </p:sp>
+      <p:sp>
+        <p:nvSpPr>
+          <p:cNvPr id="4" name="Номер слайда 3"/>
+          <p:cNvSpPr>
+            <a:spLocks noGrp="1"/>
+          </p:cNvSpPr>
+          <p:nvPr>
+            <p:ph type="sldNum" sz="quarter" idx="12"/>
+          </p:nvPr>
+        </p:nvSpPr>
+        <p:spPr/>
+        <p:txBody>
+          <a:bodyPr/>
+          <a:lstStyle/>
+          <a:p>
+            <a:fld id="{7C8E2CEC-E439-4EAB-AFDC-D27F98308DA3}" type="slidenum">
+              <a:rPr lang="ru-RU" smtClean="0"/>
+              <a:t>17</a:t>
+            </a:fld>
+            <a:endParaRPr lang="ru-RU"/>
+          </a:p>
+        </p:txBody>
+      </p:sp>
+    </p:spTree>
+    <p:extLst>
+      <p:ext uri="{BB962C8B-B14F-4D97-AF65-F5344CB8AC3E}">
+        <p14:creationId xmlns:p14="http://schemas.microsoft.com/office/powerpoint/2010/main" val="1644954436"/>
+      </p:ext>
+    </p:extLst>
+  </p:cSld>
+  <p:clrMapOvr>
+    <a:masterClrMapping/>
+  </p:clrMapOvr>
+  <p:timing>
+    <p:tnLst>
+      <p:par>
+        <p:cTn id="1" dur="indefinite" restart="never" nodeType="tmRoot"/>
+      </p:par>
+    </p:tnLst>
+  </p:timing>
+</p:sld>
+</file>
+
+<file path=ppt/slides/slide18.xml><?xml version="1.0" encoding="utf-8"?>
+<p:sld xmlns:a="http://schemas.openxmlformats.org/drawingml/2006/main" xmlns:r="http://schemas.openxmlformats.org/officeDocument/2006/relationships" xmlns:p="http://schemas.openxmlformats.org/presentationml/2006/main">
+  <p:cSld>
+    <p:spTree>
+      <p:nvGrpSpPr>
+        <p:cNvPr id="1" name=""/>
+        <p:cNvGrpSpPr/>
+        <p:nvPr/>
+      </p:nvGrpSpPr>
+      <p:grpSpPr>
+        <a:xfrm>
+          <a:off x="0" y="0"/>
+          <a:ext cx="0" cy="0"/>
+          <a:chOff x="0" y="0"/>
+          <a:chExt cx="0" cy="0"/>
+        </a:xfrm>
+      </p:grpSpPr>
+      <p:sp>
+        <p:nvSpPr>
+          <p:cNvPr id="2" name="Заголовок 1"/>
+          <p:cNvSpPr>
+            <a:spLocks noGrp="1"/>
+          </p:cNvSpPr>
+          <p:nvPr>
+            <p:ph type="title"/>
+          </p:nvPr>
+        </p:nvSpPr>
+        <p:spPr>
+          <a:xfrm>
+            <a:off x="755576" y="2132856"/>
+            <a:ext cx="7772400" cy="1362075"/>
+          </a:xfrm>
+        </p:spPr>
+        <p:txBody>
+          <a:bodyPr/>
+          <a:lstStyle/>
+          <a:p>
+            <a:pPr algn="ctr"/>
+            <a:r>
+              <a:rPr lang="ru-RU" dirty="0" smtClean="0"/>
+              <a:t>Спасибо за внимание</a:t>
+            </a:r>
+            <a:endParaRPr lang="ru-RU" dirty="0"/>
+          </a:p>
+        </p:txBody>
+      </p:sp>
+      <p:sp>
+        <p:nvSpPr>
+          <p:cNvPr id="3" name="Текст 2"/>
+          <p:cNvSpPr>
+            <a:spLocks noGrp="1"/>
+          </p:cNvSpPr>
+          <p:nvPr>
+            <p:ph type="body" idx="1"/>
+          </p:nvPr>
+        </p:nvSpPr>
+        <p:spPr/>
+        <p:txBody>
+          <a:bodyPr/>
+          <a:lstStyle/>
+          <a:p>
+            <a:endParaRPr lang="ru-RU"/>
+          </a:p>
+        </p:txBody>
+      </p:sp>
+      <p:sp>
+        <p:nvSpPr>
+          <p:cNvPr id="4" name="Номер слайда 3"/>
+          <p:cNvSpPr>
+            <a:spLocks noGrp="1"/>
+          </p:cNvSpPr>
+          <p:nvPr>
+            <p:ph type="sldNum" sz="quarter" idx="12"/>
+          </p:nvPr>
+        </p:nvSpPr>
+        <p:spPr/>
+        <p:txBody>
+          <a:bodyPr/>
+          <a:lstStyle/>
+          <a:p>
+            <a:fld id="{7C8E2CEC-E439-4EAB-AFDC-D27F98308DA3}" type="slidenum">
+              <a:rPr lang="ru-RU" smtClean="0"/>
+              <a:t>18</a:t>
+            </a:fld>
+            <a:endParaRPr lang="ru-RU"/>
+          </a:p>
+        </p:txBody>
+      </p:sp>
+    </p:spTree>
+    <p:extLst>
+      <p:ext uri="{BB962C8B-B14F-4D97-AF65-F5344CB8AC3E}">
+        <p14:creationId xmlns:p14="http://schemas.microsoft.com/office/powerpoint/2010/main" val="4071031262"/>
+      </p:ext>
+    </p:extLst>
+  </p:cSld>
+  <p:clrMapOvr>
+    <a:masterClrMapping/>
+  </p:clrMapOvr>
+  <p:timing>
+    <p:tnLst>
+      <p:par>
+        <p:cTn id="1" dur="indefinite" restart="never" nodeType="tmRoot"/>
+      </p:par>
+    </p:tnLst>
+  </p:timing>
 </p:sld>
 </file>
 
@@ -3729,7 +5185,12 @@
             <p:ph type="title"/>
           </p:nvPr>
         </p:nvSpPr>
-        <p:spPr/>
+        <p:spPr>
+          <a:xfrm>
+            <a:off x="467544" y="260648"/>
+            <a:ext cx="8229600" cy="835496"/>
+          </a:xfrm>
+        </p:spPr>
         <p:txBody>
           <a:bodyPr/>
           <a:lstStyle/>
@@ -3760,7 +5221,7 @@
         </p:spPr>
         <p:txBody>
           <a:bodyPr>
-            <a:normAutofit fontScale="92500" lnSpcReduction="10000"/>
+            <a:normAutofit fontScale="92500" lnSpcReduction="20000"/>
           </a:bodyPr>
           <a:lstStyle/>
           <a:p>
@@ -3852,6 +5313,13 @@
   <p:clrMapOvr>
     <a:masterClrMapping/>
   </p:clrMapOvr>
+  <p:timing>
+    <p:tnLst>
+      <p:par>
+        <p:cTn id="1" dur="indefinite" restart="never" nodeType="tmRoot"/>
+      </p:par>
+    </p:tnLst>
+  </p:timing>
 </p:sld>
 </file>
 
@@ -3884,7 +5352,9 @@
         </p:nvSpPr>
         <p:spPr/>
         <p:txBody>
-          <a:bodyPr/>
+          <a:bodyPr>
+            <a:normAutofit/>
+          </a:bodyPr>
           <a:lstStyle/>
           <a:p>
             <a:r>
@@ -3957,6 +5427,13 @@
   <p:clrMapOvr>
     <a:masterClrMapping/>
   </p:clrMapOvr>
+  <p:timing>
+    <p:tnLst>
+      <p:par>
+        <p:cTn id="1" dur="indefinite" restart="never" nodeType="tmRoot"/>
+      </p:par>
+    </p:tnLst>
+  </p:timing>
 </p:sld>
 </file>
 
@@ -3987,9 +5464,16 @@
             <p:ph type="title"/>
           </p:nvPr>
         </p:nvSpPr>
-        <p:spPr/>
-        <p:txBody>
-          <a:bodyPr/>
+        <p:spPr>
+          <a:xfrm>
+            <a:off x="467544" y="260648"/>
+            <a:ext cx="8229600" cy="835496"/>
+          </a:xfrm>
+        </p:spPr>
+        <p:txBody>
+          <a:bodyPr>
+            <a:normAutofit/>
+          </a:bodyPr>
           <a:lstStyle/>
           <a:p>
             <a:r>
@@ -3997,29 +5481,6 @@
               <a:t>Виды резервирования</a:t>
             </a:r>
             <a:endParaRPr lang="ru-RU" dirty="0"/>
-          </a:p>
-        </p:txBody>
-      </p:sp>
-      <p:sp>
-        <p:nvSpPr>
-          <p:cNvPr id="4" name="Номер слайда 3"/>
-          <p:cNvSpPr>
-            <a:spLocks noGrp="1"/>
-          </p:cNvSpPr>
-          <p:nvPr>
-            <p:ph type="sldNum" sz="quarter" idx="12"/>
-          </p:nvPr>
-        </p:nvSpPr>
-        <p:spPr/>
-        <p:txBody>
-          <a:bodyPr/>
-          <a:lstStyle/>
-          <a:p>
-            <a:fld id="{7C8E2CEC-E439-4EAB-AFDC-D27F98308DA3}" type="slidenum">
-              <a:rPr lang="ru-RU" smtClean="0"/>
-              <a:t>4</a:t>
-            </a:fld>
-            <a:endParaRPr lang="ru-RU"/>
           </a:p>
         </p:txBody>
       </p:sp>
@@ -4064,6 +5525,29 @@
       </p:pic>
       <p:sp>
         <p:nvSpPr>
+          <p:cNvPr id="4" name="Номер слайда 3"/>
+          <p:cNvSpPr>
+            <a:spLocks noGrp="1"/>
+          </p:cNvSpPr>
+          <p:nvPr>
+            <p:ph type="sldNum" sz="quarter" idx="12"/>
+          </p:nvPr>
+        </p:nvSpPr>
+        <p:spPr/>
+        <p:txBody>
+          <a:bodyPr/>
+          <a:lstStyle/>
+          <a:p>
+            <a:fld id="{7C8E2CEC-E439-4EAB-AFDC-D27F98308DA3}" type="slidenum">
+              <a:rPr lang="ru-RU" smtClean="0"/>
+              <a:t>4</a:t>
+            </a:fld>
+            <a:endParaRPr lang="ru-RU"/>
+          </a:p>
+        </p:txBody>
+      </p:sp>
+      <p:sp>
+        <p:nvSpPr>
           <p:cNvPr id="7" name="TextBox 6"/>
           <p:cNvSpPr txBox="1"/>
           <p:nvPr/>
@@ -4102,6 +5586,13 @@
   <p:clrMapOvr>
     <a:masterClrMapping/>
   </p:clrMapOvr>
+  <p:timing>
+    <p:tnLst>
+      <p:par>
+        <p:cTn id="1" dur="indefinite" restart="never" nodeType="tmRoot"/>
+      </p:par>
+    </p:tnLst>
+  </p:timing>
 </p:sld>
 </file>
 
@@ -4132,9 +5623,16 @@
             <p:ph type="title"/>
           </p:nvPr>
         </p:nvSpPr>
-        <p:spPr/>
-        <p:txBody>
-          <a:bodyPr/>
+        <p:spPr>
+          <a:xfrm>
+            <a:off x="539552" y="260648"/>
+            <a:ext cx="8229600" cy="763488"/>
+          </a:xfrm>
+        </p:spPr>
+        <p:txBody>
+          <a:bodyPr>
+            <a:normAutofit fontScale="90000"/>
+          </a:bodyPr>
           <a:lstStyle/>
           <a:p>
             <a:r>
@@ -4142,29 +5640,6 @@
               <a:t>Виды резервирования</a:t>
             </a:r>
             <a:endParaRPr lang="ru-RU" dirty="0"/>
-          </a:p>
-        </p:txBody>
-      </p:sp>
-      <p:sp>
-        <p:nvSpPr>
-          <p:cNvPr id="4" name="Номер слайда 3"/>
-          <p:cNvSpPr>
-            <a:spLocks noGrp="1"/>
-          </p:cNvSpPr>
-          <p:nvPr>
-            <p:ph type="sldNum" sz="quarter" idx="12"/>
-          </p:nvPr>
-        </p:nvSpPr>
-        <p:spPr/>
-        <p:txBody>
-          <a:bodyPr/>
-          <a:lstStyle/>
-          <a:p>
-            <a:fld id="{7C8E2CEC-E439-4EAB-AFDC-D27F98308DA3}" type="slidenum">
-              <a:rPr lang="ru-RU" smtClean="0"/>
-              <a:t>5</a:t>
-            </a:fld>
-            <a:endParaRPr lang="ru-RU"/>
           </a:p>
         </p:txBody>
       </p:sp>
@@ -4188,15 +5663,14 @@
               </a:ext>
             </a:extLst>
           </a:blip>
-          <a:srcRect/>
           <a:stretch>
             <a:fillRect/>
           </a:stretch>
         </p:blipFill>
         <p:spPr bwMode="auto">
           <a:xfrm>
-            <a:off x="1187624" y="1916832"/>
-            <a:ext cx="7056784" cy="4300191"/>
+            <a:off x="1397396" y="2085403"/>
+            <a:ext cx="6349207" cy="3555556"/>
           </a:xfrm>
           <a:prstGeom prst="rect">
             <a:avLst/>
@@ -4209,6 +5683,29 @@
       </p:pic>
       <p:sp>
         <p:nvSpPr>
+          <p:cNvPr id="4" name="Номер слайда 3"/>
+          <p:cNvSpPr>
+            <a:spLocks noGrp="1"/>
+          </p:cNvSpPr>
+          <p:nvPr>
+            <p:ph type="sldNum" sz="quarter" idx="12"/>
+          </p:nvPr>
+        </p:nvSpPr>
+        <p:spPr/>
+        <p:txBody>
+          <a:bodyPr/>
+          <a:lstStyle/>
+          <a:p>
+            <a:fld id="{7C8E2CEC-E439-4EAB-AFDC-D27F98308DA3}" type="slidenum">
+              <a:rPr lang="ru-RU" smtClean="0"/>
+              <a:t>5</a:t>
+            </a:fld>
+            <a:endParaRPr lang="ru-RU"/>
+          </a:p>
+        </p:txBody>
+      </p:sp>
+      <p:sp>
+        <p:nvSpPr>
           <p:cNvPr id="6" name="TextBox 5"/>
           <p:cNvSpPr txBox="1"/>
           <p:nvPr/>
@@ -4246,6 +5743,13 @@
   <p:clrMapOvr>
     <a:masterClrMapping/>
   </p:clrMapOvr>
+  <p:timing>
+    <p:tnLst>
+      <p:par>
+        <p:cTn id="1" dur="indefinite" restart="never" nodeType="tmRoot"/>
+      </p:par>
+    </p:tnLst>
+  </p:timing>
 </p:sld>
 </file>
 
@@ -4276,9 +5780,16 @@
             <p:ph type="title"/>
           </p:nvPr>
         </p:nvSpPr>
-        <p:spPr/>
-        <p:txBody>
-          <a:bodyPr/>
+        <p:spPr>
+          <a:xfrm>
+            <a:off x="467544" y="260648"/>
+            <a:ext cx="8229600" cy="835496"/>
+          </a:xfrm>
+        </p:spPr>
+        <p:txBody>
+          <a:bodyPr>
+            <a:normAutofit/>
+          </a:bodyPr>
           <a:lstStyle/>
           <a:p>
             <a:r>
@@ -4286,29 +5797,6 @@
               <a:t>Виды резервирования</a:t>
             </a:r>
             <a:endParaRPr lang="ru-RU" dirty="0"/>
-          </a:p>
-        </p:txBody>
-      </p:sp>
-      <p:sp>
-        <p:nvSpPr>
-          <p:cNvPr id="4" name="Номер слайда 3"/>
-          <p:cNvSpPr>
-            <a:spLocks noGrp="1"/>
-          </p:cNvSpPr>
-          <p:nvPr>
-            <p:ph type="sldNum" sz="quarter" idx="12"/>
-          </p:nvPr>
-        </p:nvSpPr>
-        <p:spPr/>
-        <p:txBody>
-          <a:bodyPr/>
-          <a:lstStyle/>
-          <a:p>
-            <a:fld id="{7C8E2CEC-E439-4EAB-AFDC-D27F98308DA3}" type="slidenum">
-              <a:rPr lang="ru-RU" smtClean="0"/>
-              <a:t>6</a:t>
-            </a:fld>
-            <a:endParaRPr lang="ru-RU"/>
           </a:p>
         </p:txBody>
       </p:sp>
@@ -4332,15 +5820,14 @@
               </a:ext>
             </a:extLst>
           </a:blip>
-          <a:srcRect/>
           <a:stretch>
             <a:fillRect/>
           </a:stretch>
         </p:blipFill>
         <p:spPr bwMode="auto">
           <a:xfrm>
-            <a:off x="539552" y="2348880"/>
-            <a:ext cx="8280920" cy="3600399"/>
+            <a:off x="1397396" y="2923499"/>
+            <a:ext cx="6349207" cy="1879365"/>
           </a:xfrm>
           <a:prstGeom prst="rect">
             <a:avLst/>
@@ -4353,6 +5840,29 @@
       </p:pic>
       <p:sp>
         <p:nvSpPr>
+          <p:cNvPr id="4" name="Номер слайда 3"/>
+          <p:cNvSpPr>
+            <a:spLocks noGrp="1"/>
+          </p:cNvSpPr>
+          <p:nvPr>
+            <p:ph type="sldNum" sz="quarter" idx="12"/>
+          </p:nvPr>
+        </p:nvSpPr>
+        <p:spPr/>
+        <p:txBody>
+          <a:bodyPr/>
+          <a:lstStyle/>
+          <a:p>
+            <a:fld id="{7C8E2CEC-E439-4EAB-AFDC-D27F98308DA3}" type="slidenum">
+              <a:rPr lang="ru-RU" smtClean="0"/>
+              <a:t>6</a:t>
+            </a:fld>
+            <a:endParaRPr lang="ru-RU"/>
+          </a:p>
+        </p:txBody>
+      </p:sp>
+      <p:sp>
+        <p:nvSpPr>
           <p:cNvPr id="6" name="TextBox 5"/>
           <p:cNvSpPr txBox="1"/>
           <p:nvPr/>
@@ -4390,6 +5900,13 @@
   <p:clrMapOvr>
     <a:masterClrMapping/>
   </p:clrMapOvr>
+  <p:timing>
+    <p:tnLst>
+      <p:par>
+        <p:cTn id="1" dur="indefinite" restart="never" nodeType="tmRoot"/>
+      </p:par>
+    </p:tnLst>
+  </p:timing>
 </p:sld>
 </file>
 
@@ -4422,8 +5939,8 @@
         </p:nvSpPr>
         <p:spPr>
           <a:xfrm>
-            <a:off x="539552" y="260648"/>
-            <a:ext cx="8229600" cy="1143000"/>
+            <a:off x="-180528" y="620688"/>
+            <a:ext cx="9324528" cy="1143000"/>
           </a:xfrm>
         </p:spPr>
         <p:txBody>
@@ -4432,6 +5949,11 @@
           </a:bodyPr>
           <a:lstStyle/>
           <a:p>
+            <a:pPr>
+              <a:lnSpc>
+                <a:spcPct val="100000"/>
+              </a:lnSpc>
+            </a:pPr>
             <a:r>
               <a:rPr lang="ru-RU" dirty="0" smtClean="0"/>
               <a:t>Обзор систем-аналогов</a:t>
@@ -4461,35 +5983,20 @@
             </a:r>
             <a:r>
               <a:rPr lang="ru-RU" sz="2800" dirty="0" err="1"/>
-              <a:t>брэгговских</a:t>
+              <a:t>Б</a:t>
+            </a:r>
+            <a:r>
+              <a:rPr lang="ru-RU" sz="2800" dirty="0" err="1" smtClean="0"/>
+              <a:t>рэгговских</a:t>
+            </a:r>
+            <a:r>
+              <a:rPr lang="ru-RU" sz="2800" dirty="0" smtClean="0"/>
+              <a:t> </a:t>
             </a:r>
             <a:r>
               <a:rPr lang="ru-RU" sz="2800" dirty="0"/>
-              <a:t> решетках</a:t>
-            </a:r>
-          </a:p>
-        </p:txBody>
-      </p:sp>
-      <p:sp>
-        <p:nvSpPr>
-          <p:cNvPr id="4" name="Номер слайда 3"/>
-          <p:cNvSpPr>
-            <a:spLocks noGrp="1"/>
-          </p:cNvSpPr>
-          <p:nvPr>
-            <p:ph type="sldNum" sz="quarter" idx="12"/>
-          </p:nvPr>
-        </p:nvSpPr>
-        <p:spPr/>
-        <p:txBody>
-          <a:bodyPr/>
-          <a:lstStyle/>
-          <a:p>
-            <a:fld id="{7C8E2CEC-E439-4EAB-AFDC-D27F98308DA3}" type="slidenum">
-              <a:rPr lang="ru-RU" smtClean="0"/>
-              <a:t>7</a:t>
-            </a:fld>
-            <a:endParaRPr lang="ru-RU"/>
+              <a:t>решетках</a:t>
+            </a:r>
           </a:p>
         </p:txBody>
       </p:sp>
@@ -4505,13 +6012,13 @@
         </p:nvPicPr>
         <p:blipFill rotWithShape="1">
           <a:blip r:embed="rId2"/>
-          <a:srcRect l="20375" t="23744" r="25617" b="12304"/>
+          <a:srcRect l="20498" t="23216" r="25427" b="11954"/>
           <a:stretch/>
         </p:blipFill>
         <p:spPr bwMode="auto">
           <a:xfrm>
-            <a:off x="1115616" y="1556792"/>
-            <a:ext cx="7180760" cy="4787335"/>
+            <a:off x="899592" y="1916832"/>
+            <a:ext cx="7416824" cy="4320480"/>
           </a:xfrm>
           <a:prstGeom prst="rect">
             <a:avLst/>
@@ -4526,6 +6033,29 @@
           </a:extLst>
         </p:spPr>
       </p:pic>
+      <p:sp>
+        <p:nvSpPr>
+          <p:cNvPr id="4" name="Номер слайда 3"/>
+          <p:cNvSpPr>
+            <a:spLocks noGrp="1"/>
+          </p:cNvSpPr>
+          <p:nvPr>
+            <p:ph type="sldNum" sz="quarter" idx="12"/>
+          </p:nvPr>
+        </p:nvSpPr>
+        <p:spPr/>
+        <p:txBody>
+          <a:bodyPr/>
+          <a:lstStyle/>
+          <a:p>
+            <a:fld id="{7C8E2CEC-E439-4EAB-AFDC-D27F98308DA3}" type="slidenum">
+              <a:rPr lang="ru-RU" smtClean="0"/>
+              <a:t>7</a:t>
+            </a:fld>
+            <a:endParaRPr lang="ru-RU"/>
+          </a:p>
+        </p:txBody>
+      </p:sp>
     </p:spTree>
     <p:extLst>
       <p:ext uri="{BB962C8B-B14F-4D97-AF65-F5344CB8AC3E}">
@@ -4536,6 +6066,13 @@
   <p:clrMapOvr>
     <a:masterClrMapping/>
   </p:clrMapOvr>
+  <p:timing>
+    <p:tnLst>
+      <p:par>
+        <p:cTn id="1" dur="indefinite" restart="never" nodeType="tmRoot"/>
+      </p:par>
+    </p:tnLst>
+  </p:timing>
 </p:sld>
 </file>
 
@@ -4568,7 +6105,7 @@
         </p:nvSpPr>
         <p:spPr>
           <a:xfrm>
-            <a:off x="467544" y="188640"/>
+            <a:off x="467544" y="260648"/>
             <a:ext cx="8229600" cy="1143000"/>
           </a:xfrm>
         </p:spPr>
@@ -4598,29 +6135,6 @@
               <a:t>Mode</a:t>
             </a:r>
             <a:endParaRPr lang="ru-RU" sz="3100" dirty="0"/>
-          </a:p>
-        </p:txBody>
-      </p:sp>
-      <p:sp>
-        <p:nvSpPr>
-          <p:cNvPr id="4" name="Номер слайда 3"/>
-          <p:cNvSpPr>
-            <a:spLocks noGrp="1"/>
-          </p:cNvSpPr>
-          <p:nvPr>
-            <p:ph type="sldNum" sz="quarter" idx="12"/>
-          </p:nvPr>
-        </p:nvSpPr>
-        <p:spPr/>
-        <p:txBody>
-          <a:bodyPr/>
-          <a:lstStyle/>
-          <a:p>
-            <a:fld id="{7C8E2CEC-E439-4EAB-AFDC-D27F98308DA3}" type="slidenum">
-              <a:rPr lang="ru-RU" smtClean="0"/>
-              <a:t>8</a:t>
-            </a:fld>
-            <a:endParaRPr lang="ru-RU"/>
           </a:p>
         </p:txBody>
       </p:sp>
@@ -4657,6 +6171,29 @@
           </a:extLst>
         </p:spPr>
       </p:pic>
+      <p:sp>
+        <p:nvSpPr>
+          <p:cNvPr id="4" name="Номер слайда 3"/>
+          <p:cNvSpPr>
+            <a:spLocks noGrp="1"/>
+          </p:cNvSpPr>
+          <p:nvPr>
+            <p:ph type="sldNum" sz="quarter" idx="12"/>
+          </p:nvPr>
+        </p:nvSpPr>
+        <p:spPr/>
+        <p:txBody>
+          <a:bodyPr/>
+          <a:lstStyle/>
+          <a:p>
+            <a:fld id="{7C8E2CEC-E439-4EAB-AFDC-D27F98308DA3}" type="slidenum">
+              <a:rPr lang="ru-RU" smtClean="0"/>
+              <a:t>8</a:t>
+            </a:fld>
+            <a:endParaRPr lang="ru-RU"/>
+          </a:p>
+        </p:txBody>
+      </p:sp>
     </p:spTree>
     <p:extLst>
       <p:ext uri="{BB962C8B-B14F-4D97-AF65-F5344CB8AC3E}">
@@ -4667,6 +6204,13 @@
   <p:clrMapOvr>
     <a:masterClrMapping/>
   </p:clrMapOvr>
+  <p:timing>
+    <p:tnLst>
+      <p:par>
+        <p:cTn id="1" dur="indefinite" restart="never" nodeType="tmRoot"/>
+      </p:par>
+    </p:tnLst>
+  </p:timing>
 </p:sld>
 </file>
 
@@ -4699,7 +6243,9 @@
         </p:nvSpPr>
         <p:spPr/>
         <p:txBody>
-          <a:bodyPr/>
+          <a:bodyPr>
+            <a:normAutofit/>
+          </a:bodyPr>
           <a:lstStyle/>
           <a:p>
             <a:r>
@@ -4730,14 +6276,18 @@
             </a:pPr>
             <a:r>
               <a:rPr lang="ru-RU" dirty="0" smtClean="0"/>
-              <a:t>+  Большое </a:t>
-            </a:r>
-            <a:r>
-              <a:rPr lang="ru-RU" dirty="0"/>
+              <a:t>+  </a:t>
+            </a:r>
+            <a:r>
+              <a:rPr lang="ru-RU" sz="2800" dirty="0" smtClean="0"/>
+              <a:t>Большое </a:t>
+            </a:r>
+            <a:r>
+              <a:rPr lang="ru-RU" sz="2800" dirty="0"/>
               <a:t>количество параметров, позволяющее гибко настраивать объект </a:t>
             </a:r>
             <a:r>
-              <a:rPr lang="ru-RU" dirty="0" smtClean="0"/>
+              <a:rPr lang="ru-RU" sz="2800" dirty="0" smtClean="0"/>
               <a:t>моделирования</a:t>
             </a:r>
           </a:p>
@@ -4747,7 +6297,7 @@
               <a:buChar char="-"/>
             </a:pPr>
             <a:r>
-              <a:rPr lang="ru-RU" dirty="0" smtClean="0"/>
+              <a:rPr lang="ru-RU" sz="2800" dirty="0" smtClean="0"/>
               <a:t>Отсутствие реализации необходимого функционала</a:t>
             </a:r>
           </a:p>
@@ -4757,18 +6307,18 @@
               <a:buChar char="-"/>
             </a:pPr>
             <a:r>
-              <a:rPr lang="ru-RU" dirty="0" smtClean="0"/>
+              <a:rPr lang="ru-RU" sz="2800" dirty="0" smtClean="0"/>
               <a:t>Система </a:t>
             </a:r>
             <a:r>
-              <a:rPr lang="en-US" dirty="0" smtClean="0"/>
+              <a:rPr lang="en-US" sz="2800" dirty="0" smtClean="0"/>
               <a:t>Trace Mode </a:t>
             </a:r>
             <a:r>
-              <a:rPr lang="ru-RU" dirty="0" smtClean="0"/>
+              <a:rPr lang="ru-RU" sz="2800" dirty="0" smtClean="0"/>
               <a:t>предоставляется платно</a:t>
             </a:r>
-            <a:endParaRPr lang="ru-RU" dirty="0"/>
+            <a:endParaRPr lang="ru-RU" sz="2800" dirty="0"/>
           </a:p>
           <a:p>
             <a:pPr marL="0" indent="0">
@@ -4811,13 +6361,20 @@
   <p:clrMapOvr>
     <a:masterClrMapping/>
   </p:clrMapOvr>
+  <p:timing>
+    <p:tnLst>
+      <p:par>
+        <p:cTn id="1" dur="indefinite" restart="never" nodeType="tmRoot"/>
+      </p:par>
+    </p:tnLst>
+  </p:timing>
 </p:sld>
 </file>
 
 <file path=ppt/theme/theme1.xml><?xml version="1.0" encoding="utf-8"?>
-<a:theme xmlns:a="http://schemas.openxmlformats.org/drawingml/2006/main" name="Тема Office">
+<a:theme xmlns:a="http://schemas.openxmlformats.org/drawingml/2006/main" name="Исполнительная">
   <a:themeElements>
-    <a:clrScheme name="Стандартная">
+    <a:clrScheme name="Исполнительная">
       <a:dk1>
         <a:sysClr val="windowText" lastClr="000000"/>
       </a:dk1>
@@ -4825,48 +6382,83 @@
         <a:sysClr val="window" lastClr="FFFFFF"/>
       </a:lt1>
       <a:dk2>
-        <a:srgbClr val="1F497D"/>
+        <a:srgbClr val="2F5897"/>
       </a:dk2>
       <a:lt2>
-        <a:srgbClr val="EEECE1"/>
+        <a:srgbClr val="E4E9EF"/>
       </a:lt2>
       <a:accent1>
-        <a:srgbClr val="4F81BD"/>
+        <a:srgbClr val="6076B4"/>
       </a:accent1>
       <a:accent2>
-        <a:srgbClr val="C0504D"/>
+        <a:srgbClr val="9C5252"/>
       </a:accent2>
       <a:accent3>
-        <a:srgbClr val="9BBB59"/>
+        <a:srgbClr val="E68422"/>
       </a:accent3>
       <a:accent4>
-        <a:srgbClr val="8064A2"/>
+        <a:srgbClr val="846648"/>
       </a:accent4>
       <a:accent5>
-        <a:srgbClr val="4BACC6"/>
+        <a:srgbClr val="63891F"/>
       </a:accent5>
       <a:accent6>
-        <a:srgbClr val="F79646"/>
+        <a:srgbClr val="758085"/>
       </a:accent6>
       <a:hlink>
-        <a:srgbClr val="0000FF"/>
+        <a:srgbClr val="3399FF"/>
       </a:hlink>
       <a:folHlink>
-        <a:srgbClr val="800080"/>
+        <a:srgbClr val="B2B2B2"/>
       </a:folHlink>
     </a:clrScheme>
-    <a:fontScheme name="Стандартная">
+    <a:fontScheme name="Исполнительная">
       <a:majorFont>
-        <a:latin typeface="Calibri"/>
+        <a:latin typeface="Century Gothic"/>
         <a:ea typeface=""/>
         <a:cs typeface=""/>
-        <a:font script="Jpan" typeface="ＭＳ Ｐゴシック"/>
+        <a:font script="Jpan" typeface="HGｺﾞｼｯｸM"/>
+        <a:font script="Hang" typeface="HY중고딕"/>
+        <a:font script="Hans" typeface="幼圆"/>
+        <a:font script="Hant" typeface="微軟正黑體"/>
+        <a:font script="Arab" typeface="Tahoma"/>
+        <a:font script="Hebr" typeface="Gisha"/>
+        <a:font script="Thai" typeface="DilleniaUPC"/>
+        <a:font script="Ethi" typeface="Nyala"/>
+        <a:font script="Beng" typeface="Vrinda"/>
+        <a:font script="Gujr" typeface="Shruti"/>
+        <a:font script="Khmr" typeface="DaunPenh"/>
+        <a:font script="Knda" typeface="Tunga"/>
+        <a:font script="Guru" typeface="Raavi"/>
+        <a:font script="Cans" typeface="Euphemia"/>
+        <a:font script="Cher" typeface="Plantagenet Cherokee"/>
+        <a:font script="Yiii" typeface="Microsoft Yi Baiti"/>
+        <a:font script="Tibt" typeface="Microsoft Himalaya"/>
+        <a:font script="Thaa" typeface="MV Boli"/>
+        <a:font script="Deva" typeface="Mangal"/>
+        <a:font script="Telu" typeface="Gautami"/>
+        <a:font script="Taml" typeface="Latha"/>
+        <a:font script="Syrc" typeface="Estrangelo Edessa"/>
+        <a:font script="Orya" typeface="Kalinga"/>
+        <a:font script="Mlym" typeface="Kartika"/>
+        <a:font script="Laoo" typeface="DokChampa"/>
+        <a:font script="Sinh" typeface="Iskoola Pota"/>
+        <a:font script="Mong" typeface="Mongolian Baiti"/>
+        <a:font script="Viet" typeface="Tahoma"/>
+        <a:font script="Uigh" typeface="Microsoft Uighur"/>
+        <a:font script="Geor" typeface="Sylfaen"/>
+      </a:majorFont>
+      <a:minorFont>
+        <a:latin typeface="Palatino Linotype"/>
+        <a:ea typeface=""/>
+        <a:cs typeface=""/>
+        <a:font script="Jpan" typeface="HGS明朝E"/>
         <a:font script="Hang" typeface="맑은 고딕"/>
         <a:font script="Hans" typeface="宋体"/>
         <a:font script="Hant" typeface="新細明體"/>
         <a:font script="Arab" typeface="Times New Roman"/>
         <a:font script="Hebr" typeface="Times New Roman"/>
-        <a:font script="Thai" typeface="Angsana New"/>
+        <a:font script="Thai" typeface="Browallia New"/>
         <a:font script="Ethi" typeface="Nyala"/>
         <a:font script="Beng" typeface="Vrinda"/>
         <a:font script="Gujr" typeface="Shruti"/>
@@ -4890,44 +6482,9 @@
         <a:font script="Viet" typeface="Times New Roman"/>
         <a:font script="Uigh" typeface="Microsoft Uighur"/>
         <a:font script="Geor" typeface="Sylfaen"/>
-      </a:majorFont>
-      <a:minorFont>
-        <a:latin typeface="Calibri"/>
-        <a:ea typeface=""/>
-        <a:cs typeface=""/>
-        <a:font script="Jpan" typeface="ＭＳ Ｐゴシック"/>
-        <a:font script="Hang" typeface="맑은 고딕"/>
-        <a:font script="Hans" typeface="宋体"/>
-        <a:font script="Hant" typeface="新細明體"/>
-        <a:font script="Arab" typeface="Arial"/>
-        <a:font script="Hebr" typeface="Arial"/>
-        <a:font script="Thai" typeface="Cordia New"/>
-        <a:font script="Ethi" typeface="Nyala"/>
-        <a:font script="Beng" typeface="Vrinda"/>
-        <a:font script="Gujr" typeface="Shruti"/>
-        <a:font script="Khmr" typeface="DaunPenh"/>
-        <a:font script="Knda" typeface="Tunga"/>
-        <a:font script="Guru" typeface="Raavi"/>
-        <a:font script="Cans" typeface="Euphemia"/>
-        <a:font script="Cher" typeface="Plantagenet Cherokee"/>
-        <a:font script="Yiii" typeface="Microsoft Yi Baiti"/>
-        <a:font script="Tibt" typeface="Microsoft Himalaya"/>
-        <a:font script="Thaa" typeface="MV Boli"/>
-        <a:font script="Deva" typeface="Mangal"/>
-        <a:font script="Telu" typeface="Gautami"/>
-        <a:font script="Taml" typeface="Latha"/>
-        <a:font script="Syrc" typeface="Estrangelo Edessa"/>
-        <a:font script="Orya" typeface="Kalinga"/>
-        <a:font script="Mlym" typeface="Kartika"/>
-        <a:font script="Laoo" typeface="DokChampa"/>
-        <a:font script="Sinh" typeface="Iskoola Pota"/>
-        <a:font script="Mong" typeface="Mongolian Baiti"/>
-        <a:font script="Viet" typeface="Arial"/>
-        <a:font script="Uigh" typeface="Microsoft Uighur"/>
-        <a:font script="Geor" typeface="Sylfaen"/>
       </a:minorFont>
     </a:fontScheme>
-    <a:fmtScheme name="Стандартная">
+    <a:fmtScheme name="Исполнительная">
       <a:fillStyleLst>
         <a:solidFill>
           <a:schemeClr val="phClr"/>
@@ -4989,13 +6546,13 @@
           </a:solidFill>
           <a:prstDash val="solid"/>
         </a:ln>
-        <a:ln w="25400" cap="flat" cmpd="sng" algn="ctr">
+        <a:ln w="28575" cap="flat" cmpd="sng" algn="ctr">
           <a:solidFill>
             <a:schemeClr val="phClr"/>
           </a:solidFill>
           <a:prstDash val="solid"/>
         </a:ln>
-        <a:ln w="38100" cap="flat" cmpd="sng" algn="ctr">
+        <a:ln w="50800" cap="flat" cmpd="sng" algn="ctr">
           <a:solidFill>
             <a:schemeClr val="phClr"/>
           </a:solidFill>
@@ -5048,42 +6605,24 @@
         </a:solidFill>
         <a:gradFill rotWithShape="1">
           <a:gsLst>
-            <a:gs pos="0">
+            <a:gs pos="50000">
               <a:schemeClr val="phClr">
-                <a:tint val="40000"/>
-                <a:satMod val="350000"/>
+                <a:tint val="80000"/>
+                <a:satMod val="250000"/>
               </a:schemeClr>
             </a:gs>
-            <a:gs pos="40000">
+            <a:gs pos="76000">
               <a:schemeClr val="phClr">
-                <a:tint val="45000"/>
-                <a:shade val="99000"/>
-                <a:satMod val="350000"/>
+                <a:tint val="90000"/>
+                <a:shade val="90000"/>
+                <a:satMod val="200000"/>
               </a:schemeClr>
             </a:gs>
-            <a:gs pos="100000">
+            <a:gs pos="92000">
               <a:schemeClr val="phClr">
-                <a:shade val="20000"/>
-                <a:satMod val="255000"/>
-              </a:schemeClr>
-            </a:gs>
-          </a:gsLst>
-          <a:path path="circle">
-            <a:fillToRect l="50000" t="-80000" r="50000" b="180000"/>
-          </a:path>
-        </a:gradFill>
-        <a:gradFill rotWithShape="1">
-          <a:gsLst>
-            <a:gs pos="0">
-              <a:schemeClr val="phClr">
-                <a:tint val="80000"/>
-                <a:satMod val="300000"/>
-              </a:schemeClr>
-            </a:gs>
-            <a:gs pos="100000">
-              <a:schemeClr val="phClr">
-                <a:shade val="30000"/>
-                <a:satMod val="200000"/>
+                <a:tint val="90000"/>
+                <a:shade val="70000"/>
+                <a:satMod val="250000"/>
               </a:schemeClr>
             </a:gs>
           </a:gsLst>
@@ -5091,6 +6630,19 @@
             <a:fillToRect l="50000" t="50000" r="50000" b="50000"/>
           </a:path>
         </a:gradFill>
+        <a:blipFill>
+          <a:blip xmlns:r="http://schemas.openxmlformats.org/officeDocument/2006/relationships" r:embed="rId1">
+            <a:duotone>
+              <a:schemeClr val="phClr">
+                <a:tint val="95000"/>
+              </a:schemeClr>
+              <a:schemeClr val="phClr">
+                <a:shade val="90000"/>
+              </a:schemeClr>
+            </a:duotone>
+          </a:blip>
+          <a:tile tx="0" ty="0" sx="100000" sy="100000" flip="none" algn="tl"/>
+        </a:blipFill>
       </a:bgFillStyleLst>
     </a:fmtScheme>
   </a:themeElements>
